--- a/Exercise8/planning graphs.pptx
+++ b/Exercise8/planning graphs.pptx
@@ -9,8 +9,9 @@
     <p:sldId id="257" r:id="rId3"/>
     <p:sldId id="261" r:id="rId4"/>
     <p:sldId id="264" r:id="rId5"/>
-    <p:sldId id="262" r:id="rId6"/>
-    <p:sldId id="263" r:id="rId7"/>
+    <p:sldId id="265" r:id="rId6"/>
+    <p:sldId id="262" r:id="rId7"/>
+    <p:sldId id="263" r:id="rId8"/>
   </p:sldIdLst>
   <p:sldSz cx="12192000" cy="6858000"/>
   <p:notesSz cx="6858000" cy="9144000"/>
@@ -248,7 +249,7 @@
           <a:p>
             <a:fld id="{C227C98A-B513-4305-84D3-54D1C864E7D5}" type="datetimeFigureOut">
               <a:rPr lang="en-US" smtClean="0"/>
-              <a:t>12/18/2019</a:t>
+              <a:t>12/19/2019</a:t>
             </a:fld>
             <a:endParaRPr lang="en-US"/>
           </a:p>
@@ -418,7 +419,7 @@
           <a:p>
             <a:fld id="{C227C98A-B513-4305-84D3-54D1C864E7D5}" type="datetimeFigureOut">
               <a:rPr lang="en-US" smtClean="0"/>
-              <a:t>12/18/2019</a:t>
+              <a:t>12/19/2019</a:t>
             </a:fld>
             <a:endParaRPr lang="en-US"/>
           </a:p>
@@ -598,7 +599,7 @@
           <a:p>
             <a:fld id="{C227C98A-B513-4305-84D3-54D1C864E7D5}" type="datetimeFigureOut">
               <a:rPr lang="en-US" smtClean="0"/>
-              <a:t>12/18/2019</a:t>
+              <a:t>12/19/2019</a:t>
             </a:fld>
             <a:endParaRPr lang="en-US"/>
           </a:p>
@@ -768,7 +769,7 @@
           <a:p>
             <a:fld id="{C227C98A-B513-4305-84D3-54D1C864E7D5}" type="datetimeFigureOut">
               <a:rPr lang="en-US" smtClean="0"/>
-              <a:t>12/18/2019</a:t>
+              <a:t>12/19/2019</a:t>
             </a:fld>
             <a:endParaRPr lang="en-US"/>
           </a:p>
@@ -1014,7 +1015,7 @@
           <a:p>
             <a:fld id="{C227C98A-B513-4305-84D3-54D1C864E7D5}" type="datetimeFigureOut">
               <a:rPr lang="en-US" smtClean="0"/>
-              <a:t>12/18/2019</a:t>
+              <a:t>12/19/2019</a:t>
             </a:fld>
             <a:endParaRPr lang="en-US"/>
           </a:p>
@@ -1246,7 +1247,7 @@
           <a:p>
             <a:fld id="{C227C98A-B513-4305-84D3-54D1C864E7D5}" type="datetimeFigureOut">
               <a:rPr lang="en-US" smtClean="0"/>
-              <a:t>12/18/2019</a:t>
+              <a:t>12/19/2019</a:t>
             </a:fld>
             <a:endParaRPr lang="en-US"/>
           </a:p>
@@ -1613,7 +1614,7 @@
           <a:p>
             <a:fld id="{C227C98A-B513-4305-84D3-54D1C864E7D5}" type="datetimeFigureOut">
               <a:rPr lang="en-US" smtClean="0"/>
-              <a:t>12/18/2019</a:t>
+              <a:t>12/19/2019</a:t>
             </a:fld>
             <a:endParaRPr lang="en-US"/>
           </a:p>
@@ -1731,7 +1732,7 @@
           <a:p>
             <a:fld id="{C227C98A-B513-4305-84D3-54D1C864E7D5}" type="datetimeFigureOut">
               <a:rPr lang="en-US" smtClean="0"/>
-              <a:t>12/18/2019</a:t>
+              <a:t>12/19/2019</a:t>
             </a:fld>
             <a:endParaRPr lang="en-US"/>
           </a:p>
@@ -1826,7 +1827,7 @@
           <a:p>
             <a:fld id="{C227C98A-B513-4305-84D3-54D1C864E7D5}" type="datetimeFigureOut">
               <a:rPr lang="en-US" smtClean="0"/>
-              <a:t>12/18/2019</a:t>
+              <a:t>12/19/2019</a:t>
             </a:fld>
             <a:endParaRPr lang="en-US"/>
           </a:p>
@@ -2103,7 +2104,7 @@
           <a:p>
             <a:fld id="{C227C98A-B513-4305-84D3-54D1C864E7D5}" type="datetimeFigureOut">
               <a:rPr lang="en-US" smtClean="0"/>
-              <a:t>12/18/2019</a:t>
+              <a:t>12/19/2019</a:t>
             </a:fld>
             <a:endParaRPr lang="en-US"/>
           </a:p>
@@ -2356,7 +2357,7 @@
           <a:p>
             <a:fld id="{C227C98A-B513-4305-84D3-54D1C864E7D5}" type="datetimeFigureOut">
               <a:rPr lang="en-US" smtClean="0"/>
-              <a:t>12/18/2019</a:t>
+              <a:t>12/19/2019</a:t>
             </a:fld>
             <a:endParaRPr lang="en-US"/>
           </a:p>
@@ -2569,7 +2570,7 @@
           <a:p>
             <a:fld id="{C227C98A-B513-4305-84D3-54D1C864E7D5}" type="datetimeFigureOut">
               <a:rPr lang="en-US" smtClean="0"/>
-              <a:t>12/18/2019</a:t>
+              <a:t>12/19/2019</a:t>
             </a:fld>
             <a:endParaRPr lang="en-US"/>
           </a:p>
@@ -18512,8 +18513,8 @@
           </a:p>
         </p:txBody>
       </p:sp>
-      <mc:AlternateContent xmlns:mc="http://schemas.openxmlformats.org/markup-compatibility/2006">
-        <mc:Choice xmlns:a14="http://schemas.microsoft.com/office/drawing/2010/main" Requires="a14">
+      <mc:AlternateContent xmlns:mc="http://schemas.openxmlformats.org/markup-compatibility/2006" xmlns:a14="http://schemas.microsoft.com/office/drawing/2010/main">
+        <mc:Choice Requires="a14">
           <p:sp>
             <p:nvSpPr>
               <p:cNvPr id="7" name="Rectángulo 6"/>
@@ -18584,7 +18585,7 @@
             </p:txBody>
           </p:sp>
         </mc:Choice>
-        <mc:Fallback>
+        <mc:Fallback xmlns="">
           <p:sp>
             <p:nvSpPr>
               <p:cNvPr id="7" name="Rectángulo 6"/>
@@ -18834,8 +18835,8 @@
           </a:p>
         </p:txBody>
       </p:sp>
-      <mc:AlternateContent xmlns:mc="http://schemas.openxmlformats.org/markup-compatibility/2006">
-        <mc:Choice xmlns:a14="http://schemas.microsoft.com/office/drawing/2010/main" Requires="a14">
+      <mc:AlternateContent xmlns:mc="http://schemas.openxmlformats.org/markup-compatibility/2006" xmlns:a14="http://schemas.microsoft.com/office/drawing/2010/main">
+        <mc:Choice Requires="a14">
           <p:sp>
             <p:nvSpPr>
               <p:cNvPr id="17" name="Elipse 16"/>
@@ -18906,7 +18907,7 @@
             </p:txBody>
           </p:sp>
         </mc:Choice>
-        <mc:Fallback>
+        <mc:Fallback xmlns="">
           <p:sp>
             <p:nvSpPr>
               <p:cNvPr id="17" name="Elipse 16"/>
@@ -19856,8 +19857,8 @@
           </a:p>
         </p:txBody>
       </p:sp>
-      <mc:AlternateContent xmlns:mc="http://schemas.openxmlformats.org/markup-compatibility/2006">
-        <mc:Choice xmlns:a14="http://schemas.microsoft.com/office/drawing/2010/main" Requires="a14">
+      <mc:AlternateContent xmlns:mc="http://schemas.openxmlformats.org/markup-compatibility/2006" xmlns:a14="http://schemas.microsoft.com/office/drawing/2010/main">
+        <mc:Choice Requires="a14">
           <p:sp>
             <p:nvSpPr>
               <p:cNvPr id="112" name="Elipse 111"/>
@@ -19928,7 +19929,7 @@
             </p:txBody>
           </p:sp>
         </mc:Choice>
-        <mc:Fallback>
+        <mc:Fallback xmlns="">
           <p:sp>
             <p:nvSpPr>
               <p:cNvPr id="112" name="Elipse 111"/>
@@ -20765,8 +20766,8 @@
           </a:p>
         </p:txBody>
       </p:sp>
-      <mc:AlternateContent xmlns:mc="http://schemas.openxmlformats.org/markup-compatibility/2006">
-        <mc:Choice xmlns:a14="http://schemas.microsoft.com/office/drawing/2010/main" Requires="a14">
+      <mc:AlternateContent xmlns:mc="http://schemas.openxmlformats.org/markup-compatibility/2006" xmlns:a14="http://schemas.microsoft.com/office/drawing/2010/main">
+        <mc:Choice Requires="a14">
           <p:sp>
             <p:nvSpPr>
               <p:cNvPr id="137" name="Elipse 136"/>
@@ -20837,7 +20838,7 @@
             </p:txBody>
           </p:sp>
         </mc:Choice>
-        <mc:Fallback>
+        <mc:Fallback xmlns="">
           <p:sp>
             <p:nvSpPr>
               <p:cNvPr id="137" name="Elipse 136"/>
@@ -21602,8 +21603,8 @@
           </a:fontRef>
         </p:style>
       </p:cxnSp>
-      <mc:AlternateContent xmlns:mc="http://schemas.openxmlformats.org/markup-compatibility/2006">
-        <mc:Choice xmlns:a14="http://schemas.microsoft.com/office/drawing/2010/main" Requires="a14">
+      <mc:AlternateContent xmlns:mc="http://schemas.openxmlformats.org/markup-compatibility/2006" xmlns:a14="http://schemas.microsoft.com/office/drawing/2010/main">
+        <mc:Choice Requires="a14">
           <p:sp>
             <p:nvSpPr>
               <p:cNvPr id="171" name="Rectángulo 170"/>
@@ -21672,7 +21673,7 @@
             </p:txBody>
           </p:sp>
         </mc:Choice>
-        <mc:Fallback>
+        <mc:Fallback xmlns="">
           <p:sp>
             <p:nvSpPr>
               <p:cNvPr id="171" name="Rectángulo 170"/>
@@ -21769,8 +21770,8 @@
             <a:chExt cx="460951" cy="748248"/>
           </a:xfrm>
         </p:grpSpPr>
-        <mc:AlternateContent xmlns:mc="http://schemas.openxmlformats.org/markup-compatibility/2006">
-          <mc:Choice xmlns:a14="http://schemas.microsoft.com/office/drawing/2010/main" Requires="a14">
+        <mc:AlternateContent xmlns:mc="http://schemas.openxmlformats.org/markup-compatibility/2006" xmlns:a14="http://schemas.microsoft.com/office/drawing/2010/main">
+          <mc:Choice Requires="a14">
             <p:sp>
               <p:nvSpPr>
                 <p:cNvPr id="11" name="Rectángulo 10"/>
@@ -21876,7 +21877,7 @@
               </p:txBody>
             </p:sp>
           </mc:Choice>
-          <mc:Fallback>
+          <mc:Fallback xmlns="">
             <p:sp>
               <p:nvSpPr>
                 <p:cNvPr id="11" name="Rectángulo 10"/>
@@ -21920,8 +21921,8 @@
             </p:sp>
           </mc:Fallback>
         </mc:AlternateContent>
-        <mc:AlternateContent xmlns:mc="http://schemas.openxmlformats.org/markup-compatibility/2006">
-          <mc:Choice xmlns:a14="http://schemas.microsoft.com/office/drawing/2010/main" Requires="a14">
+        <mc:AlternateContent xmlns:mc="http://schemas.openxmlformats.org/markup-compatibility/2006" xmlns:a14="http://schemas.microsoft.com/office/drawing/2010/main">
+          <mc:Choice Requires="a14">
             <p:sp>
               <p:nvSpPr>
                 <p:cNvPr id="59" name="CuadroTexto 58"/>
@@ -21944,6 +21945,7 @@
                 </a:bodyPr>
                 <a:lstStyle/>
                 <a:p>
+                  <a:pPr/>
                   <a14:m>
                     <m:oMathPara xmlns:m="http://schemas.openxmlformats.org/officeDocument/2006/math">
                       <m:oMathParaPr>
@@ -21983,7 +21985,7 @@
               </p:txBody>
             </p:sp>
           </mc:Choice>
-          <mc:Fallback>
+          <mc:Fallback xmlns="">
             <p:sp>
               <p:nvSpPr>
                 <p:cNvPr id="59" name="CuadroTexto 58"/>
@@ -22087,8 +22089,8 @@
             </a:p>
           </p:txBody>
         </p:sp>
-        <mc:AlternateContent xmlns:mc="http://schemas.openxmlformats.org/markup-compatibility/2006">
-          <mc:Choice xmlns:a14="http://schemas.microsoft.com/office/drawing/2010/main" Requires="a14">
+        <mc:AlternateContent xmlns:mc="http://schemas.openxmlformats.org/markup-compatibility/2006" xmlns:a14="http://schemas.microsoft.com/office/drawing/2010/main">
+          <mc:Choice Requires="a14">
             <p:sp>
               <p:nvSpPr>
                 <p:cNvPr id="165" name="CuadroTexto 164"/>
@@ -22111,6 +22113,7 @@
                 </a:bodyPr>
                 <a:lstStyle/>
                 <a:p>
+                  <a:pPr/>
                   <a14:m>
                     <m:oMathPara xmlns:m="http://schemas.openxmlformats.org/officeDocument/2006/math">
                       <m:oMathParaPr>
@@ -22150,7 +22153,7 @@
               </p:txBody>
             </p:sp>
           </mc:Choice>
-          <mc:Fallback>
+          <mc:Fallback xmlns="">
             <p:sp>
               <p:nvSpPr>
                 <p:cNvPr id="165" name="CuadroTexto 164"/>
@@ -22190,8 +22193,8 @@
           </mc:Fallback>
         </mc:AlternateContent>
       </p:grpSp>
-      <mc:AlternateContent xmlns:mc="http://schemas.openxmlformats.org/markup-compatibility/2006">
-        <mc:Choice xmlns:a14="http://schemas.microsoft.com/office/drawing/2010/main" Requires="a14">
+      <mc:AlternateContent xmlns:mc="http://schemas.openxmlformats.org/markup-compatibility/2006" xmlns:a14="http://schemas.microsoft.com/office/drawing/2010/main">
+        <mc:Choice Requires="a14">
           <p:sp>
             <p:nvSpPr>
               <p:cNvPr id="121" name="Rectángulo 120"/>
@@ -22288,16 +22291,11 @@
                   </a:rPr>
                   <a:t>}</a:t>
                 </a:r>
-                <a:endParaRPr lang="en-US" sz="1200" dirty="0">
-                  <a:solidFill>
-                    <a:sysClr val="windowText" lastClr="000000"/>
-                  </a:solidFill>
-                </a:endParaRPr>
               </a:p>
             </p:txBody>
           </p:sp>
         </mc:Choice>
-        <mc:Fallback>
+        <mc:Fallback xmlns="">
           <p:sp>
             <p:nvSpPr>
               <p:cNvPr id="121" name="Rectángulo 120"/>
@@ -22632,8 +22630,8 @@
           </a:p>
         </p:txBody>
       </p:sp>
-      <mc:AlternateContent xmlns:mc="http://schemas.openxmlformats.org/markup-compatibility/2006">
-        <mc:Choice xmlns:a14="http://schemas.microsoft.com/office/drawing/2010/main" Requires="a14">
+      <mc:AlternateContent xmlns:mc="http://schemas.openxmlformats.org/markup-compatibility/2006" xmlns:a14="http://schemas.microsoft.com/office/drawing/2010/main">
+        <mc:Choice Requires="a14">
           <p:sp>
             <p:nvSpPr>
               <p:cNvPr id="66" name="CuadroTexto 65"/>
@@ -22684,13 +22682,7 @@
                             <a:rPr lang="en-US" sz="3200" b="1" i="1" smtClean="0">
                               <a:latin typeface="Cambria Math" panose="02040503050406030204" pitchFamily="18" charset="0"/>
                             </a:rPr>
-                            <m:t>𝒔</m:t>
-                          </m:r>
-                          <m:r>
-                            <a:rPr lang="en-US" sz="3200" b="1" i="1" smtClean="0">
-                              <a:latin typeface="Cambria Math" panose="02040503050406030204" pitchFamily="18" charset="0"/>
-                            </a:rPr>
-                            <m:t>𝒂</m:t>
+                            <m:t>𝒔𝒂</m:t>
                           </m:r>
                         </m:sub>
                       </m:sSub>
@@ -22702,7 +22694,7 @@
             </p:txBody>
           </p:sp>
         </mc:Choice>
-        <mc:Fallback>
+        <mc:Fallback xmlns="">
           <p:sp>
             <p:nvSpPr>
               <p:cNvPr id="66" name="CuadroTexto 65"/>
@@ -22741,8 +22733,8 @@
           </p:sp>
         </mc:Fallback>
       </mc:AlternateContent>
-      <mc:AlternateContent xmlns:mc="http://schemas.openxmlformats.org/markup-compatibility/2006">
-        <mc:Choice xmlns:a14="http://schemas.microsoft.com/office/drawing/2010/main" Requires="a14">
+      <mc:AlternateContent xmlns:mc="http://schemas.openxmlformats.org/markup-compatibility/2006" xmlns:a14="http://schemas.microsoft.com/office/drawing/2010/main">
+        <mc:Choice Requires="a14">
           <p:sp>
             <p:nvSpPr>
               <p:cNvPr id="102" name="CuadroTexto 101"/>
@@ -22765,6 +22757,7 @@
               </a:bodyPr>
               <a:lstStyle/>
               <a:p>
+                <a:pPr/>
                 <a14:m>
                   <m:oMathPara xmlns:m="http://schemas.openxmlformats.org/officeDocument/2006/math">
                     <m:oMathParaPr>
@@ -22816,7 +22809,7 @@
             </p:txBody>
           </p:sp>
         </mc:Choice>
-        <mc:Fallback>
+        <mc:Fallback xmlns="">
           <p:sp>
             <p:nvSpPr>
               <p:cNvPr id="102" name="CuadroTexto 101"/>
@@ -22855,8 +22848,8 @@
           </p:sp>
         </mc:Fallback>
       </mc:AlternateContent>
-      <mc:AlternateContent xmlns:mc="http://schemas.openxmlformats.org/markup-compatibility/2006">
-        <mc:Choice xmlns:a14="http://schemas.microsoft.com/office/drawing/2010/main" Requires="a14">
+      <mc:AlternateContent xmlns:mc="http://schemas.openxmlformats.org/markup-compatibility/2006" xmlns:a14="http://schemas.microsoft.com/office/drawing/2010/main">
+        <mc:Choice Requires="a14">
           <p:sp>
             <p:nvSpPr>
               <p:cNvPr id="103" name="CuadroTexto 102"/>
@@ -22879,6 +22872,7 @@
               </a:bodyPr>
               <a:lstStyle/>
               <a:p>
+                <a:pPr/>
                 <a14:m>
                   <m:oMathPara xmlns:m="http://schemas.openxmlformats.org/officeDocument/2006/math">
                     <m:oMathParaPr>
@@ -22930,6 +22924,7 @@
                 </a:endParaRPr>
               </a:p>
               <a:p>
+                <a:pPr/>
                 <a14:m>
                   <m:oMathPara xmlns:m="http://schemas.openxmlformats.org/officeDocument/2006/math">
                     <m:oMathParaPr>
@@ -22975,7 +22970,7 @@
             </p:txBody>
           </p:sp>
         </mc:Choice>
-        <mc:Fallback>
+        <mc:Fallback xmlns="">
           <p:sp>
             <p:nvSpPr>
               <p:cNvPr id="103" name="CuadroTexto 102"/>
@@ -23014,8 +23009,8 @@
           </p:sp>
         </mc:Fallback>
       </mc:AlternateContent>
-      <mc:AlternateContent xmlns:mc="http://schemas.openxmlformats.org/markup-compatibility/2006">
-        <mc:Choice xmlns:a14="http://schemas.microsoft.com/office/drawing/2010/main" Requires="a14">
+      <mc:AlternateContent xmlns:mc="http://schemas.openxmlformats.org/markup-compatibility/2006" xmlns:a14="http://schemas.microsoft.com/office/drawing/2010/main">
+        <mc:Choice Requires="a14">
           <p:sp>
             <p:nvSpPr>
               <p:cNvPr id="21" name="Rectángulo 20"/>
@@ -23089,7 +23084,7 @@
             </p:txBody>
           </p:sp>
         </mc:Choice>
-        <mc:Fallback>
+        <mc:Fallback xmlns="">
           <p:sp>
             <p:nvSpPr>
               <p:cNvPr id="21" name="Rectángulo 20"/>
@@ -23128,8 +23123,8 @@
           </p:sp>
         </mc:Fallback>
       </mc:AlternateContent>
-      <mc:AlternateContent xmlns:mc="http://schemas.openxmlformats.org/markup-compatibility/2006">
-        <mc:Choice xmlns:a14="http://schemas.microsoft.com/office/drawing/2010/main" Requires="a14">
+      <mc:AlternateContent xmlns:mc="http://schemas.openxmlformats.org/markup-compatibility/2006" xmlns:a14="http://schemas.microsoft.com/office/drawing/2010/main">
+        <mc:Choice Requires="a14">
           <p:sp>
             <p:nvSpPr>
               <p:cNvPr id="105" name="CuadroTexto 104"/>
@@ -23152,6 +23147,7 @@
               </a:bodyPr>
               <a:lstStyle/>
               <a:p>
+                <a:pPr/>
                 <a14:m>
                   <m:oMathPara xmlns:m="http://schemas.openxmlformats.org/officeDocument/2006/math">
                     <m:oMathParaPr>
@@ -23203,6 +23199,7 @@
                 </a:endParaRPr>
               </a:p>
               <a:p>
+                <a:pPr/>
                 <a14:m>
                   <m:oMathPara xmlns:m="http://schemas.openxmlformats.org/officeDocument/2006/math">
                     <m:oMathParaPr>
@@ -23254,7 +23251,7 @@
             </p:txBody>
           </p:sp>
         </mc:Choice>
-        <mc:Fallback>
+        <mc:Fallback xmlns="">
           <p:sp>
             <p:nvSpPr>
               <p:cNvPr id="105" name="CuadroTexto 104"/>
@@ -23293,8 +23290,8 @@
           </p:sp>
         </mc:Fallback>
       </mc:AlternateContent>
-      <mc:AlternateContent xmlns:mc="http://schemas.openxmlformats.org/markup-compatibility/2006">
-        <mc:Choice xmlns:a14="http://schemas.microsoft.com/office/drawing/2010/main" Requires="a14">
+      <mc:AlternateContent xmlns:mc="http://schemas.openxmlformats.org/markup-compatibility/2006" xmlns:a14="http://schemas.microsoft.com/office/drawing/2010/main">
+        <mc:Choice Requires="a14">
           <p:sp>
             <p:nvSpPr>
               <p:cNvPr id="106" name="CuadroTexto 105"/>
@@ -23317,6 +23314,7 @@
               </a:bodyPr>
               <a:lstStyle/>
               <a:p>
+                <a:pPr/>
                 <a14:m>
                   <m:oMathPara xmlns:m="http://schemas.openxmlformats.org/officeDocument/2006/math">
                     <m:oMathParaPr>
@@ -23356,7 +23354,7 @@
             </p:txBody>
           </p:sp>
         </mc:Choice>
-        <mc:Fallback>
+        <mc:Fallback xmlns="">
           <p:sp>
             <p:nvSpPr>
               <p:cNvPr id="106" name="CuadroTexto 105"/>
@@ -23395,8 +23393,8 @@
           </p:sp>
         </mc:Fallback>
       </mc:AlternateContent>
-      <mc:AlternateContent xmlns:mc="http://schemas.openxmlformats.org/markup-compatibility/2006">
-        <mc:Choice xmlns:a14="http://schemas.microsoft.com/office/drawing/2010/main" Requires="a14">
+      <mc:AlternateContent xmlns:mc="http://schemas.openxmlformats.org/markup-compatibility/2006" xmlns:a14="http://schemas.microsoft.com/office/drawing/2010/main">
+        <mc:Choice Requires="a14">
           <p:sp>
             <p:nvSpPr>
               <p:cNvPr id="23" name="Rectángulo 22"/>
@@ -23477,7 +23475,7 @@
             </p:txBody>
           </p:sp>
         </mc:Choice>
-        <mc:Fallback>
+        <mc:Fallback xmlns="">
           <p:sp>
             <p:nvSpPr>
               <p:cNvPr id="23" name="Rectángulo 22"/>
@@ -23516,8 +23514,8 @@
           </p:sp>
         </mc:Fallback>
       </mc:AlternateContent>
-      <mc:AlternateContent xmlns:mc="http://schemas.openxmlformats.org/markup-compatibility/2006">
-        <mc:Choice xmlns:a14="http://schemas.microsoft.com/office/drawing/2010/main" Requires="a14">
+      <mc:AlternateContent xmlns:mc="http://schemas.openxmlformats.org/markup-compatibility/2006" xmlns:a14="http://schemas.microsoft.com/office/drawing/2010/main">
+        <mc:Choice Requires="a14">
           <p:sp>
             <p:nvSpPr>
               <p:cNvPr id="108" name="CuadroTexto 107"/>
@@ -23540,6 +23538,7 @@
               </a:bodyPr>
               <a:lstStyle/>
               <a:p>
+                <a:pPr/>
                 <a14:m>
                   <m:oMathPara xmlns:m="http://schemas.openxmlformats.org/officeDocument/2006/math">
                     <m:oMathParaPr>
@@ -23591,6 +23590,7 @@
                 </a:endParaRPr>
               </a:p>
               <a:p>
+                <a:pPr/>
                 <a14:m>
                   <m:oMathPara xmlns:m="http://schemas.openxmlformats.org/officeDocument/2006/math">
                     <m:oMathParaPr>
@@ -23642,7 +23642,7 @@
             </p:txBody>
           </p:sp>
         </mc:Choice>
-        <mc:Fallback>
+        <mc:Fallback xmlns="">
           <p:sp>
             <p:nvSpPr>
               <p:cNvPr id="108" name="CuadroTexto 107"/>
@@ -23681,8 +23681,8 @@
           </p:sp>
         </mc:Fallback>
       </mc:AlternateContent>
-      <mc:AlternateContent xmlns:mc="http://schemas.openxmlformats.org/markup-compatibility/2006">
-        <mc:Choice xmlns:a14="http://schemas.microsoft.com/office/drawing/2010/main" Requires="a14">
+      <mc:AlternateContent xmlns:mc="http://schemas.openxmlformats.org/markup-compatibility/2006" xmlns:a14="http://schemas.microsoft.com/office/drawing/2010/main">
+        <mc:Choice Requires="a14">
           <p:sp>
             <p:nvSpPr>
               <p:cNvPr id="144" name="Rectángulo 143"/>
@@ -23763,7 +23763,7 @@
             </p:txBody>
           </p:sp>
         </mc:Choice>
-        <mc:Fallback>
+        <mc:Fallback xmlns="">
           <p:sp>
             <p:nvSpPr>
               <p:cNvPr id="144" name="Rectángulo 143"/>
@@ -23802,8 +23802,8 @@
           </p:sp>
         </mc:Fallback>
       </mc:AlternateContent>
-      <mc:AlternateContent xmlns:mc="http://schemas.openxmlformats.org/markup-compatibility/2006">
-        <mc:Choice xmlns:a14="http://schemas.microsoft.com/office/drawing/2010/main" Requires="a14">
+      <mc:AlternateContent xmlns:mc="http://schemas.openxmlformats.org/markup-compatibility/2006" xmlns:a14="http://schemas.microsoft.com/office/drawing/2010/main">
+        <mc:Choice Requires="a14">
           <p:sp>
             <p:nvSpPr>
               <p:cNvPr id="155" name="CuadroTexto 154"/>
@@ -23826,6 +23826,7 @@
               </a:bodyPr>
               <a:lstStyle/>
               <a:p>
+                <a:pPr/>
                 <a14:m>
                   <m:oMathPara xmlns:m="http://schemas.openxmlformats.org/officeDocument/2006/math">
                     <m:oMathParaPr>
@@ -23865,7 +23866,7 @@
             </p:txBody>
           </p:sp>
         </mc:Choice>
-        <mc:Fallback>
+        <mc:Fallback xmlns="">
           <p:sp>
             <p:nvSpPr>
               <p:cNvPr id="155" name="CuadroTexto 154"/>
@@ -23904,8 +23905,8 @@
           </p:sp>
         </mc:Fallback>
       </mc:AlternateContent>
-      <mc:AlternateContent xmlns:mc="http://schemas.openxmlformats.org/markup-compatibility/2006">
-        <mc:Choice xmlns:a14="http://schemas.microsoft.com/office/drawing/2010/main" Requires="a14">
+      <mc:AlternateContent xmlns:mc="http://schemas.openxmlformats.org/markup-compatibility/2006" xmlns:a14="http://schemas.microsoft.com/office/drawing/2010/main">
+        <mc:Choice Requires="a14">
           <p:sp>
             <p:nvSpPr>
               <p:cNvPr id="159" name="Rectángulo 158"/>
@@ -23979,7 +23980,7 @@
             </p:txBody>
           </p:sp>
         </mc:Choice>
-        <mc:Fallback>
+        <mc:Fallback xmlns="">
           <p:sp>
             <p:nvSpPr>
               <p:cNvPr id="159" name="Rectángulo 158"/>
@@ -24018,8 +24019,8 @@
           </p:sp>
         </mc:Fallback>
       </mc:AlternateContent>
-      <mc:AlternateContent xmlns:mc="http://schemas.openxmlformats.org/markup-compatibility/2006">
-        <mc:Choice xmlns:a14="http://schemas.microsoft.com/office/drawing/2010/main" Requires="a14">
+      <mc:AlternateContent xmlns:mc="http://schemas.openxmlformats.org/markup-compatibility/2006" xmlns:a14="http://schemas.microsoft.com/office/drawing/2010/main">
+        <mc:Choice Requires="a14">
           <p:sp>
             <p:nvSpPr>
               <p:cNvPr id="160" name="CuadroTexto 159"/>
@@ -24042,6 +24043,7 @@
               </a:bodyPr>
               <a:lstStyle/>
               <a:p>
+                <a:pPr/>
                 <a14:m>
                   <m:oMathPara xmlns:m="http://schemas.openxmlformats.org/officeDocument/2006/math">
                     <m:oMathParaPr>
@@ -24081,7 +24083,7 @@
             </p:txBody>
           </p:sp>
         </mc:Choice>
-        <mc:Fallback>
+        <mc:Fallback xmlns="">
           <p:sp>
             <p:nvSpPr>
               <p:cNvPr id="160" name="CuadroTexto 159"/>
@@ -24130,7 +24132,7 @@
             </p:nvSpPr>
             <p:spPr>
               <a:xfrm>
-                <a:off x="8246376" y="1709147"/>
+                <a:off x="8246376" y="1683269"/>
                 <a:ext cx="421461" cy="307777"/>
               </a:xfrm>
               <a:prstGeom prst="rect">
@@ -24144,6 +24146,7 @@
               </a:bodyPr>
               <a:lstStyle/>
               <a:p>
+                <a:pPr/>
                 <a14:m>
                   <m:oMathPara xmlns:m="http://schemas.openxmlformats.org/officeDocument/2006/math">
                     <m:oMathParaPr>
@@ -24194,7 +24197,7 @@
             </p:nvSpPr>
             <p:spPr>
               <a:xfrm>
-                <a:off x="8246376" y="1709147"/>
+                <a:off x="8246376" y="1683269"/>
                 <a:ext cx="421461" cy="307777"/>
               </a:xfrm>
               <a:prstGeom prst="rect">
@@ -24222,8 +24225,8 @@
           </p:sp>
         </mc:Fallback>
       </mc:AlternateContent>
-      <mc:AlternateContent xmlns:mc="http://schemas.openxmlformats.org/markup-compatibility/2006">
-        <mc:Choice xmlns:a14="http://schemas.microsoft.com/office/drawing/2010/main" Requires="a14">
+      <mc:AlternateContent xmlns:mc="http://schemas.openxmlformats.org/markup-compatibility/2006" xmlns:a14="http://schemas.microsoft.com/office/drawing/2010/main">
+        <mc:Choice Requires="a14">
           <p:sp>
             <p:nvSpPr>
               <p:cNvPr id="164" name="CuadroTexto 163"/>
@@ -24246,6 +24249,7 @@
               </a:bodyPr>
               <a:lstStyle/>
               <a:p>
+                <a:pPr/>
                 <a14:m>
                   <m:oMathPara xmlns:m="http://schemas.openxmlformats.org/officeDocument/2006/math">
                     <m:oMathParaPr>
@@ -24297,6 +24301,7 @@
                 </a:endParaRPr>
               </a:p>
               <a:p>
+                <a:pPr/>
                 <a14:m>
                   <m:oMathPara xmlns:m="http://schemas.openxmlformats.org/officeDocument/2006/math">
                     <m:oMathParaPr>
@@ -24342,7 +24347,7 @@
             </p:txBody>
           </p:sp>
         </mc:Choice>
-        <mc:Fallback>
+        <mc:Fallback xmlns="">
           <p:sp>
             <p:nvSpPr>
               <p:cNvPr id="164" name="CuadroTexto 163"/>
@@ -24381,8 +24386,8 @@
           </p:sp>
         </mc:Fallback>
       </mc:AlternateContent>
-      <mc:AlternateContent xmlns:mc="http://schemas.openxmlformats.org/markup-compatibility/2006">
-        <mc:Choice xmlns:a14="http://schemas.microsoft.com/office/drawing/2010/main" Requires="a14">
+      <mc:AlternateContent xmlns:mc="http://schemas.openxmlformats.org/markup-compatibility/2006" xmlns:a14="http://schemas.microsoft.com/office/drawing/2010/main">
+        <mc:Choice Requires="a14">
           <p:sp>
             <p:nvSpPr>
               <p:cNvPr id="176" name="CuadroTexto 175"/>
@@ -24405,6 +24410,7 @@
               </a:bodyPr>
               <a:lstStyle/>
               <a:p>
+                <a:pPr/>
                 <a14:m>
                   <m:oMathPara xmlns:m="http://schemas.openxmlformats.org/officeDocument/2006/math">
                     <m:oMathParaPr>
@@ -24456,6 +24462,7 @@
                 </a:endParaRPr>
               </a:p>
               <a:p>
+                <a:pPr/>
                 <a14:m>
                   <m:oMathPara xmlns:m="http://schemas.openxmlformats.org/officeDocument/2006/math">
                     <m:oMathParaPr>
@@ -24501,7 +24508,7 @@
             </p:txBody>
           </p:sp>
         </mc:Choice>
-        <mc:Fallback>
+        <mc:Fallback xmlns="">
           <p:sp>
             <p:nvSpPr>
               <p:cNvPr id="176" name="CuadroTexto 175"/>
@@ -24540,8 +24547,8 @@
           </p:sp>
         </mc:Fallback>
       </mc:AlternateContent>
-      <mc:AlternateContent xmlns:mc="http://schemas.openxmlformats.org/markup-compatibility/2006">
-        <mc:Choice xmlns:a14="http://schemas.microsoft.com/office/drawing/2010/main" Requires="a14">
+      <mc:AlternateContent xmlns:mc="http://schemas.openxmlformats.org/markup-compatibility/2006" xmlns:a14="http://schemas.microsoft.com/office/drawing/2010/main">
+        <mc:Choice Requires="a14">
           <p:sp>
             <p:nvSpPr>
               <p:cNvPr id="177" name="CuadroTexto 176"/>
@@ -24564,6 +24571,7 @@
               </a:bodyPr>
               <a:lstStyle/>
               <a:p>
+                <a:pPr/>
                 <a14:m>
                   <m:oMathPara xmlns:m="http://schemas.openxmlformats.org/officeDocument/2006/math">
                     <m:oMathParaPr>
@@ -24615,6 +24623,7 @@
                 </a:endParaRPr>
               </a:p>
               <a:p>
+                <a:pPr/>
                 <a14:m>
                   <m:oMathPara xmlns:m="http://schemas.openxmlformats.org/officeDocument/2006/math">
                     <m:oMathParaPr>
@@ -24660,6 +24669,7 @@
                 </a:endParaRPr>
               </a:p>
               <a:p>
+                <a:pPr/>
                 <a14:m>
                   <m:oMathPara xmlns:m="http://schemas.openxmlformats.org/officeDocument/2006/math">
                     <m:oMathParaPr>
@@ -24705,7 +24715,7 @@
             </p:txBody>
           </p:sp>
         </mc:Choice>
-        <mc:Fallback>
+        <mc:Fallback xmlns="">
           <p:sp>
             <p:nvSpPr>
               <p:cNvPr id="177" name="CuadroTexto 176"/>
@@ -24744,8 +24754,8 @@
           </p:sp>
         </mc:Fallback>
       </mc:AlternateContent>
-      <mc:AlternateContent xmlns:mc="http://schemas.openxmlformats.org/markup-compatibility/2006">
-        <mc:Choice xmlns:a14="http://schemas.microsoft.com/office/drawing/2010/main" Requires="a14">
+      <mc:AlternateContent xmlns:mc="http://schemas.openxmlformats.org/markup-compatibility/2006" xmlns:a14="http://schemas.microsoft.com/office/drawing/2010/main">
+        <mc:Choice Requires="a14">
           <p:sp>
             <p:nvSpPr>
               <p:cNvPr id="178" name="CuadroTexto 177"/>
@@ -24768,6 +24778,7 @@
               </a:bodyPr>
               <a:lstStyle/>
               <a:p>
+                <a:pPr/>
                 <a14:m>
                   <m:oMathPara xmlns:m="http://schemas.openxmlformats.org/officeDocument/2006/math">
                     <m:oMathParaPr>
@@ -24819,6 +24830,7 @@
                 </a:endParaRPr>
               </a:p>
               <a:p>
+                <a:pPr/>
                 <a14:m>
                   <m:oMathPara xmlns:m="http://schemas.openxmlformats.org/officeDocument/2006/math">
                     <m:oMathParaPr>
@@ -24870,7 +24882,7 @@
             </p:txBody>
           </p:sp>
         </mc:Choice>
-        <mc:Fallback>
+        <mc:Fallback xmlns="">
           <p:sp>
             <p:nvSpPr>
               <p:cNvPr id="178" name="CuadroTexto 177"/>
@@ -24909,8 +24921,8 @@
           </p:sp>
         </mc:Fallback>
       </mc:AlternateContent>
-      <mc:AlternateContent xmlns:mc="http://schemas.openxmlformats.org/markup-compatibility/2006">
-        <mc:Choice xmlns:a14="http://schemas.microsoft.com/office/drawing/2010/main" Requires="a14">
+      <mc:AlternateContent xmlns:mc="http://schemas.openxmlformats.org/markup-compatibility/2006" xmlns:a14="http://schemas.microsoft.com/office/drawing/2010/main">
+        <mc:Choice Requires="a14">
           <p:sp>
             <p:nvSpPr>
               <p:cNvPr id="179" name="CuadroTexto 178"/>
@@ -24933,6 +24945,7 @@
               </a:bodyPr>
               <a:lstStyle/>
               <a:p>
+                <a:pPr/>
                 <a14:m>
                   <m:oMathPara xmlns:m="http://schemas.openxmlformats.org/officeDocument/2006/math">
                     <m:oMathParaPr>
@@ -24984,6 +24997,7 @@
                 </a:endParaRPr>
               </a:p>
               <a:p>
+                <a:pPr/>
                 <a14:m>
                   <m:oMathPara xmlns:m="http://schemas.openxmlformats.org/officeDocument/2006/math">
                     <m:oMathParaPr>
@@ -25035,6 +25049,7 @@
                 </a:endParaRPr>
               </a:p>
               <a:p>
+                <a:pPr/>
                 <a14:m>
                   <m:oMathPara xmlns:m="http://schemas.openxmlformats.org/officeDocument/2006/math">
                     <m:oMathParaPr>
@@ -25080,6 +25095,7 @@
                 </a:endParaRPr>
               </a:p>
               <a:p>
+                <a:pPr/>
                 <a14:m>
                   <m:oMathPara xmlns:m="http://schemas.openxmlformats.org/officeDocument/2006/math">
                     <m:oMathParaPr>
@@ -25125,7 +25141,7 @@
             </p:txBody>
           </p:sp>
         </mc:Choice>
-        <mc:Fallback>
+        <mc:Fallback xmlns="">
           <p:sp>
             <p:nvSpPr>
               <p:cNvPr id="179" name="CuadroTexto 178"/>
@@ -25164,8 +25180,8 @@
           </p:sp>
         </mc:Fallback>
       </mc:AlternateContent>
-      <mc:AlternateContent xmlns:mc="http://schemas.openxmlformats.org/markup-compatibility/2006">
-        <mc:Choice xmlns:a14="http://schemas.microsoft.com/office/drawing/2010/main" Requires="a14">
+      <mc:AlternateContent xmlns:mc="http://schemas.openxmlformats.org/markup-compatibility/2006" xmlns:a14="http://schemas.microsoft.com/office/drawing/2010/main">
+        <mc:Choice Requires="a14">
           <p:sp>
             <p:nvSpPr>
               <p:cNvPr id="180" name="CuadroTexto 179"/>
@@ -25188,6 +25204,7 @@
               </a:bodyPr>
               <a:lstStyle/>
               <a:p>
+                <a:pPr/>
                 <a14:m>
                   <m:oMathPara xmlns:m="http://schemas.openxmlformats.org/officeDocument/2006/math">
                     <m:oMathParaPr>
@@ -25239,6 +25256,7 @@
                 </a:endParaRPr>
               </a:p>
               <a:p>
+                <a:pPr/>
                 <a14:m>
                   <m:oMathPara xmlns:m="http://schemas.openxmlformats.org/officeDocument/2006/math">
                     <m:oMathParaPr>
@@ -25290,7 +25308,7 @@
             </p:txBody>
           </p:sp>
         </mc:Choice>
-        <mc:Fallback>
+        <mc:Fallback xmlns="">
           <p:sp>
             <p:nvSpPr>
               <p:cNvPr id="180" name="CuadroTexto 179"/>
@@ -25329,8 +25347,8 @@
           </p:sp>
         </mc:Fallback>
       </mc:AlternateContent>
-      <mc:AlternateContent xmlns:mc="http://schemas.openxmlformats.org/markup-compatibility/2006">
-        <mc:Choice xmlns:a14="http://schemas.microsoft.com/office/drawing/2010/main" Requires="a14">
+      <mc:AlternateContent xmlns:mc="http://schemas.openxmlformats.org/markup-compatibility/2006" xmlns:a14="http://schemas.microsoft.com/office/drawing/2010/main">
+        <mc:Choice Requires="a14">
           <p:sp>
             <p:nvSpPr>
               <p:cNvPr id="182" name="CuadroTexto 181"/>
@@ -25353,6 +25371,7 @@
               </a:bodyPr>
               <a:lstStyle/>
               <a:p>
+                <a:pPr/>
                 <a14:m>
                   <m:oMathPara xmlns:m="http://schemas.openxmlformats.org/officeDocument/2006/math">
                     <m:oMathParaPr>
@@ -25404,6 +25423,7 @@
                 </a:endParaRPr>
               </a:p>
               <a:p>
+                <a:pPr/>
                 <a14:m>
                   <m:oMathPara xmlns:m="http://schemas.openxmlformats.org/officeDocument/2006/math">
                     <m:oMathParaPr>
@@ -25449,6 +25469,7 @@
                 </a:endParaRPr>
               </a:p>
               <a:p>
+                <a:pPr/>
                 <a14:m>
                   <m:oMathPara xmlns:m="http://schemas.openxmlformats.org/officeDocument/2006/math">
                     <m:oMathParaPr>
@@ -25494,7 +25515,7 @@
             </p:txBody>
           </p:sp>
         </mc:Choice>
-        <mc:Fallback>
+        <mc:Fallback xmlns="">
           <p:sp>
             <p:nvSpPr>
               <p:cNvPr id="182" name="CuadroTexto 181"/>
@@ -25533,8 +25554,8 @@
           </p:sp>
         </mc:Fallback>
       </mc:AlternateContent>
-      <mc:AlternateContent xmlns:mc="http://schemas.openxmlformats.org/markup-compatibility/2006">
-        <mc:Choice xmlns:a14="http://schemas.microsoft.com/office/drawing/2010/main" Requires="a14">
+      <mc:AlternateContent xmlns:mc="http://schemas.openxmlformats.org/markup-compatibility/2006" xmlns:a14="http://schemas.microsoft.com/office/drawing/2010/main">
+        <mc:Choice Requires="a14">
           <p:sp>
             <p:nvSpPr>
               <p:cNvPr id="183" name="CuadroTexto 182"/>
@@ -25557,6 +25578,7 @@
               </a:bodyPr>
               <a:lstStyle/>
               <a:p>
+                <a:pPr/>
                 <a14:m>
                   <m:oMathPara xmlns:m="http://schemas.openxmlformats.org/officeDocument/2006/math">
                     <m:oMathParaPr>
@@ -25608,6 +25630,7 @@
                 </a:endParaRPr>
               </a:p>
               <a:p>
+                <a:pPr/>
                 <a14:m>
                   <m:oMathPara xmlns:m="http://schemas.openxmlformats.org/officeDocument/2006/math">
                     <m:oMathParaPr>
@@ -25653,7 +25676,7 @@
             </p:txBody>
           </p:sp>
         </mc:Choice>
-        <mc:Fallback>
+        <mc:Fallback xmlns="">
           <p:sp>
             <p:nvSpPr>
               <p:cNvPr id="183" name="CuadroTexto 182"/>
@@ -25692,8 +25715,8 @@
           </p:sp>
         </mc:Fallback>
       </mc:AlternateContent>
-      <mc:AlternateContent xmlns:mc="http://schemas.openxmlformats.org/markup-compatibility/2006">
-        <mc:Choice xmlns:a14="http://schemas.microsoft.com/office/drawing/2010/main" Requires="a14">
+      <mc:AlternateContent xmlns:mc="http://schemas.openxmlformats.org/markup-compatibility/2006" xmlns:a14="http://schemas.microsoft.com/office/drawing/2010/main">
+        <mc:Choice Requires="a14">
           <p:sp>
             <p:nvSpPr>
               <p:cNvPr id="186" name="Rectángulo 185"/>
@@ -25774,7 +25797,7 @@
             </p:txBody>
           </p:sp>
         </mc:Choice>
-        <mc:Fallback>
+        <mc:Fallback xmlns="">
           <p:sp>
             <p:nvSpPr>
               <p:cNvPr id="186" name="Rectángulo 185"/>
@@ -25834,6 +25857,4738 @@
 </file>
 
 <file path=ppt/slides/slide5.xml><?xml version="1.0" encoding="utf-8"?>
+<p:sld xmlns:a="http://schemas.openxmlformats.org/drawingml/2006/main" xmlns:r="http://schemas.openxmlformats.org/officeDocument/2006/relationships" xmlns:p="http://schemas.openxmlformats.org/presentationml/2006/main">
+  <p:cSld>
+    <p:spTree>
+      <p:nvGrpSpPr>
+        <p:cNvPr id="1" name=""/>
+        <p:cNvGrpSpPr/>
+        <p:nvPr/>
+      </p:nvGrpSpPr>
+      <p:grpSpPr>
+        <a:xfrm>
+          <a:off x="0" y="0"/>
+          <a:ext cx="0" cy="0"/>
+          <a:chOff x="0" y="0"/>
+          <a:chExt cx="0" cy="0"/>
+        </a:xfrm>
+      </p:grpSpPr>
+      <p:sp>
+        <p:nvSpPr>
+          <p:cNvPr id="4" name="Elipse 3"/>
+          <p:cNvSpPr/>
+          <p:nvPr/>
+        </p:nvSpPr>
+        <p:spPr>
+          <a:xfrm>
+            <a:off x="1272397" y="1525869"/>
+            <a:ext cx="457200" cy="457200"/>
+          </a:xfrm>
+          <a:prstGeom prst="ellipse">
+            <a:avLst/>
+          </a:prstGeom>
+          <a:solidFill>
+            <a:schemeClr val="bg1">
+              <a:lumMod val="75000"/>
+            </a:schemeClr>
+          </a:solidFill>
+          <a:ln>
+            <a:solidFill>
+              <a:schemeClr val="tx1"/>
+            </a:solidFill>
+          </a:ln>
+        </p:spPr>
+        <p:style>
+          <a:lnRef idx="3">
+            <a:schemeClr val="lt1"/>
+          </a:lnRef>
+          <a:fillRef idx="1">
+            <a:schemeClr val="accent4"/>
+          </a:fillRef>
+          <a:effectRef idx="1">
+            <a:schemeClr val="accent4"/>
+          </a:effectRef>
+          <a:fontRef idx="minor">
+            <a:schemeClr val="lt1"/>
+          </a:fontRef>
+        </p:style>
+        <p:txBody>
+          <a:bodyPr rtlCol="0" anchor="ctr"/>
+          <a:lstStyle/>
+          <a:p>
+            <a:pPr algn="ctr"/>
+            <a:endParaRPr lang="en-US" dirty="0">
+              <a:solidFill>
+                <a:sysClr val="windowText" lastClr="000000"/>
+              </a:solidFill>
+            </a:endParaRPr>
+          </a:p>
+        </p:txBody>
+      </p:sp>
+      <p:sp>
+        <p:nvSpPr>
+          <p:cNvPr id="5" name="Elipse 4"/>
+          <p:cNvSpPr/>
+          <p:nvPr/>
+        </p:nvSpPr>
+        <p:spPr>
+          <a:xfrm>
+            <a:off x="1272397" y="2498785"/>
+            <a:ext cx="457200" cy="457200"/>
+          </a:xfrm>
+          <a:prstGeom prst="ellipse">
+            <a:avLst/>
+          </a:prstGeom>
+          <a:solidFill>
+            <a:schemeClr val="bg1">
+              <a:lumMod val="75000"/>
+            </a:schemeClr>
+          </a:solidFill>
+          <a:ln>
+            <a:solidFill>
+              <a:schemeClr val="tx1"/>
+            </a:solidFill>
+          </a:ln>
+        </p:spPr>
+        <p:style>
+          <a:lnRef idx="3">
+            <a:schemeClr val="lt1"/>
+          </a:lnRef>
+          <a:fillRef idx="1">
+            <a:schemeClr val="accent4"/>
+          </a:fillRef>
+          <a:effectRef idx="1">
+            <a:schemeClr val="accent4"/>
+          </a:effectRef>
+          <a:fontRef idx="minor">
+            <a:schemeClr val="lt1"/>
+          </a:fontRef>
+        </p:style>
+        <p:txBody>
+          <a:bodyPr rtlCol="0" anchor="ctr"/>
+          <a:lstStyle/>
+          <a:p>
+            <a:pPr algn="ctr"/>
+            <a:endParaRPr lang="en-US" dirty="0">
+              <a:solidFill>
+                <a:sysClr val="windowText" lastClr="000000"/>
+              </a:solidFill>
+            </a:endParaRPr>
+          </a:p>
+        </p:txBody>
+      </p:sp>
+      <p:sp>
+        <p:nvSpPr>
+          <p:cNvPr id="6" name="Elipse 5"/>
+          <p:cNvSpPr/>
+          <p:nvPr/>
+        </p:nvSpPr>
+        <p:spPr>
+          <a:xfrm>
+            <a:off x="1272397" y="3471701"/>
+            <a:ext cx="457200" cy="457200"/>
+          </a:xfrm>
+          <a:prstGeom prst="ellipse">
+            <a:avLst/>
+          </a:prstGeom>
+          <a:solidFill>
+            <a:schemeClr val="bg1">
+              <a:lumMod val="75000"/>
+            </a:schemeClr>
+          </a:solidFill>
+          <a:ln>
+            <a:solidFill>
+              <a:schemeClr val="tx1"/>
+            </a:solidFill>
+          </a:ln>
+        </p:spPr>
+        <p:style>
+          <a:lnRef idx="3">
+            <a:schemeClr val="lt1"/>
+          </a:lnRef>
+          <a:fillRef idx="1">
+            <a:schemeClr val="accent4"/>
+          </a:fillRef>
+          <a:effectRef idx="1">
+            <a:schemeClr val="accent4"/>
+          </a:effectRef>
+          <a:fontRef idx="minor">
+            <a:schemeClr val="lt1"/>
+          </a:fontRef>
+        </p:style>
+        <p:txBody>
+          <a:bodyPr rtlCol="0" anchor="ctr"/>
+          <a:lstStyle/>
+          <a:p>
+            <a:pPr algn="ctr"/>
+            <a:endParaRPr lang="en-US" dirty="0">
+              <a:solidFill>
+                <a:sysClr val="windowText" lastClr="000000"/>
+              </a:solidFill>
+            </a:endParaRPr>
+          </a:p>
+        </p:txBody>
+      </p:sp>
+      <p:sp>
+        <p:nvSpPr>
+          <p:cNvPr id="7" name="Rectángulo 6"/>
+          <p:cNvSpPr/>
+          <p:nvPr/>
+        </p:nvSpPr>
+        <p:spPr>
+          <a:xfrm>
+            <a:off x="1272397" y="4444617"/>
+            <a:ext cx="457200" cy="457200"/>
+          </a:xfrm>
+          <a:prstGeom prst="rect">
+            <a:avLst/>
+          </a:prstGeom>
+          <a:solidFill>
+            <a:srgbClr val="37CBFF"/>
+          </a:solidFill>
+          <a:ln>
+            <a:solidFill>
+              <a:schemeClr val="tx1"/>
+            </a:solidFill>
+          </a:ln>
+        </p:spPr>
+        <p:style>
+          <a:lnRef idx="3">
+            <a:schemeClr val="lt1"/>
+          </a:lnRef>
+          <a:fillRef idx="1">
+            <a:schemeClr val="accent4"/>
+          </a:fillRef>
+          <a:effectRef idx="1">
+            <a:schemeClr val="accent4"/>
+          </a:effectRef>
+          <a:fontRef idx="minor">
+            <a:schemeClr val="lt1"/>
+          </a:fontRef>
+        </p:style>
+        <p:txBody>
+          <a:bodyPr rtlCol="0" anchor="ctr"/>
+          <a:lstStyle/>
+          <a:p>
+            <a:pPr algn="ctr"/>
+            <a:r>
+              <a:rPr lang="en-US" b="1" dirty="0" smtClean="0">
+                <a:solidFill>
+                  <a:sysClr val="windowText" lastClr="000000"/>
+                </a:solidFill>
+              </a:rPr>
+              <a:t>M</a:t>
+            </a:r>
+            <a:endParaRPr lang="en-US" b="1" dirty="0">
+              <a:solidFill>
+                <a:sysClr val="windowText" lastClr="000000"/>
+              </a:solidFill>
+            </a:endParaRPr>
+          </a:p>
+        </p:txBody>
+      </p:sp>
+      <p:sp>
+        <p:nvSpPr>
+          <p:cNvPr id="8" name="Elipse 7"/>
+          <p:cNvSpPr/>
+          <p:nvPr/>
+        </p:nvSpPr>
+        <p:spPr>
+          <a:xfrm>
+            <a:off x="1272397" y="5412643"/>
+            <a:ext cx="457200" cy="457200"/>
+          </a:xfrm>
+          <a:prstGeom prst="ellipse">
+            <a:avLst/>
+          </a:prstGeom>
+          <a:solidFill>
+            <a:schemeClr val="bg1">
+              <a:lumMod val="75000"/>
+            </a:schemeClr>
+          </a:solidFill>
+          <a:ln>
+            <a:solidFill>
+              <a:schemeClr val="tx1"/>
+            </a:solidFill>
+          </a:ln>
+        </p:spPr>
+        <p:style>
+          <a:lnRef idx="3">
+            <a:schemeClr val="lt1"/>
+          </a:lnRef>
+          <a:fillRef idx="1">
+            <a:schemeClr val="accent4"/>
+          </a:fillRef>
+          <a:effectRef idx="1">
+            <a:schemeClr val="accent4"/>
+          </a:effectRef>
+          <a:fontRef idx="minor">
+            <a:schemeClr val="lt1"/>
+          </a:fontRef>
+        </p:style>
+        <p:txBody>
+          <a:bodyPr rtlCol="0" anchor="ctr"/>
+          <a:lstStyle/>
+          <a:p>
+            <a:pPr algn="ctr"/>
+            <a:endParaRPr lang="en-US" dirty="0">
+              <a:solidFill>
+                <a:sysClr val="windowText" lastClr="000000"/>
+              </a:solidFill>
+            </a:endParaRPr>
+          </a:p>
+        </p:txBody>
+      </p:sp>
+      <p:sp>
+        <p:nvSpPr>
+          <p:cNvPr id="14" name="Elipse 13"/>
+          <p:cNvSpPr/>
+          <p:nvPr/>
+        </p:nvSpPr>
+        <p:spPr>
+          <a:xfrm>
+            <a:off x="3873849" y="1520979"/>
+            <a:ext cx="457200" cy="457200"/>
+          </a:xfrm>
+          <a:prstGeom prst="ellipse">
+            <a:avLst/>
+          </a:prstGeom>
+          <a:solidFill>
+            <a:schemeClr val="bg1">
+              <a:lumMod val="75000"/>
+            </a:schemeClr>
+          </a:solidFill>
+          <a:ln>
+            <a:solidFill>
+              <a:schemeClr val="tx1"/>
+            </a:solidFill>
+          </a:ln>
+        </p:spPr>
+        <p:style>
+          <a:lnRef idx="3">
+            <a:schemeClr val="lt1"/>
+          </a:lnRef>
+          <a:fillRef idx="1">
+            <a:schemeClr val="accent4"/>
+          </a:fillRef>
+          <a:effectRef idx="1">
+            <a:schemeClr val="accent4"/>
+          </a:effectRef>
+          <a:fontRef idx="minor">
+            <a:schemeClr val="lt1"/>
+          </a:fontRef>
+        </p:style>
+        <p:txBody>
+          <a:bodyPr rtlCol="0" anchor="ctr"/>
+          <a:lstStyle/>
+          <a:p>
+            <a:pPr algn="ctr"/>
+            <a:endParaRPr lang="en-US" dirty="0">
+              <a:solidFill>
+                <a:sysClr val="windowText" lastClr="000000"/>
+              </a:solidFill>
+            </a:endParaRPr>
+          </a:p>
+        </p:txBody>
+      </p:sp>
+      <p:sp>
+        <p:nvSpPr>
+          <p:cNvPr id="15" name="Elipse 14"/>
+          <p:cNvSpPr/>
+          <p:nvPr/>
+        </p:nvSpPr>
+        <p:spPr>
+          <a:xfrm>
+            <a:off x="3873849" y="2493895"/>
+            <a:ext cx="457200" cy="457200"/>
+          </a:xfrm>
+          <a:prstGeom prst="ellipse">
+            <a:avLst/>
+          </a:prstGeom>
+          <a:solidFill>
+            <a:schemeClr val="bg1">
+              <a:lumMod val="75000"/>
+            </a:schemeClr>
+          </a:solidFill>
+          <a:ln>
+            <a:solidFill>
+              <a:schemeClr val="tx1"/>
+            </a:solidFill>
+          </a:ln>
+        </p:spPr>
+        <p:style>
+          <a:lnRef idx="3">
+            <a:schemeClr val="lt1"/>
+          </a:lnRef>
+          <a:fillRef idx="1">
+            <a:schemeClr val="accent4"/>
+          </a:fillRef>
+          <a:effectRef idx="1">
+            <a:schemeClr val="accent4"/>
+          </a:effectRef>
+          <a:fontRef idx="minor">
+            <a:schemeClr val="lt1"/>
+          </a:fontRef>
+        </p:style>
+        <p:txBody>
+          <a:bodyPr rtlCol="0" anchor="ctr"/>
+          <a:lstStyle/>
+          <a:p>
+            <a:pPr algn="ctr"/>
+            <a:endParaRPr lang="en-US" dirty="0">
+              <a:solidFill>
+                <a:sysClr val="windowText" lastClr="000000"/>
+              </a:solidFill>
+            </a:endParaRPr>
+          </a:p>
+        </p:txBody>
+      </p:sp>
+      <p:sp>
+        <p:nvSpPr>
+          <p:cNvPr id="16" name="Elipse 15"/>
+          <p:cNvSpPr/>
+          <p:nvPr/>
+        </p:nvSpPr>
+        <p:spPr>
+          <a:xfrm>
+            <a:off x="3873849" y="3466811"/>
+            <a:ext cx="457200" cy="457200"/>
+          </a:xfrm>
+          <a:prstGeom prst="ellipse">
+            <a:avLst/>
+          </a:prstGeom>
+          <a:solidFill>
+            <a:srgbClr val="37CBFF"/>
+          </a:solidFill>
+          <a:ln>
+            <a:solidFill>
+              <a:schemeClr val="tx1"/>
+            </a:solidFill>
+          </a:ln>
+        </p:spPr>
+        <p:style>
+          <a:lnRef idx="3">
+            <a:schemeClr val="lt1"/>
+          </a:lnRef>
+          <a:fillRef idx="1">
+            <a:schemeClr val="accent4"/>
+          </a:fillRef>
+          <a:effectRef idx="1">
+            <a:schemeClr val="accent4"/>
+          </a:effectRef>
+          <a:fontRef idx="minor">
+            <a:schemeClr val="lt1"/>
+          </a:fontRef>
+        </p:style>
+        <p:txBody>
+          <a:bodyPr rtlCol="0" anchor="ctr"/>
+          <a:lstStyle/>
+          <a:p>
+            <a:pPr algn="ctr"/>
+            <a:r>
+              <a:rPr lang="en-US" b="1" dirty="0">
+                <a:solidFill>
+                  <a:sysClr val="windowText" lastClr="000000"/>
+                </a:solidFill>
+              </a:rPr>
+              <a:t>M</a:t>
+            </a:r>
+            <a:endParaRPr lang="en-US" b="1" dirty="0">
+              <a:solidFill>
+                <a:sysClr val="windowText" lastClr="000000"/>
+              </a:solidFill>
+            </a:endParaRPr>
+          </a:p>
+        </p:txBody>
+      </p:sp>
+      <p:sp>
+        <p:nvSpPr>
+          <p:cNvPr id="17" name="Elipse 16"/>
+          <p:cNvSpPr/>
+          <p:nvPr/>
+        </p:nvSpPr>
+        <p:spPr>
+          <a:xfrm>
+            <a:off x="3873849" y="4439727"/>
+            <a:ext cx="457200" cy="457200"/>
+          </a:xfrm>
+          <a:prstGeom prst="ellipse">
+            <a:avLst/>
+          </a:prstGeom>
+          <a:solidFill>
+            <a:srgbClr val="37CBFF"/>
+          </a:solidFill>
+          <a:ln>
+            <a:solidFill>
+              <a:schemeClr val="tx1"/>
+            </a:solidFill>
+          </a:ln>
+        </p:spPr>
+        <p:style>
+          <a:lnRef idx="3">
+            <a:schemeClr val="lt1"/>
+          </a:lnRef>
+          <a:fillRef idx="1">
+            <a:schemeClr val="accent4"/>
+          </a:fillRef>
+          <a:effectRef idx="1">
+            <a:schemeClr val="accent4"/>
+          </a:effectRef>
+          <a:fontRef idx="minor">
+            <a:schemeClr val="lt1"/>
+          </a:fontRef>
+        </p:style>
+        <p:txBody>
+          <a:bodyPr rtlCol="0" anchor="ctr"/>
+          <a:lstStyle/>
+          <a:p>
+            <a:pPr algn="ctr"/>
+            <a:r>
+              <a:rPr lang="en-US" b="1" dirty="0">
+                <a:solidFill>
+                  <a:sysClr val="windowText" lastClr="000000"/>
+                </a:solidFill>
+              </a:rPr>
+              <a:t>M</a:t>
+            </a:r>
+            <a:endParaRPr lang="en-US" b="1" dirty="0">
+              <a:solidFill>
+                <a:sysClr val="windowText" lastClr="000000"/>
+              </a:solidFill>
+            </a:endParaRPr>
+          </a:p>
+        </p:txBody>
+      </p:sp>
+      <p:sp>
+        <p:nvSpPr>
+          <p:cNvPr id="18" name="Elipse 17"/>
+          <p:cNvSpPr/>
+          <p:nvPr/>
+        </p:nvSpPr>
+        <p:spPr>
+          <a:xfrm>
+            <a:off x="3873849" y="5407753"/>
+            <a:ext cx="457200" cy="457200"/>
+          </a:xfrm>
+          <a:prstGeom prst="ellipse">
+            <a:avLst/>
+          </a:prstGeom>
+          <a:solidFill>
+            <a:schemeClr val="bg1">
+              <a:lumMod val="75000"/>
+            </a:schemeClr>
+          </a:solidFill>
+          <a:ln>
+            <a:solidFill>
+              <a:schemeClr val="tx1"/>
+            </a:solidFill>
+          </a:ln>
+        </p:spPr>
+        <p:style>
+          <a:lnRef idx="3">
+            <a:schemeClr val="lt1"/>
+          </a:lnRef>
+          <a:fillRef idx="1">
+            <a:schemeClr val="accent4"/>
+          </a:fillRef>
+          <a:effectRef idx="1">
+            <a:schemeClr val="accent4"/>
+          </a:effectRef>
+          <a:fontRef idx="minor">
+            <a:schemeClr val="lt1"/>
+          </a:fontRef>
+        </p:style>
+        <p:txBody>
+          <a:bodyPr rtlCol="0" anchor="ctr"/>
+          <a:lstStyle/>
+          <a:p>
+            <a:pPr algn="ctr"/>
+            <a:endParaRPr lang="en-US" dirty="0">
+              <a:solidFill>
+                <a:sysClr val="windowText" lastClr="000000"/>
+              </a:solidFill>
+            </a:endParaRPr>
+          </a:p>
+        </p:txBody>
+      </p:sp>
+      <p:cxnSp>
+        <p:nvCxnSpPr>
+          <p:cNvPr id="20" name="Conector recto de flecha 19"/>
+          <p:cNvCxnSpPr>
+            <a:stCxn id="14" idx="2"/>
+            <a:endCxn id="4" idx="6"/>
+          </p:cNvCxnSpPr>
+          <p:nvPr/>
+        </p:nvCxnSpPr>
+        <p:spPr>
+          <a:xfrm flipH="1">
+            <a:off x="1729597" y="1749579"/>
+            <a:ext cx="2144252" cy="4890"/>
+          </a:xfrm>
+          <a:prstGeom prst="straightConnector1">
+            <a:avLst/>
+          </a:prstGeom>
+          <a:ln>
+            <a:solidFill>
+              <a:schemeClr val="tx1"/>
+            </a:solidFill>
+            <a:tailEnd type="triangle"/>
+          </a:ln>
+        </p:spPr>
+        <p:style>
+          <a:lnRef idx="1">
+            <a:schemeClr val="accent1"/>
+          </a:lnRef>
+          <a:fillRef idx="0">
+            <a:schemeClr val="accent1"/>
+          </a:fillRef>
+          <a:effectRef idx="0">
+            <a:schemeClr val="accent1"/>
+          </a:effectRef>
+          <a:fontRef idx="minor">
+            <a:schemeClr val="tx1"/>
+          </a:fontRef>
+        </p:style>
+      </p:cxnSp>
+      <p:cxnSp>
+        <p:nvCxnSpPr>
+          <p:cNvPr id="22" name="Conector recto de flecha 21"/>
+          <p:cNvCxnSpPr>
+            <a:stCxn id="15" idx="2"/>
+            <a:endCxn id="5" idx="6"/>
+          </p:cNvCxnSpPr>
+          <p:nvPr/>
+        </p:nvCxnSpPr>
+        <p:spPr>
+          <a:xfrm flipH="1">
+            <a:off x="1729597" y="2722495"/>
+            <a:ext cx="2144252" cy="4890"/>
+          </a:xfrm>
+          <a:prstGeom prst="straightConnector1">
+            <a:avLst/>
+          </a:prstGeom>
+          <a:ln>
+            <a:solidFill>
+              <a:schemeClr val="tx1"/>
+            </a:solidFill>
+            <a:tailEnd type="triangle"/>
+          </a:ln>
+        </p:spPr>
+        <p:style>
+          <a:lnRef idx="1">
+            <a:schemeClr val="accent1"/>
+          </a:lnRef>
+          <a:fillRef idx="0">
+            <a:schemeClr val="accent1"/>
+          </a:fillRef>
+          <a:effectRef idx="0">
+            <a:schemeClr val="accent1"/>
+          </a:effectRef>
+          <a:fontRef idx="minor">
+            <a:schemeClr val="tx1"/>
+          </a:fontRef>
+        </p:style>
+      </p:cxnSp>
+      <p:cxnSp>
+        <p:nvCxnSpPr>
+          <p:cNvPr id="25" name="Conector recto de flecha 24"/>
+          <p:cNvCxnSpPr>
+            <a:stCxn id="16" idx="2"/>
+            <a:endCxn id="6" idx="6"/>
+          </p:cNvCxnSpPr>
+          <p:nvPr/>
+        </p:nvCxnSpPr>
+        <p:spPr>
+          <a:xfrm flipH="1">
+            <a:off x="1729597" y="3695411"/>
+            <a:ext cx="2144252" cy="4890"/>
+          </a:xfrm>
+          <a:prstGeom prst="straightConnector1">
+            <a:avLst/>
+          </a:prstGeom>
+          <a:ln>
+            <a:solidFill>
+              <a:schemeClr val="tx1"/>
+            </a:solidFill>
+            <a:tailEnd type="triangle"/>
+          </a:ln>
+        </p:spPr>
+        <p:style>
+          <a:lnRef idx="1">
+            <a:schemeClr val="accent1"/>
+          </a:lnRef>
+          <a:fillRef idx="0">
+            <a:schemeClr val="accent1"/>
+          </a:fillRef>
+          <a:effectRef idx="0">
+            <a:schemeClr val="accent1"/>
+          </a:effectRef>
+          <a:fontRef idx="minor">
+            <a:schemeClr val="tx1"/>
+          </a:fontRef>
+        </p:style>
+      </p:cxnSp>
+      <p:cxnSp>
+        <p:nvCxnSpPr>
+          <p:cNvPr id="28" name="Conector recto de flecha 27"/>
+          <p:cNvCxnSpPr>
+            <a:stCxn id="17" idx="2"/>
+            <a:endCxn id="7" idx="3"/>
+          </p:cNvCxnSpPr>
+          <p:nvPr/>
+        </p:nvCxnSpPr>
+        <p:spPr>
+          <a:xfrm flipH="1">
+            <a:off x="1729597" y="4668327"/>
+            <a:ext cx="2144252" cy="4890"/>
+          </a:xfrm>
+          <a:prstGeom prst="straightConnector1">
+            <a:avLst/>
+          </a:prstGeom>
+          <a:ln>
+            <a:solidFill>
+              <a:schemeClr val="tx1"/>
+            </a:solidFill>
+            <a:tailEnd type="triangle"/>
+          </a:ln>
+        </p:spPr>
+        <p:style>
+          <a:lnRef idx="1">
+            <a:schemeClr val="accent1"/>
+          </a:lnRef>
+          <a:fillRef idx="0">
+            <a:schemeClr val="accent1"/>
+          </a:fillRef>
+          <a:effectRef idx="0">
+            <a:schemeClr val="accent1"/>
+          </a:effectRef>
+          <a:fontRef idx="minor">
+            <a:schemeClr val="tx1"/>
+          </a:fontRef>
+        </p:style>
+      </p:cxnSp>
+      <p:cxnSp>
+        <p:nvCxnSpPr>
+          <p:cNvPr id="39" name="Conector recto de flecha 38"/>
+          <p:cNvCxnSpPr>
+            <a:stCxn id="18" idx="2"/>
+            <a:endCxn id="8" idx="6"/>
+          </p:cNvCxnSpPr>
+          <p:nvPr/>
+        </p:nvCxnSpPr>
+        <p:spPr>
+          <a:xfrm flipH="1">
+            <a:off x="1729597" y="5636353"/>
+            <a:ext cx="2144252" cy="4890"/>
+          </a:xfrm>
+          <a:prstGeom prst="straightConnector1">
+            <a:avLst/>
+          </a:prstGeom>
+          <a:ln>
+            <a:solidFill>
+              <a:schemeClr val="tx1"/>
+            </a:solidFill>
+            <a:tailEnd type="triangle"/>
+          </a:ln>
+        </p:spPr>
+        <p:style>
+          <a:lnRef idx="1">
+            <a:schemeClr val="accent1"/>
+          </a:lnRef>
+          <a:fillRef idx="0">
+            <a:schemeClr val="accent1"/>
+          </a:fillRef>
+          <a:effectRef idx="0">
+            <a:schemeClr val="accent1"/>
+          </a:effectRef>
+          <a:fontRef idx="minor">
+            <a:schemeClr val="tx1"/>
+          </a:fontRef>
+        </p:style>
+      </p:cxnSp>
+      <p:sp>
+        <p:nvSpPr>
+          <p:cNvPr id="10" name="Rectángulo 9"/>
+          <p:cNvSpPr/>
+          <p:nvPr/>
+        </p:nvSpPr>
+        <p:spPr>
+          <a:xfrm>
+            <a:off x="3008048" y="3948454"/>
+            <a:ext cx="457200" cy="457200"/>
+          </a:xfrm>
+          <a:prstGeom prst="rect">
+            <a:avLst/>
+          </a:prstGeom>
+          <a:solidFill>
+            <a:schemeClr val="bg1">
+              <a:lumMod val="75000"/>
+            </a:schemeClr>
+          </a:solidFill>
+          <a:ln>
+            <a:solidFill>
+              <a:schemeClr val="tx1"/>
+            </a:solidFill>
+          </a:ln>
+        </p:spPr>
+        <p:style>
+          <a:lnRef idx="3">
+            <a:schemeClr val="lt1"/>
+          </a:lnRef>
+          <a:fillRef idx="1">
+            <a:schemeClr val="accent2"/>
+          </a:fillRef>
+          <a:effectRef idx="1">
+            <a:schemeClr val="accent2"/>
+          </a:effectRef>
+          <a:fontRef idx="minor">
+            <a:schemeClr val="lt1"/>
+          </a:fontRef>
+        </p:style>
+        <p:txBody>
+          <a:bodyPr rtlCol="0" anchor="b"/>
+          <a:lstStyle/>
+          <a:p>
+            <a:pPr algn="ctr"/>
+            <a:endParaRPr lang="en-US" dirty="0">
+              <a:solidFill>
+                <a:sysClr val="windowText" lastClr="000000"/>
+              </a:solidFill>
+            </a:endParaRPr>
+          </a:p>
+        </p:txBody>
+      </p:sp>
+      <p:sp>
+        <p:nvSpPr>
+          <p:cNvPr id="12" name="Rectángulo 11"/>
+          <p:cNvSpPr/>
+          <p:nvPr/>
+        </p:nvSpPr>
+        <p:spPr>
+          <a:xfrm>
+            <a:off x="3011896" y="2008152"/>
+            <a:ext cx="457200" cy="457200"/>
+          </a:xfrm>
+          <a:prstGeom prst="rect">
+            <a:avLst/>
+          </a:prstGeom>
+          <a:solidFill>
+            <a:schemeClr val="bg1">
+              <a:lumMod val="75000"/>
+            </a:schemeClr>
+          </a:solidFill>
+          <a:ln>
+            <a:solidFill>
+              <a:schemeClr val="tx1"/>
+            </a:solidFill>
+          </a:ln>
+        </p:spPr>
+        <p:style>
+          <a:lnRef idx="3">
+            <a:schemeClr val="lt1"/>
+          </a:lnRef>
+          <a:fillRef idx="1">
+            <a:schemeClr val="accent2"/>
+          </a:fillRef>
+          <a:effectRef idx="1">
+            <a:schemeClr val="accent2"/>
+          </a:effectRef>
+          <a:fontRef idx="minor">
+            <a:schemeClr val="lt1"/>
+          </a:fontRef>
+        </p:style>
+        <p:txBody>
+          <a:bodyPr rtlCol="0" anchor="b"/>
+          <a:lstStyle/>
+          <a:p>
+            <a:pPr algn="ctr"/>
+            <a:endParaRPr lang="en-US" dirty="0">
+              <a:solidFill>
+                <a:sysClr val="windowText" lastClr="000000"/>
+              </a:solidFill>
+            </a:endParaRPr>
+          </a:p>
+        </p:txBody>
+      </p:sp>
+      <p:sp>
+        <p:nvSpPr>
+          <p:cNvPr id="13" name="Rectángulo 12"/>
+          <p:cNvSpPr/>
+          <p:nvPr/>
+        </p:nvSpPr>
+        <p:spPr>
+          <a:xfrm>
+            <a:off x="3008048" y="2990058"/>
+            <a:ext cx="457200" cy="457200"/>
+          </a:xfrm>
+          <a:prstGeom prst="rect">
+            <a:avLst/>
+          </a:prstGeom>
+          <a:solidFill>
+            <a:schemeClr val="bg1">
+              <a:lumMod val="75000"/>
+            </a:schemeClr>
+          </a:solidFill>
+          <a:ln>
+            <a:solidFill>
+              <a:schemeClr val="tx1"/>
+            </a:solidFill>
+          </a:ln>
+        </p:spPr>
+        <p:style>
+          <a:lnRef idx="3">
+            <a:schemeClr val="lt1"/>
+          </a:lnRef>
+          <a:fillRef idx="1">
+            <a:schemeClr val="accent2"/>
+          </a:fillRef>
+          <a:effectRef idx="1">
+            <a:schemeClr val="accent2"/>
+          </a:effectRef>
+          <a:fontRef idx="minor">
+            <a:schemeClr val="lt1"/>
+          </a:fontRef>
+        </p:style>
+        <p:txBody>
+          <a:bodyPr rtlCol="0" anchor="b"/>
+          <a:lstStyle/>
+          <a:p>
+            <a:pPr algn="ctr"/>
+            <a:endParaRPr lang="en-US" dirty="0">
+              <a:solidFill>
+                <a:sysClr val="windowText" lastClr="000000"/>
+              </a:solidFill>
+            </a:endParaRPr>
+          </a:p>
+        </p:txBody>
+      </p:sp>
+      <p:cxnSp>
+        <p:nvCxnSpPr>
+          <p:cNvPr id="42" name="Conector recto de flecha 41"/>
+          <p:cNvCxnSpPr>
+            <a:stCxn id="14" idx="3"/>
+            <a:endCxn id="13" idx="3"/>
+          </p:cNvCxnSpPr>
+          <p:nvPr/>
+        </p:nvCxnSpPr>
+        <p:spPr>
+          <a:xfrm flipH="1">
+            <a:off x="3465248" y="1911224"/>
+            <a:ext cx="475556" cy="1307434"/>
+          </a:xfrm>
+          <a:prstGeom prst="straightConnector1">
+            <a:avLst/>
+          </a:prstGeom>
+          <a:ln>
+            <a:solidFill>
+              <a:schemeClr val="tx1"/>
+            </a:solidFill>
+            <a:tailEnd type="triangle"/>
+          </a:ln>
+        </p:spPr>
+        <p:style>
+          <a:lnRef idx="1">
+            <a:schemeClr val="accent1"/>
+          </a:lnRef>
+          <a:fillRef idx="0">
+            <a:schemeClr val="accent1"/>
+          </a:fillRef>
+          <a:effectRef idx="0">
+            <a:schemeClr val="accent1"/>
+          </a:effectRef>
+          <a:fontRef idx="minor">
+            <a:schemeClr val="tx1"/>
+          </a:fontRef>
+        </p:style>
+      </p:cxnSp>
+      <p:cxnSp>
+        <p:nvCxnSpPr>
+          <p:cNvPr id="46" name="Conector recto de flecha 45"/>
+          <p:cNvCxnSpPr>
+            <a:stCxn id="13" idx="1"/>
+            <a:endCxn id="6" idx="7"/>
+          </p:cNvCxnSpPr>
+          <p:nvPr/>
+        </p:nvCxnSpPr>
+        <p:spPr>
+          <a:xfrm flipH="1">
+            <a:off x="1662642" y="3218658"/>
+            <a:ext cx="1345406" cy="319998"/>
+          </a:xfrm>
+          <a:prstGeom prst="straightConnector1">
+            <a:avLst/>
+          </a:prstGeom>
+          <a:ln>
+            <a:solidFill>
+              <a:schemeClr val="tx1"/>
+            </a:solidFill>
+            <a:tailEnd type="triangle"/>
+          </a:ln>
+        </p:spPr>
+        <p:style>
+          <a:lnRef idx="1">
+            <a:schemeClr val="accent1"/>
+          </a:lnRef>
+          <a:fillRef idx="0">
+            <a:schemeClr val="accent1"/>
+          </a:fillRef>
+          <a:effectRef idx="0">
+            <a:schemeClr val="accent1"/>
+          </a:effectRef>
+          <a:fontRef idx="minor">
+            <a:schemeClr val="tx1"/>
+          </a:fontRef>
+        </p:style>
+      </p:cxnSp>
+      <p:cxnSp>
+        <p:nvCxnSpPr>
+          <p:cNvPr id="50" name="Conector recto de flecha 49"/>
+          <p:cNvCxnSpPr>
+            <a:stCxn id="12" idx="1"/>
+            <a:endCxn id="4" idx="5"/>
+          </p:cNvCxnSpPr>
+          <p:nvPr/>
+        </p:nvCxnSpPr>
+        <p:spPr>
+          <a:xfrm flipH="1" flipV="1">
+            <a:off x="1662642" y="1916114"/>
+            <a:ext cx="1349254" cy="320638"/>
+          </a:xfrm>
+          <a:prstGeom prst="straightConnector1">
+            <a:avLst/>
+          </a:prstGeom>
+          <a:ln>
+            <a:solidFill>
+              <a:schemeClr val="tx1"/>
+            </a:solidFill>
+            <a:tailEnd type="triangle"/>
+          </a:ln>
+        </p:spPr>
+        <p:style>
+          <a:lnRef idx="1">
+            <a:schemeClr val="accent1"/>
+          </a:lnRef>
+          <a:fillRef idx="0">
+            <a:schemeClr val="accent1"/>
+          </a:fillRef>
+          <a:effectRef idx="0">
+            <a:schemeClr val="accent1"/>
+          </a:effectRef>
+          <a:fontRef idx="minor">
+            <a:schemeClr val="tx1"/>
+          </a:fontRef>
+        </p:style>
+      </p:cxnSp>
+      <p:cxnSp>
+        <p:nvCxnSpPr>
+          <p:cNvPr id="56" name="Conector recto de flecha 55"/>
+          <p:cNvCxnSpPr>
+            <a:stCxn id="15" idx="1"/>
+            <a:endCxn id="12" idx="3"/>
+          </p:cNvCxnSpPr>
+          <p:nvPr/>
+        </p:nvCxnSpPr>
+        <p:spPr>
+          <a:xfrm flipH="1" flipV="1">
+            <a:off x="3469096" y="2236752"/>
+            <a:ext cx="471708" cy="324098"/>
+          </a:xfrm>
+          <a:prstGeom prst="straightConnector1">
+            <a:avLst/>
+          </a:prstGeom>
+          <a:ln>
+            <a:solidFill>
+              <a:schemeClr val="tx1"/>
+            </a:solidFill>
+            <a:tailEnd type="triangle"/>
+          </a:ln>
+        </p:spPr>
+        <p:style>
+          <a:lnRef idx="1">
+            <a:schemeClr val="accent1"/>
+          </a:lnRef>
+          <a:fillRef idx="0">
+            <a:schemeClr val="accent1"/>
+          </a:fillRef>
+          <a:effectRef idx="0">
+            <a:schemeClr val="accent1"/>
+          </a:effectRef>
+          <a:fontRef idx="minor">
+            <a:schemeClr val="tx1"/>
+          </a:fontRef>
+        </p:style>
+      </p:cxnSp>
+      <p:cxnSp>
+        <p:nvCxnSpPr>
+          <p:cNvPr id="72" name="Conector recto de flecha 71"/>
+          <p:cNvCxnSpPr>
+            <a:stCxn id="10" idx="1"/>
+            <a:endCxn id="6" idx="5"/>
+          </p:cNvCxnSpPr>
+          <p:nvPr/>
+        </p:nvCxnSpPr>
+        <p:spPr>
+          <a:xfrm flipH="1" flipV="1">
+            <a:off x="1662642" y="3861946"/>
+            <a:ext cx="1345406" cy="315108"/>
+          </a:xfrm>
+          <a:prstGeom prst="straightConnector1">
+            <a:avLst/>
+          </a:prstGeom>
+          <a:ln>
+            <a:solidFill>
+              <a:schemeClr val="tx1"/>
+            </a:solidFill>
+            <a:tailEnd type="triangle"/>
+          </a:ln>
+        </p:spPr>
+        <p:style>
+          <a:lnRef idx="1">
+            <a:schemeClr val="accent1"/>
+          </a:lnRef>
+          <a:fillRef idx="0">
+            <a:schemeClr val="accent1"/>
+          </a:fillRef>
+          <a:effectRef idx="0">
+            <a:schemeClr val="accent1"/>
+          </a:effectRef>
+          <a:fontRef idx="minor">
+            <a:schemeClr val="tx1"/>
+          </a:fontRef>
+        </p:style>
+      </p:cxnSp>
+      <p:cxnSp>
+        <p:nvCxnSpPr>
+          <p:cNvPr id="75" name="Conector recto de flecha 74"/>
+          <p:cNvCxnSpPr>
+            <a:stCxn id="10" idx="1"/>
+            <a:endCxn id="7" idx="3"/>
+          </p:cNvCxnSpPr>
+          <p:nvPr/>
+        </p:nvCxnSpPr>
+        <p:spPr>
+          <a:xfrm flipH="1">
+            <a:off x="1729597" y="4177054"/>
+            <a:ext cx="1278451" cy="496163"/>
+          </a:xfrm>
+          <a:prstGeom prst="straightConnector1">
+            <a:avLst/>
+          </a:prstGeom>
+          <a:ln>
+            <a:solidFill>
+              <a:schemeClr val="tx1"/>
+            </a:solidFill>
+            <a:tailEnd type="triangle"/>
+          </a:ln>
+        </p:spPr>
+        <p:style>
+          <a:lnRef idx="1">
+            <a:schemeClr val="accent1"/>
+          </a:lnRef>
+          <a:fillRef idx="0">
+            <a:schemeClr val="accent1"/>
+          </a:fillRef>
+          <a:effectRef idx="0">
+            <a:schemeClr val="accent1"/>
+          </a:effectRef>
+          <a:fontRef idx="minor">
+            <a:schemeClr val="tx1"/>
+          </a:fontRef>
+        </p:style>
+      </p:cxnSp>
+      <p:cxnSp>
+        <p:nvCxnSpPr>
+          <p:cNvPr id="85" name="Conector recto de flecha 84"/>
+          <p:cNvCxnSpPr>
+            <a:stCxn id="18" idx="1"/>
+            <a:endCxn id="10" idx="3"/>
+          </p:cNvCxnSpPr>
+          <p:nvPr/>
+        </p:nvCxnSpPr>
+        <p:spPr>
+          <a:xfrm flipH="1" flipV="1">
+            <a:off x="3465248" y="4177054"/>
+            <a:ext cx="475556" cy="1297654"/>
+          </a:xfrm>
+          <a:prstGeom prst="straightConnector1">
+            <a:avLst/>
+          </a:prstGeom>
+          <a:ln>
+            <a:solidFill>
+              <a:schemeClr val="tx1"/>
+            </a:solidFill>
+            <a:tailEnd type="triangle"/>
+          </a:ln>
+        </p:spPr>
+        <p:style>
+          <a:lnRef idx="1">
+            <a:schemeClr val="accent1"/>
+          </a:lnRef>
+          <a:fillRef idx="0">
+            <a:schemeClr val="accent1"/>
+          </a:fillRef>
+          <a:effectRef idx="0">
+            <a:schemeClr val="accent1"/>
+          </a:effectRef>
+          <a:fontRef idx="minor">
+            <a:schemeClr val="tx1"/>
+          </a:fontRef>
+        </p:style>
+      </p:cxnSp>
+      <p:cxnSp>
+        <p:nvCxnSpPr>
+          <p:cNvPr id="88" name="Conector recto de flecha 87"/>
+          <p:cNvCxnSpPr>
+            <a:stCxn id="11" idx="1"/>
+            <a:endCxn id="7" idx="3"/>
+          </p:cNvCxnSpPr>
+          <p:nvPr/>
+        </p:nvCxnSpPr>
+        <p:spPr>
+          <a:xfrm flipH="1" flipV="1">
+            <a:off x="1729597" y="4673217"/>
+            <a:ext cx="1282299" cy="526421"/>
+          </a:xfrm>
+          <a:prstGeom prst="straightConnector1">
+            <a:avLst/>
+          </a:prstGeom>
+          <a:ln>
+            <a:solidFill>
+              <a:schemeClr val="tx1"/>
+            </a:solidFill>
+            <a:tailEnd type="triangle"/>
+          </a:ln>
+        </p:spPr>
+        <p:style>
+          <a:lnRef idx="1">
+            <a:schemeClr val="accent1"/>
+          </a:lnRef>
+          <a:fillRef idx="0">
+            <a:schemeClr val="accent1"/>
+          </a:fillRef>
+          <a:effectRef idx="0">
+            <a:schemeClr val="accent1"/>
+          </a:effectRef>
+          <a:fontRef idx="minor">
+            <a:schemeClr val="tx1"/>
+          </a:fontRef>
+        </p:style>
+      </p:cxnSp>
+      <p:cxnSp>
+        <p:nvCxnSpPr>
+          <p:cNvPr id="91" name="Conector recto de flecha 90"/>
+          <p:cNvCxnSpPr>
+            <a:stCxn id="16" idx="3"/>
+            <a:endCxn id="11" idx="3"/>
+          </p:cNvCxnSpPr>
+          <p:nvPr/>
+        </p:nvCxnSpPr>
+        <p:spPr>
+          <a:xfrm flipH="1">
+            <a:off x="3469096" y="3857056"/>
+            <a:ext cx="471708" cy="1342582"/>
+          </a:xfrm>
+          <a:prstGeom prst="straightConnector1">
+            <a:avLst/>
+          </a:prstGeom>
+          <a:ln>
+            <a:solidFill>
+              <a:schemeClr val="tx1"/>
+            </a:solidFill>
+            <a:tailEnd type="triangle"/>
+          </a:ln>
+        </p:spPr>
+        <p:style>
+          <a:lnRef idx="1">
+            <a:schemeClr val="accent1"/>
+          </a:lnRef>
+          <a:fillRef idx="0">
+            <a:schemeClr val="accent1"/>
+          </a:fillRef>
+          <a:effectRef idx="0">
+            <a:schemeClr val="accent1"/>
+          </a:effectRef>
+          <a:fontRef idx="minor">
+            <a:schemeClr val="tx1"/>
+          </a:fontRef>
+        </p:style>
+      </p:cxnSp>
+      <p:sp>
+        <p:nvSpPr>
+          <p:cNvPr id="109" name="Elipse 108"/>
+          <p:cNvSpPr/>
+          <p:nvPr/>
+        </p:nvSpPr>
+        <p:spPr>
+          <a:xfrm>
+            <a:off x="6472414" y="1515081"/>
+            <a:ext cx="457200" cy="457200"/>
+          </a:xfrm>
+          <a:prstGeom prst="ellipse">
+            <a:avLst/>
+          </a:prstGeom>
+          <a:solidFill>
+            <a:srgbClr val="37CBFF"/>
+          </a:solidFill>
+          <a:ln>
+            <a:solidFill>
+              <a:schemeClr val="tx1"/>
+            </a:solidFill>
+          </a:ln>
+        </p:spPr>
+        <p:style>
+          <a:lnRef idx="3">
+            <a:schemeClr val="lt1"/>
+          </a:lnRef>
+          <a:fillRef idx="1">
+            <a:schemeClr val="accent4"/>
+          </a:fillRef>
+          <a:effectRef idx="1">
+            <a:schemeClr val="accent4"/>
+          </a:effectRef>
+          <a:fontRef idx="minor">
+            <a:schemeClr val="lt1"/>
+          </a:fontRef>
+        </p:style>
+        <p:txBody>
+          <a:bodyPr rtlCol="0" anchor="ctr"/>
+          <a:lstStyle/>
+          <a:p>
+            <a:pPr algn="ctr"/>
+            <a:r>
+              <a:rPr lang="en-US" b="1" dirty="0">
+                <a:solidFill>
+                  <a:sysClr val="windowText" lastClr="000000"/>
+                </a:solidFill>
+              </a:rPr>
+              <a:t>M</a:t>
+            </a:r>
+            <a:endParaRPr lang="en-US" b="1" dirty="0">
+              <a:solidFill>
+                <a:sysClr val="windowText" lastClr="000000"/>
+              </a:solidFill>
+            </a:endParaRPr>
+          </a:p>
+        </p:txBody>
+      </p:sp>
+      <p:sp>
+        <p:nvSpPr>
+          <p:cNvPr id="110" name="Elipse 109"/>
+          <p:cNvSpPr/>
+          <p:nvPr/>
+        </p:nvSpPr>
+        <p:spPr>
+          <a:xfrm>
+            <a:off x="6472414" y="2487997"/>
+            <a:ext cx="457200" cy="457200"/>
+          </a:xfrm>
+          <a:prstGeom prst="ellipse">
+            <a:avLst/>
+          </a:prstGeom>
+          <a:solidFill>
+            <a:schemeClr val="bg1">
+              <a:lumMod val="75000"/>
+            </a:schemeClr>
+          </a:solidFill>
+          <a:ln>
+            <a:solidFill>
+              <a:schemeClr val="tx1"/>
+            </a:solidFill>
+          </a:ln>
+        </p:spPr>
+        <p:style>
+          <a:lnRef idx="3">
+            <a:schemeClr val="lt1"/>
+          </a:lnRef>
+          <a:fillRef idx="1">
+            <a:schemeClr val="accent4"/>
+          </a:fillRef>
+          <a:effectRef idx="1">
+            <a:schemeClr val="accent4"/>
+          </a:effectRef>
+          <a:fontRef idx="minor">
+            <a:schemeClr val="lt1"/>
+          </a:fontRef>
+        </p:style>
+        <p:txBody>
+          <a:bodyPr rtlCol="0" anchor="ctr"/>
+          <a:lstStyle/>
+          <a:p>
+            <a:pPr algn="ctr"/>
+            <a:endParaRPr lang="en-US" dirty="0">
+              <a:solidFill>
+                <a:sysClr val="windowText" lastClr="000000"/>
+              </a:solidFill>
+            </a:endParaRPr>
+          </a:p>
+        </p:txBody>
+      </p:sp>
+      <p:sp>
+        <p:nvSpPr>
+          <p:cNvPr id="111" name="Elipse 110"/>
+          <p:cNvSpPr/>
+          <p:nvPr/>
+        </p:nvSpPr>
+        <p:spPr>
+          <a:xfrm>
+            <a:off x="6472414" y="3460913"/>
+            <a:ext cx="457200" cy="457200"/>
+          </a:xfrm>
+          <a:prstGeom prst="ellipse">
+            <a:avLst/>
+          </a:prstGeom>
+          <a:solidFill>
+            <a:srgbClr val="37CBFF"/>
+          </a:solidFill>
+          <a:ln>
+            <a:solidFill>
+              <a:schemeClr val="tx1"/>
+            </a:solidFill>
+          </a:ln>
+        </p:spPr>
+        <p:style>
+          <a:lnRef idx="3">
+            <a:schemeClr val="lt1"/>
+          </a:lnRef>
+          <a:fillRef idx="1">
+            <a:schemeClr val="accent4"/>
+          </a:fillRef>
+          <a:effectRef idx="1">
+            <a:schemeClr val="accent4"/>
+          </a:effectRef>
+          <a:fontRef idx="minor">
+            <a:schemeClr val="lt1"/>
+          </a:fontRef>
+        </p:style>
+        <p:txBody>
+          <a:bodyPr rtlCol="0" anchor="ctr"/>
+          <a:lstStyle/>
+          <a:p>
+            <a:pPr algn="ctr"/>
+            <a:r>
+              <a:rPr lang="en-US" b="1">
+                <a:solidFill>
+                  <a:sysClr val="windowText" lastClr="000000"/>
+                </a:solidFill>
+              </a:rPr>
+              <a:t>M</a:t>
+            </a:r>
+            <a:endParaRPr lang="en-US" b="1" dirty="0">
+              <a:solidFill>
+                <a:sysClr val="windowText" lastClr="000000"/>
+              </a:solidFill>
+            </a:endParaRPr>
+          </a:p>
+        </p:txBody>
+      </p:sp>
+      <p:sp>
+        <p:nvSpPr>
+          <p:cNvPr id="112" name="Elipse 111"/>
+          <p:cNvSpPr/>
+          <p:nvPr/>
+        </p:nvSpPr>
+        <p:spPr>
+          <a:xfrm>
+            <a:off x="6472414" y="4433829"/>
+            <a:ext cx="457200" cy="457200"/>
+          </a:xfrm>
+          <a:prstGeom prst="ellipse">
+            <a:avLst/>
+          </a:prstGeom>
+          <a:solidFill>
+            <a:srgbClr val="37CBFF"/>
+          </a:solidFill>
+          <a:ln>
+            <a:solidFill>
+              <a:schemeClr val="tx1"/>
+            </a:solidFill>
+          </a:ln>
+        </p:spPr>
+        <p:style>
+          <a:lnRef idx="3">
+            <a:schemeClr val="lt1"/>
+          </a:lnRef>
+          <a:fillRef idx="1">
+            <a:schemeClr val="accent4"/>
+          </a:fillRef>
+          <a:effectRef idx="1">
+            <a:schemeClr val="accent4"/>
+          </a:effectRef>
+          <a:fontRef idx="minor">
+            <a:schemeClr val="lt1"/>
+          </a:fontRef>
+        </p:style>
+        <p:txBody>
+          <a:bodyPr rtlCol="0" anchor="ctr"/>
+          <a:lstStyle/>
+          <a:p>
+            <a:pPr algn="ctr"/>
+            <a:r>
+              <a:rPr lang="en-US" b="1">
+                <a:solidFill>
+                  <a:sysClr val="windowText" lastClr="000000"/>
+                </a:solidFill>
+              </a:rPr>
+              <a:t>M</a:t>
+            </a:r>
+            <a:endParaRPr lang="en-US" b="1" dirty="0">
+              <a:solidFill>
+                <a:sysClr val="windowText" lastClr="000000"/>
+              </a:solidFill>
+            </a:endParaRPr>
+          </a:p>
+        </p:txBody>
+      </p:sp>
+      <p:sp>
+        <p:nvSpPr>
+          <p:cNvPr id="113" name="Elipse 112"/>
+          <p:cNvSpPr/>
+          <p:nvPr/>
+        </p:nvSpPr>
+        <p:spPr>
+          <a:xfrm>
+            <a:off x="6472414" y="5401855"/>
+            <a:ext cx="457200" cy="457200"/>
+          </a:xfrm>
+          <a:prstGeom prst="ellipse">
+            <a:avLst/>
+          </a:prstGeom>
+          <a:solidFill>
+            <a:srgbClr val="66FF33"/>
+          </a:solidFill>
+          <a:ln>
+            <a:solidFill>
+              <a:schemeClr val="tx1"/>
+            </a:solidFill>
+          </a:ln>
+        </p:spPr>
+        <p:style>
+          <a:lnRef idx="3">
+            <a:schemeClr val="lt1"/>
+          </a:lnRef>
+          <a:fillRef idx="1">
+            <a:schemeClr val="accent4"/>
+          </a:fillRef>
+          <a:effectRef idx="1">
+            <a:schemeClr val="accent4"/>
+          </a:effectRef>
+          <a:fontRef idx="minor">
+            <a:schemeClr val="lt1"/>
+          </a:fontRef>
+        </p:style>
+        <p:txBody>
+          <a:bodyPr rtlCol="0" anchor="ctr"/>
+          <a:lstStyle/>
+          <a:p>
+            <a:pPr algn="ctr"/>
+            <a:endParaRPr lang="en-US" dirty="0">
+              <a:solidFill>
+                <a:sysClr val="windowText" lastClr="000000"/>
+              </a:solidFill>
+            </a:endParaRPr>
+          </a:p>
+        </p:txBody>
+      </p:sp>
+      <p:cxnSp>
+        <p:nvCxnSpPr>
+          <p:cNvPr id="114" name="Conector recto de flecha 113"/>
+          <p:cNvCxnSpPr>
+            <a:stCxn id="109" idx="2"/>
+          </p:cNvCxnSpPr>
+          <p:nvPr/>
+        </p:nvCxnSpPr>
+        <p:spPr>
+          <a:xfrm flipH="1">
+            <a:off x="4328162" y="1743681"/>
+            <a:ext cx="2144252" cy="4890"/>
+          </a:xfrm>
+          <a:prstGeom prst="straightConnector1">
+            <a:avLst/>
+          </a:prstGeom>
+          <a:ln>
+            <a:solidFill>
+              <a:schemeClr val="tx1"/>
+            </a:solidFill>
+            <a:tailEnd type="triangle"/>
+          </a:ln>
+        </p:spPr>
+        <p:style>
+          <a:lnRef idx="1">
+            <a:schemeClr val="accent1"/>
+          </a:lnRef>
+          <a:fillRef idx="0">
+            <a:schemeClr val="accent1"/>
+          </a:fillRef>
+          <a:effectRef idx="0">
+            <a:schemeClr val="accent1"/>
+          </a:effectRef>
+          <a:fontRef idx="minor">
+            <a:schemeClr val="tx1"/>
+          </a:fontRef>
+        </p:style>
+      </p:cxnSp>
+      <p:cxnSp>
+        <p:nvCxnSpPr>
+          <p:cNvPr id="115" name="Conector recto de flecha 114"/>
+          <p:cNvCxnSpPr>
+            <a:stCxn id="110" idx="2"/>
+          </p:cNvCxnSpPr>
+          <p:nvPr/>
+        </p:nvCxnSpPr>
+        <p:spPr>
+          <a:xfrm flipH="1">
+            <a:off x="4328162" y="2716597"/>
+            <a:ext cx="2144252" cy="4890"/>
+          </a:xfrm>
+          <a:prstGeom prst="straightConnector1">
+            <a:avLst/>
+          </a:prstGeom>
+          <a:ln>
+            <a:solidFill>
+              <a:schemeClr val="tx1"/>
+            </a:solidFill>
+            <a:tailEnd type="triangle"/>
+          </a:ln>
+        </p:spPr>
+        <p:style>
+          <a:lnRef idx="1">
+            <a:schemeClr val="accent1"/>
+          </a:lnRef>
+          <a:fillRef idx="0">
+            <a:schemeClr val="accent1"/>
+          </a:fillRef>
+          <a:effectRef idx="0">
+            <a:schemeClr val="accent1"/>
+          </a:effectRef>
+          <a:fontRef idx="minor">
+            <a:schemeClr val="tx1"/>
+          </a:fontRef>
+        </p:style>
+      </p:cxnSp>
+      <p:cxnSp>
+        <p:nvCxnSpPr>
+          <p:cNvPr id="116" name="Conector recto de flecha 115"/>
+          <p:cNvCxnSpPr>
+            <a:stCxn id="111" idx="2"/>
+          </p:cNvCxnSpPr>
+          <p:nvPr/>
+        </p:nvCxnSpPr>
+        <p:spPr>
+          <a:xfrm flipH="1">
+            <a:off x="4328162" y="3689513"/>
+            <a:ext cx="2144252" cy="4890"/>
+          </a:xfrm>
+          <a:prstGeom prst="straightConnector1">
+            <a:avLst/>
+          </a:prstGeom>
+          <a:ln>
+            <a:solidFill>
+              <a:schemeClr val="tx1"/>
+            </a:solidFill>
+            <a:tailEnd type="triangle"/>
+          </a:ln>
+        </p:spPr>
+        <p:style>
+          <a:lnRef idx="1">
+            <a:schemeClr val="accent1"/>
+          </a:lnRef>
+          <a:fillRef idx="0">
+            <a:schemeClr val="accent1"/>
+          </a:fillRef>
+          <a:effectRef idx="0">
+            <a:schemeClr val="accent1"/>
+          </a:effectRef>
+          <a:fontRef idx="minor">
+            <a:schemeClr val="tx1"/>
+          </a:fontRef>
+        </p:style>
+      </p:cxnSp>
+      <p:cxnSp>
+        <p:nvCxnSpPr>
+          <p:cNvPr id="117" name="Conector recto de flecha 116"/>
+          <p:cNvCxnSpPr>
+            <a:stCxn id="112" idx="2"/>
+          </p:cNvCxnSpPr>
+          <p:nvPr/>
+        </p:nvCxnSpPr>
+        <p:spPr>
+          <a:xfrm flipH="1">
+            <a:off x="4328162" y="4662429"/>
+            <a:ext cx="2144252" cy="4890"/>
+          </a:xfrm>
+          <a:prstGeom prst="straightConnector1">
+            <a:avLst/>
+          </a:prstGeom>
+          <a:ln>
+            <a:solidFill>
+              <a:schemeClr val="tx1"/>
+            </a:solidFill>
+            <a:tailEnd type="triangle"/>
+          </a:ln>
+        </p:spPr>
+        <p:style>
+          <a:lnRef idx="1">
+            <a:schemeClr val="accent1"/>
+          </a:lnRef>
+          <a:fillRef idx="0">
+            <a:schemeClr val="accent1"/>
+          </a:fillRef>
+          <a:effectRef idx="0">
+            <a:schemeClr val="accent1"/>
+          </a:effectRef>
+          <a:fontRef idx="minor">
+            <a:schemeClr val="tx1"/>
+          </a:fontRef>
+        </p:style>
+      </p:cxnSp>
+      <p:cxnSp>
+        <p:nvCxnSpPr>
+          <p:cNvPr id="118" name="Conector recto de flecha 117"/>
+          <p:cNvCxnSpPr>
+            <a:stCxn id="113" idx="2"/>
+          </p:cNvCxnSpPr>
+          <p:nvPr/>
+        </p:nvCxnSpPr>
+        <p:spPr>
+          <a:xfrm flipH="1">
+            <a:off x="4328162" y="5630455"/>
+            <a:ext cx="2144252" cy="4890"/>
+          </a:xfrm>
+          <a:prstGeom prst="straightConnector1">
+            <a:avLst/>
+          </a:prstGeom>
+          <a:ln>
+            <a:solidFill>
+              <a:schemeClr val="tx1"/>
+            </a:solidFill>
+            <a:tailEnd type="triangle"/>
+          </a:ln>
+        </p:spPr>
+        <p:style>
+          <a:lnRef idx="1">
+            <a:schemeClr val="accent1"/>
+          </a:lnRef>
+          <a:fillRef idx="0">
+            <a:schemeClr val="accent1"/>
+          </a:fillRef>
+          <a:effectRef idx="0">
+            <a:schemeClr val="accent1"/>
+          </a:effectRef>
+          <a:fontRef idx="minor">
+            <a:schemeClr val="tx1"/>
+          </a:fontRef>
+        </p:style>
+      </p:cxnSp>
+      <p:sp>
+        <p:nvSpPr>
+          <p:cNvPr id="122" name="Rectángulo 121"/>
+          <p:cNvSpPr/>
+          <p:nvPr/>
+        </p:nvSpPr>
+        <p:spPr>
+          <a:xfrm>
+            <a:off x="5612464" y="2007512"/>
+            <a:ext cx="457200" cy="457200"/>
+          </a:xfrm>
+          <a:prstGeom prst="rect">
+            <a:avLst/>
+          </a:prstGeom>
+          <a:solidFill>
+            <a:schemeClr val="bg1">
+              <a:lumMod val="75000"/>
+            </a:schemeClr>
+          </a:solidFill>
+          <a:ln>
+            <a:solidFill>
+              <a:schemeClr val="tx1"/>
+            </a:solidFill>
+          </a:ln>
+        </p:spPr>
+        <p:style>
+          <a:lnRef idx="3">
+            <a:schemeClr val="lt1"/>
+          </a:lnRef>
+          <a:fillRef idx="1">
+            <a:schemeClr val="accent2"/>
+          </a:fillRef>
+          <a:effectRef idx="1">
+            <a:schemeClr val="accent2"/>
+          </a:effectRef>
+          <a:fontRef idx="minor">
+            <a:schemeClr val="lt1"/>
+          </a:fontRef>
+        </p:style>
+        <p:txBody>
+          <a:bodyPr rtlCol="0" anchor="b"/>
+          <a:lstStyle/>
+          <a:p>
+            <a:pPr algn="ctr"/>
+            <a:endParaRPr lang="en-US" dirty="0">
+              <a:solidFill>
+                <a:sysClr val="windowText" lastClr="000000"/>
+              </a:solidFill>
+            </a:endParaRPr>
+          </a:p>
+        </p:txBody>
+      </p:sp>
+      <p:cxnSp>
+        <p:nvCxnSpPr>
+          <p:cNvPr id="124" name="Conector recto de flecha 123"/>
+          <p:cNvCxnSpPr>
+            <a:stCxn id="109" idx="3"/>
+            <a:endCxn id="123" idx="3"/>
+          </p:cNvCxnSpPr>
+          <p:nvPr/>
+        </p:nvCxnSpPr>
+        <p:spPr>
+          <a:xfrm flipH="1">
+            <a:off x="6069272" y="1905326"/>
+            <a:ext cx="470097" cy="1314415"/>
+          </a:xfrm>
+          <a:prstGeom prst="straightConnector1">
+            <a:avLst/>
+          </a:prstGeom>
+          <a:ln>
+            <a:solidFill>
+              <a:schemeClr val="tx1"/>
+            </a:solidFill>
+            <a:tailEnd type="triangle"/>
+          </a:ln>
+        </p:spPr>
+        <p:style>
+          <a:lnRef idx="1">
+            <a:schemeClr val="accent1"/>
+          </a:lnRef>
+          <a:fillRef idx="0">
+            <a:schemeClr val="accent1"/>
+          </a:fillRef>
+          <a:effectRef idx="0">
+            <a:schemeClr val="accent1"/>
+          </a:effectRef>
+          <a:fontRef idx="minor">
+            <a:schemeClr val="tx1"/>
+          </a:fontRef>
+        </p:style>
+      </p:cxnSp>
+      <p:cxnSp>
+        <p:nvCxnSpPr>
+          <p:cNvPr id="125" name="Conector recto de flecha 124"/>
+          <p:cNvCxnSpPr>
+            <a:stCxn id="123" idx="1"/>
+            <a:endCxn id="16" idx="7"/>
+          </p:cNvCxnSpPr>
+          <p:nvPr/>
+        </p:nvCxnSpPr>
+        <p:spPr>
+          <a:xfrm flipH="1">
+            <a:off x="4264094" y="3219741"/>
+            <a:ext cx="1347978" cy="314025"/>
+          </a:xfrm>
+          <a:prstGeom prst="straightConnector1">
+            <a:avLst/>
+          </a:prstGeom>
+          <a:ln>
+            <a:solidFill>
+              <a:schemeClr val="tx1"/>
+            </a:solidFill>
+            <a:tailEnd type="triangle"/>
+          </a:ln>
+        </p:spPr>
+        <p:style>
+          <a:lnRef idx="1">
+            <a:schemeClr val="accent1"/>
+          </a:lnRef>
+          <a:fillRef idx="0">
+            <a:schemeClr val="accent1"/>
+          </a:fillRef>
+          <a:effectRef idx="0">
+            <a:schemeClr val="accent1"/>
+          </a:effectRef>
+          <a:fontRef idx="minor">
+            <a:schemeClr val="tx1"/>
+          </a:fontRef>
+        </p:style>
+      </p:cxnSp>
+      <p:cxnSp>
+        <p:nvCxnSpPr>
+          <p:cNvPr id="126" name="Conector recto de flecha 125"/>
+          <p:cNvCxnSpPr>
+            <a:stCxn id="122" idx="1"/>
+            <a:endCxn id="14" idx="5"/>
+          </p:cNvCxnSpPr>
+          <p:nvPr/>
+        </p:nvCxnSpPr>
+        <p:spPr>
+          <a:xfrm flipH="1" flipV="1">
+            <a:off x="4264094" y="1911224"/>
+            <a:ext cx="1348370" cy="324888"/>
+          </a:xfrm>
+          <a:prstGeom prst="straightConnector1">
+            <a:avLst/>
+          </a:prstGeom>
+          <a:ln>
+            <a:solidFill>
+              <a:schemeClr val="tx1"/>
+            </a:solidFill>
+            <a:tailEnd type="triangle"/>
+          </a:ln>
+        </p:spPr>
+        <p:style>
+          <a:lnRef idx="1">
+            <a:schemeClr val="accent1"/>
+          </a:lnRef>
+          <a:fillRef idx="0">
+            <a:schemeClr val="accent1"/>
+          </a:fillRef>
+          <a:effectRef idx="0">
+            <a:schemeClr val="accent1"/>
+          </a:effectRef>
+          <a:fontRef idx="minor">
+            <a:schemeClr val="tx1"/>
+          </a:fontRef>
+        </p:style>
+      </p:cxnSp>
+      <p:cxnSp>
+        <p:nvCxnSpPr>
+          <p:cNvPr id="127" name="Conector recto de flecha 126"/>
+          <p:cNvCxnSpPr>
+            <a:stCxn id="110" idx="1"/>
+            <a:endCxn id="122" idx="3"/>
+          </p:cNvCxnSpPr>
+          <p:nvPr/>
+        </p:nvCxnSpPr>
+        <p:spPr>
+          <a:xfrm flipH="1" flipV="1">
+            <a:off x="6069664" y="2236112"/>
+            <a:ext cx="469705" cy="318840"/>
+          </a:xfrm>
+          <a:prstGeom prst="straightConnector1">
+            <a:avLst/>
+          </a:prstGeom>
+          <a:ln>
+            <a:solidFill>
+              <a:schemeClr val="tx1"/>
+            </a:solidFill>
+            <a:tailEnd type="triangle"/>
+          </a:ln>
+        </p:spPr>
+        <p:style>
+          <a:lnRef idx="1">
+            <a:schemeClr val="accent1"/>
+          </a:lnRef>
+          <a:fillRef idx="0">
+            <a:schemeClr val="accent1"/>
+          </a:fillRef>
+          <a:effectRef idx="0">
+            <a:schemeClr val="accent1"/>
+          </a:effectRef>
+          <a:fontRef idx="minor">
+            <a:schemeClr val="tx1"/>
+          </a:fontRef>
+        </p:style>
+      </p:cxnSp>
+      <p:cxnSp>
+        <p:nvCxnSpPr>
+          <p:cNvPr id="128" name="Conector recto de flecha 127"/>
+          <p:cNvCxnSpPr>
+            <a:stCxn id="120" idx="1"/>
+            <a:endCxn id="16" idx="5"/>
+          </p:cNvCxnSpPr>
+          <p:nvPr/>
+        </p:nvCxnSpPr>
+        <p:spPr>
+          <a:xfrm flipH="1" flipV="1">
+            <a:off x="4264094" y="3857056"/>
+            <a:ext cx="1340934" cy="319998"/>
+          </a:xfrm>
+          <a:prstGeom prst="straightConnector1">
+            <a:avLst/>
+          </a:prstGeom>
+          <a:ln>
+            <a:solidFill>
+              <a:schemeClr val="tx1"/>
+            </a:solidFill>
+            <a:tailEnd type="triangle"/>
+          </a:ln>
+        </p:spPr>
+        <p:style>
+          <a:lnRef idx="1">
+            <a:schemeClr val="accent1"/>
+          </a:lnRef>
+          <a:fillRef idx="0">
+            <a:schemeClr val="accent1"/>
+          </a:fillRef>
+          <a:effectRef idx="0">
+            <a:schemeClr val="accent1"/>
+          </a:effectRef>
+          <a:fontRef idx="minor">
+            <a:schemeClr val="tx1"/>
+          </a:fontRef>
+        </p:style>
+      </p:cxnSp>
+      <p:cxnSp>
+        <p:nvCxnSpPr>
+          <p:cNvPr id="129" name="Conector recto de flecha 128"/>
+          <p:cNvCxnSpPr>
+            <a:stCxn id="120" idx="1"/>
+            <a:endCxn id="17" idx="7"/>
+          </p:cNvCxnSpPr>
+          <p:nvPr/>
+        </p:nvCxnSpPr>
+        <p:spPr>
+          <a:xfrm flipH="1">
+            <a:off x="4264094" y="4177054"/>
+            <a:ext cx="1340934" cy="329628"/>
+          </a:xfrm>
+          <a:prstGeom prst="straightConnector1">
+            <a:avLst/>
+          </a:prstGeom>
+          <a:ln>
+            <a:solidFill>
+              <a:schemeClr val="tx1"/>
+            </a:solidFill>
+            <a:tailEnd type="triangle"/>
+          </a:ln>
+        </p:spPr>
+        <p:style>
+          <a:lnRef idx="1">
+            <a:schemeClr val="accent1"/>
+          </a:lnRef>
+          <a:fillRef idx="0">
+            <a:schemeClr val="accent1"/>
+          </a:fillRef>
+          <a:effectRef idx="0">
+            <a:schemeClr val="accent1"/>
+          </a:effectRef>
+          <a:fontRef idx="minor">
+            <a:schemeClr val="tx1"/>
+          </a:fontRef>
+        </p:style>
+      </p:cxnSp>
+      <p:cxnSp>
+        <p:nvCxnSpPr>
+          <p:cNvPr id="131" name="Conector recto de flecha 130"/>
+          <p:cNvCxnSpPr>
+            <a:stCxn id="113" idx="1"/>
+            <a:endCxn id="120" idx="3"/>
+          </p:cNvCxnSpPr>
+          <p:nvPr/>
+        </p:nvCxnSpPr>
+        <p:spPr>
+          <a:xfrm flipH="1" flipV="1">
+            <a:off x="6062228" y="4177054"/>
+            <a:ext cx="477141" cy="1291756"/>
+          </a:xfrm>
+          <a:prstGeom prst="straightConnector1">
+            <a:avLst/>
+          </a:prstGeom>
+          <a:ln>
+            <a:solidFill>
+              <a:schemeClr val="tx1"/>
+            </a:solidFill>
+            <a:tailEnd type="triangle"/>
+          </a:ln>
+        </p:spPr>
+        <p:style>
+          <a:lnRef idx="1">
+            <a:schemeClr val="accent1"/>
+          </a:lnRef>
+          <a:fillRef idx="0">
+            <a:schemeClr val="accent1"/>
+          </a:fillRef>
+          <a:effectRef idx="0">
+            <a:schemeClr val="accent1"/>
+          </a:effectRef>
+          <a:fontRef idx="minor">
+            <a:schemeClr val="tx1"/>
+          </a:fontRef>
+        </p:style>
+      </p:cxnSp>
+      <p:cxnSp>
+        <p:nvCxnSpPr>
+          <p:cNvPr id="132" name="Conector recto de flecha 131"/>
+          <p:cNvCxnSpPr>
+            <a:stCxn id="121" idx="1"/>
+            <a:endCxn id="17" idx="5"/>
+          </p:cNvCxnSpPr>
+          <p:nvPr/>
+        </p:nvCxnSpPr>
+        <p:spPr>
+          <a:xfrm flipH="1" flipV="1">
+            <a:off x="4264094" y="4829972"/>
+            <a:ext cx="1347978" cy="352055"/>
+          </a:xfrm>
+          <a:prstGeom prst="straightConnector1">
+            <a:avLst/>
+          </a:prstGeom>
+          <a:ln>
+            <a:solidFill>
+              <a:schemeClr val="tx1"/>
+            </a:solidFill>
+            <a:tailEnd type="triangle"/>
+          </a:ln>
+        </p:spPr>
+        <p:style>
+          <a:lnRef idx="1">
+            <a:schemeClr val="accent1"/>
+          </a:lnRef>
+          <a:fillRef idx="0">
+            <a:schemeClr val="accent1"/>
+          </a:fillRef>
+          <a:effectRef idx="0">
+            <a:schemeClr val="accent1"/>
+          </a:effectRef>
+          <a:fontRef idx="minor">
+            <a:schemeClr val="tx1"/>
+          </a:fontRef>
+        </p:style>
+      </p:cxnSp>
+      <p:cxnSp>
+        <p:nvCxnSpPr>
+          <p:cNvPr id="133" name="Conector recto de flecha 132"/>
+          <p:cNvCxnSpPr>
+            <a:stCxn id="111" idx="3"/>
+            <a:endCxn id="121" idx="3"/>
+          </p:cNvCxnSpPr>
+          <p:nvPr/>
+        </p:nvCxnSpPr>
+        <p:spPr>
+          <a:xfrm flipH="1">
+            <a:off x="6069272" y="3851158"/>
+            <a:ext cx="470097" cy="1330869"/>
+          </a:xfrm>
+          <a:prstGeom prst="straightConnector1">
+            <a:avLst/>
+          </a:prstGeom>
+          <a:ln>
+            <a:solidFill>
+              <a:schemeClr val="tx1"/>
+            </a:solidFill>
+            <a:tailEnd type="triangle"/>
+          </a:ln>
+        </p:spPr>
+        <p:style>
+          <a:lnRef idx="1">
+            <a:schemeClr val="accent1"/>
+          </a:lnRef>
+          <a:fillRef idx="0">
+            <a:schemeClr val="accent1"/>
+          </a:fillRef>
+          <a:effectRef idx="0">
+            <a:schemeClr val="accent1"/>
+          </a:effectRef>
+          <a:fontRef idx="minor">
+            <a:schemeClr val="tx1"/>
+          </a:fontRef>
+        </p:style>
+      </p:cxnSp>
+      <p:sp>
+        <p:nvSpPr>
+          <p:cNvPr id="134" name="Elipse 133"/>
+          <p:cNvSpPr/>
+          <p:nvPr/>
+        </p:nvSpPr>
+        <p:spPr>
+          <a:xfrm>
+            <a:off x="9072962" y="1515942"/>
+            <a:ext cx="457200" cy="457200"/>
+          </a:xfrm>
+          <a:prstGeom prst="ellipse">
+            <a:avLst/>
+          </a:prstGeom>
+          <a:solidFill>
+            <a:srgbClr val="66FF33"/>
+          </a:solidFill>
+          <a:ln>
+            <a:solidFill>
+              <a:schemeClr val="tx1"/>
+            </a:solidFill>
+          </a:ln>
+        </p:spPr>
+        <p:style>
+          <a:lnRef idx="3">
+            <a:schemeClr val="lt1"/>
+          </a:lnRef>
+          <a:fillRef idx="1">
+            <a:schemeClr val="accent4"/>
+          </a:fillRef>
+          <a:effectRef idx="1">
+            <a:schemeClr val="accent4"/>
+          </a:effectRef>
+          <a:fontRef idx="minor">
+            <a:schemeClr val="lt1"/>
+          </a:fontRef>
+        </p:style>
+        <p:txBody>
+          <a:bodyPr rtlCol="0" anchor="ctr"/>
+          <a:lstStyle/>
+          <a:p>
+            <a:pPr algn="ctr"/>
+            <a:endParaRPr lang="en-US" dirty="0">
+              <a:solidFill>
+                <a:sysClr val="windowText" lastClr="000000"/>
+              </a:solidFill>
+            </a:endParaRPr>
+          </a:p>
+        </p:txBody>
+      </p:sp>
+      <p:sp>
+        <p:nvSpPr>
+          <p:cNvPr id="135" name="Elipse 134"/>
+          <p:cNvSpPr/>
+          <p:nvPr/>
+        </p:nvSpPr>
+        <p:spPr>
+          <a:xfrm>
+            <a:off x="9072962" y="2488858"/>
+            <a:ext cx="457200" cy="457200"/>
+          </a:xfrm>
+          <a:prstGeom prst="ellipse">
+            <a:avLst/>
+          </a:prstGeom>
+          <a:solidFill>
+            <a:srgbClr val="37CBFF"/>
+          </a:solidFill>
+          <a:ln>
+            <a:solidFill>
+              <a:schemeClr val="tx1"/>
+            </a:solidFill>
+          </a:ln>
+        </p:spPr>
+        <p:style>
+          <a:lnRef idx="3">
+            <a:schemeClr val="lt1"/>
+          </a:lnRef>
+          <a:fillRef idx="1">
+            <a:schemeClr val="accent4"/>
+          </a:fillRef>
+          <a:effectRef idx="1">
+            <a:schemeClr val="accent4"/>
+          </a:effectRef>
+          <a:fontRef idx="minor">
+            <a:schemeClr val="lt1"/>
+          </a:fontRef>
+        </p:style>
+        <p:txBody>
+          <a:bodyPr rtlCol="0" anchor="ctr"/>
+          <a:lstStyle/>
+          <a:p>
+            <a:pPr algn="ctr"/>
+            <a:r>
+              <a:rPr lang="en-US" b="1" dirty="0" smtClean="0">
+                <a:solidFill>
+                  <a:sysClr val="windowText" lastClr="000000"/>
+                </a:solidFill>
+              </a:rPr>
+              <a:t>M</a:t>
+            </a:r>
+            <a:endParaRPr lang="en-US" b="1" dirty="0">
+              <a:solidFill>
+                <a:sysClr val="windowText" lastClr="000000"/>
+              </a:solidFill>
+            </a:endParaRPr>
+          </a:p>
+        </p:txBody>
+      </p:sp>
+      <p:sp>
+        <p:nvSpPr>
+          <p:cNvPr id="136" name="Elipse 135"/>
+          <p:cNvSpPr/>
+          <p:nvPr/>
+        </p:nvSpPr>
+        <p:spPr>
+          <a:xfrm>
+            <a:off x="9072962" y="3461774"/>
+            <a:ext cx="457200" cy="457200"/>
+          </a:xfrm>
+          <a:prstGeom prst="ellipse">
+            <a:avLst/>
+          </a:prstGeom>
+          <a:solidFill>
+            <a:srgbClr val="66FF33"/>
+          </a:solidFill>
+          <a:ln>
+            <a:solidFill>
+              <a:schemeClr val="tx1"/>
+            </a:solidFill>
+          </a:ln>
+        </p:spPr>
+        <p:style>
+          <a:lnRef idx="3">
+            <a:schemeClr val="lt1"/>
+          </a:lnRef>
+          <a:fillRef idx="1">
+            <a:schemeClr val="accent4"/>
+          </a:fillRef>
+          <a:effectRef idx="1">
+            <a:schemeClr val="accent4"/>
+          </a:effectRef>
+          <a:fontRef idx="minor">
+            <a:schemeClr val="lt1"/>
+          </a:fontRef>
+        </p:style>
+        <p:txBody>
+          <a:bodyPr rtlCol="0" anchor="ctr"/>
+          <a:lstStyle/>
+          <a:p>
+            <a:pPr algn="ctr"/>
+            <a:endParaRPr lang="en-US" dirty="0">
+              <a:solidFill>
+                <a:sysClr val="windowText" lastClr="000000"/>
+              </a:solidFill>
+            </a:endParaRPr>
+          </a:p>
+        </p:txBody>
+      </p:sp>
+      <p:sp>
+        <p:nvSpPr>
+          <p:cNvPr id="137" name="Elipse 136"/>
+          <p:cNvSpPr/>
+          <p:nvPr/>
+        </p:nvSpPr>
+        <p:spPr>
+          <a:xfrm>
+            <a:off x="9072962" y="4434690"/>
+            <a:ext cx="457200" cy="457200"/>
+          </a:xfrm>
+          <a:prstGeom prst="ellipse">
+            <a:avLst/>
+          </a:prstGeom>
+          <a:solidFill>
+            <a:srgbClr val="66FF33"/>
+          </a:solidFill>
+          <a:ln>
+            <a:solidFill>
+              <a:schemeClr val="tx1"/>
+            </a:solidFill>
+          </a:ln>
+        </p:spPr>
+        <p:style>
+          <a:lnRef idx="3">
+            <a:schemeClr val="lt1"/>
+          </a:lnRef>
+          <a:fillRef idx="1">
+            <a:schemeClr val="accent4"/>
+          </a:fillRef>
+          <a:effectRef idx="1">
+            <a:schemeClr val="accent4"/>
+          </a:effectRef>
+          <a:fontRef idx="minor">
+            <a:schemeClr val="lt1"/>
+          </a:fontRef>
+        </p:style>
+        <p:txBody>
+          <a:bodyPr rtlCol="0" anchor="ctr"/>
+          <a:lstStyle/>
+          <a:p>
+            <a:pPr algn="ctr"/>
+            <a:endParaRPr lang="en-US" dirty="0">
+              <a:solidFill>
+                <a:sysClr val="windowText" lastClr="000000"/>
+              </a:solidFill>
+            </a:endParaRPr>
+          </a:p>
+        </p:txBody>
+      </p:sp>
+      <p:sp>
+        <p:nvSpPr>
+          <p:cNvPr id="138" name="Elipse 137"/>
+          <p:cNvSpPr/>
+          <p:nvPr/>
+        </p:nvSpPr>
+        <p:spPr>
+          <a:xfrm>
+            <a:off x="9064336" y="5402716"/>
+            <a:ext cx="457200" cy="457200"/>
+          </a:xfrm>
+          <a:prstGeom prst="ellipse">
+            <a:avLst/>
+          </a:prstGeom>
+          <a:solidFill>
+            <a:srgbClr val="37CBFF"/>
+          </a:solidFill>
+          <a:ln>
+            <a:solidFill>
+              <a:schemeClr val="tx1"/>
+            </a:solidFill>
+          </a:ln>
+        </p:spPr>
+        <p:style>
+          <a:lnRef idx="3">
+            <a:schemeClr val="lt1"/>
+          </a:lnRef>
+          <a:fillRef idx="1">
+            <a:schemeClr val="accent4"/>
+          </a:fillRef>
+          <a:effectRef idx="1">
+            <a:schemeClr val="accent4"/>
+          </a:effectRef>
+          <a:fontRef idx="minor">
+            <a:schemeClr val="lt1"/>
+          </a:fontRef>
+        </p:style>
+        <p:txBody>
+          <a:bodyPr rtlCol="0" anchor="ctr"/>
+          <a:lstStyle/>
+          <a:p>
+            <a:pPr algn="ctr"/>
+            <a:r>
+              <a:rPr lang="en-US" b="1" dirty="0">
+                <a:solidFill>
+                  <a:sysClr val="windowText" lastClr="000000"/>
+                </a:solidFill>
+              </a:rPr>
+              <a:t>M</a:t>
+            </a:r>
+            <a:endParaRPr lang="en-US" b="1" dirty="0">
+              <a:solidFill>
+                <a:sysClr val="windowText" lastClr="000000"/>
+              </a:solidFill>
+            </a:endParaRPr>
+          </a:p>
+        </p:txBody>
+      </p:sp>
+      <p:cxnSp>
+        <p:nvCxnSpPr>
+          <p:cNvPr id="139" name="Conector recto de flecha 138"/>
+          <p:cNvCxnSpPr>
+            <a:stCxn id="134" idx="2"/>
+          </p:cNvCxnSpPr>
+          <p:nvPr/>
+        </p:nvCxnSpPr>
+        <p:spPr>
+          <a:xfrm flipH="1">
+            <a:off x="6928710" y="1744542"/>
+            <a:ext cx="2144252" cy="4890"/>
+          </a:xfrm>
+          <a:prstGeom prst="straightConnector1">
+            <a:avLst/>
+          </a:prstGeom>
+          <a:ln>
+            <a:solidFill>
+              <a:schemeClr val="tx1"/>
+            </a:solidFill>
+            <a:tailEnd type="triangle"/>
+          </a:ln>
+        </p:spPr>
+        <p:style>
+          <a:lnRef idx="1">
+            <a:schemeClr val="accent1"/>
+          </a:lnRef>
+          <a:fillRef idx="0">
+            <a:schemeClr val="accent1"/>
+          </a:fillRef>
+          <a:effectRef idx="0">
+            <a:schemeClr val="accent1"/>
+          </a:effectRef>
+          <a:fontRef idx="minor">
+            <a:schemeClr val="tx1"/>
+          </a:fontRef>
+        </p:style>
+      </p:cxnSp>
+      <p:cxnSp>
+        <p:nvCxnSpPr>
+          <p:cNvPr id="140" name="Conector recto de flecha 139"/>
+          <p:cNvCxnSpPr>
+            <a:stCxn id="135" idx="2"/>
+          </p:cNvCxnSpPr>
+          <p:nvPr/>
+        </p:nvCxnSpPr>
+        <p:spPr>
+          <a:xfrm flipH="1">
+            <a:off x="6928710" y="2717458"/>
+            <a:ext cx="2144252" cy="4890"/>
+          </a:xfrm>
+          <a:prstGeom prst="straightConnector1">
+            <a:avLst/>
+          </a:prstGeom>
+          <a:ln>
+            <a:solidFill>
+              <a:schemeClr val="tx1"/>
+            </a:solidFill>
+            <a:tailEnd type="triangle"/>
+          </a:ln>
+        </p:spPr>
+        <p:style>
+          <a:lnRef idx="1">
+            <a:schemeClr val="accent1"/>
+          </a:lnRef>
+          <a:fillRef idx="0">
+            <a:schemeClr val="accent1"/>
+          </a:fillRef>
+          <a:effectRef idx="0">
+            <a:schemeClr val="accent1"/>
+          </a:effectRef>
+          <a:fontRef idx="minor">
+            <a:schemeClr val="tx1"/>
+          </a:fontRef>
+        </p:style>
+      </p:cxnSp>
+      <p:cxnSp>
+        <p:nvCxnSpPr>
+          <p:cNvPr id="141" name="Conector recto de flecha 140"/>
+          <p:cNvCxnSpPr>
+            <a:stCxn id="136" idx="2"/>
+          </p:cNvCxnSpPr>
+          <p:nvPr/>
+        </p:nvCxnSpPr>
+        <p:spPr>
+          <a:xfrm flipH="1">
+            <a:off x="6928710" y="3690374"/>
+            <a:ext cx="2144252" cy="4890"/>
+          </a:xfrm>
+          <a:prstGeom prst="straightConnector1">
+            <a:avLst/>
+          </a:prstGeom>
+          <a:ln>
+            <a:solidFill>
+              <a:schemeClr val="tx1"/>
+            </a:solidFill>
+            <a:tailEnd type="triangle"/>
+          </a:ln>
+        </p:spPr>
+        <p:style>
+          <a:lnRef idx="1">
+            <a:schemeClr val="accent1"/>
+          </a:lnRef>
+          <a:fillRef idx="0">
+            <a:schemeClr val="accent1"/>
+          </a:fillRef>
+          <a:effectRef idx="0">
+            <a:schemeClr val="accent1"/>
+          </a:effectRef>
+          <a:fontRef idx="minor">
+            <a:schemeClr val="tx1"/>
+          </a:fontRef>
+        </p:style>
+      </p:cxnSp>
+      <p:cxnSp>
+        <p:nvCxnSpPr>
+          <p:cNvPr id="142" name="Conector recto de flecha 141"/>
+          <p:cNvCxnSpPr>
+            <a:stCxn id="137" idx="2"/>
+          </p:cNvCxnSpPr>
+          <p:nvPr/>
+        </p:nvCxnSpPr>
+        <p:spPr>
+          <a:xfrm flipH="1">
+            <a:off x="6928710" y="4663290"/>
+            <a:ext cx="2144252" cy="4890"/>
+          </a:xfrm>
+          <a:prstGeom prst="straightConnector1">
+            <a:avLst/>
+          </a:prstGeom>
+          <a:ln>
+            <a:solidFill>
+              <a:schemeClr val="tx1"/>
+            </a:solidFill>
+            <a:tailEnd type="triangle"/>
+          </a:ln>
+        </p:spPr>
+        <p:style>
+          <a:lnRef idx="1">
+            <a:schemeClr val="accent1"/>
+          </a:lnRef>
+          <a:fillRef idx="0">
+            <a:schemeClr val="accent1"/>
+          </a:fillRef>
+          <a:effectRef idx="0">
+            <a:schemeClr val="accent1"/>
+          </a:effectRef>
+          <a:fontRef idx="minor">
+            <a:schemeClr val="tx1"/>
+          </a:fontRef>
+        </p:style>
+      </p:cxnSp>
+      <p:cxnSp>
+        <p:nvCxnSpPr>
+          <p:cNvPr id="143" name="Conector recto de flecha 142"/>
+          <p:cNvCxnSpPr>
+            <a:stCxn id="138" idx="2"/>
+            <a:endCxn id="113" idx="6"/>
+          </p:cNvCxnSpPr>
+          <p:nvPr/>
+        </p:nvCxnSpPr>
+        <p:spPr>
+          <a:xfrm flipH="1" flipV="1">
+            <a:off x="6929614" y="5630455"/>
+            <a:ext cx="2134722" cy="861"/>
+          </a:xfrm>
+          <a:prstGeom prst="straightConnector1">
+            <a:avLst/>
+          </a:prstGeom>
+          <a:ln>
+            <a:solidFill>
+              <a:schemeClr val="tx1"/>
+            </a:solidFill>
+            <a:tailEnd type="triangle"/>
+          </a:ln>
+        </p:spPr>
+        <p:style>
+          <a:lnRef idx="1">
+            <a:schemeClr val="accent1"/>
+          </a:lnRef>
+          <a:fillRef idx="0">
+            <a:schemeClr val="accent1"/>
+          </a:fillRef>
+          <a:effectRef idx="0">
+            <a:schemeClr val="accent1"/>
+          </a:effectRef>
+          <a:fontRef idx="minor">
+            <a:schemeClr val="tx1"/>
+          </a:fontRef>
+        </p:style>
+      </p:cxnSp>
+      <p:cxnSp>
+        <p:nvCxnSpPr>
+          <p:cNvPr id="149" name="Conector recto de flecha 148"/>
+          <p:cNvCxnSpPr>
+            <a:stCxn id="134" idx="3"/>
+            <a:endCxn id="148" idx="3"/>
+          </p:cNvCxnSpPr>
+          <p:nvPr/>
+        </p:nvCxnSpPr>
+        <p:spPr>
+          <a:xfrm flipH="1">
+            <a:off x="8658736" y="1906187"/>
+            <a:ext cx="481181" cy="1313554"/>
+          </a:xfrm>
+          <a:prstGeom prst="straightConnector1">
+            <a:avLst/>
+          </a:prstGeom>
+          <a:ln>
+            <a:solidFill>
+              <a:schemeClr val="tx1"/>
+            </a:solidFill>
+            <a:tailEnd type="triangle"/>
+          </a:ln>
+        </p:spPr>
+        <p:style>
+          <a:lnRef idx="1">
+            <a:schemeClr val="accent1"/>
+          </a:lnRef>
+          <a:fillRef idx="0">
+            <a:schemeClr val="accent1"/>
+          </a:fillRef>
+          <a:effectRef idx="0">
+            <a:schemeClr val="accent1"/>
+          </a:effectRef>
+          <a:fontRef idx="minor">
+            <a:schemeClr val="tx1"/>
+          </a:fontRef>
+        </p:style>
+      </p:cxnSp>
+      <p:cxnSp>
+        <p:nvCxnSpPr>
+          <p:cNvPr id="150" name="Conector recto de flecha 149"/>
+          <p:cNvCxnSpPr>
+            <a:stCxn id="148" idx="1"/>
+            <a:endCxn id="111" idx="7"/>
+          </p:cNvCxnSpPr>
+          <p:nvPr/>
+        </p:nvCxnSpPr>
+        <p:spPr>
+          <a:xfrm flipH="1">
+            <a:off x="6862659" y="3219741"/>
+            <a:ext cx="1338877" cy="308127"/>
+          </a:xfrm>
+          <a:prstGeom prst="straightConnector1">
+            <a:avLst/>
+          </a:prstGeom>
+          <a:ln>
+            <a:solidFill>
+              <a:schemeClr val="tx1"/>
+            </a:solidFill>
+            <a:tailEnd type="triangle"/>
+          </a:ln>
+        </p:spPr>
+        <p:style>
+          <a:lnRef idx="1">
+            <a:schemeClr val="accent1"/>
+          </a:lnRef>
+          <a:fillRef idx="0">
+            <a:schemeClr val="accent1"/>
+          </a:fillRef>
+          <a:effectRef idx="0">
+            <a:schemeClr val="accent1"/>
+          </a:effectRef>
+          <a:fontRef idx="minor">
+            <a:schemeClr val="tx1"/>
+          </a:fontRef>
+        </p:style>
+      </p:cxnSp>
+      <p:cxnSp>
+        <p:nvCxnSpPr>
+          <p:cNvPr id="151" name="Conector recto de flecha 150"/>
+          <p:cNvCxnSpPr>
+            <a:stCxn id="147" idx="1"/>
+            <a:endCxn id="109" idx="5"/>
+          </p:cNvCxnSpPr>
+          <p:nvPr/>
+        </p:nvCxnSpPr>
+        <p:spPr>
+          <a:xfrm flipH="1" flipV="1">
+            <a:off x="6862659" y="1905326"/>
+            <a:ext cx="1338877" cy="332063"/>
+          </a:xfrm>
+          <a:prstGeom prst="straightConnector1">
+            <a:avLst/>
+          </a:prstGeom>
+          <a:ln>
+            <a:solidFill>
+              <a:schemeClr val="tx1"/>
+            </a:solidFill>
+            <a:tailEnd type="triangle"/>
+          </a:ln>
+        </p:spPr>
+        <p:style>
+          <a:lnRef idx="1">
+            <a:schemeClr val="accent1"/>
+          </a:lnRef>
+          <a:fillRef idx="0">
+            <a:schemeClr val="accent1"/>
+          </a:fillRef>
+          <a:effectRef idx="0">
+            <a:schemeClr val="accent1"/>
+          </a:effectRef>
+          <a:fontRef idx="minor">
+            <a:schemeClr val="tx1"/>
+          </a:fontRef>
+        </p:style>
+      </p:cxnSp>
+      <p:cxnSp>
+        <p:nvCxnSpPr>
+          <p:cNvPr id="152" name="Conector recto de flecha 151"/>
+          <p:cNvCxnSpPr>
+            <a:stCxn id="135" idx="1"/>
+            <a:endCxn id="147" idx="3"/>
+          </p:cNvCxnSpPr>
+          <p:nvPr/>
+        </p:nvCxnSpPr>
+        <p:spPr>
+          <a:xfrm flipH="1" flipV="1">
+            <a:off x="8658736" y="2237389"/>
+            <a:ext cx="481181" cy="318424"/>
+          </a:xfrm>
+          <a:prstGeom prst="straightConnector1">
+            <a:avLst/>
+          </a:prstGeom>
+          <a:ln>
+            <a:solidFill>
+              <a:schemeClr val="tx1"/>
+            </a:solidFill>
+            <a:tailEnd type="triangle"/>
+          </a:ln>
+        </p:spPr>
+        <p:style>
+          <a:lnRef idx="1">
+            <a:schemeClr val="accent1"/>
+          </a:lnRef>
+          <a:fillRef idx="0">
+            <a:schemeClr val="accent1"/>
+          </a:fillRef>
+          <a:effectRef idx="0">
+            <a:schemeClr val="accent1"/>
+          </a:effectRef>
+          <a:fontRef idx="minor">
+            <a:schemeClr val="tx1"/>
+          </a:fontRef>
+        </p:style>
+      </p:cxnSp>
+      <p:cxnSp>
+        <p:nvCxnSpPr>
+          <p:cNvPr id="153" name="Conector recto de flecha 152"/>
+          <p:cNvCxnSpPr>
+            <a:stCxn id="145" idx="1"/>
+            <a:endCxn id="111" idx="5"/>
+          </p:cNvCxnSpPr>
+          <p:nvPr/>
+        </p:nvCxnSpPr>
+        <p:spPr>
+          <a:xfrm flipH="1" flipV="1">
+            <a:off x="6862659" y="3851158"/>
+            <a:ext cx="1339454" cy="345377"/>
+          </a:xfrm>
+          <a:prstGeom prst="straightConnector1">
+            <a:avLst/>
+          </a:prstGeom>
+          <a:ln>
+            <a:solidFill>
+              <a:schemeClr val="tx1"/>
+            </a:solidFill>
+            <a:tailEnd type="triangle"/>
+          </a:ln>
+        </p:spPr>
+        <p:style>
+          <a:lnRef idx="1">
+            <a:schemeClr val="accent1"/>
+          </a:lnRef>
+          <a:fillRef idx="0">
+            <a:schemeClr val="accent1"/>
+          </a:fillRef>
+          <a:effectRef idx="0">
+            <a:schemeClr val="accent1"/>
+          </a:effectRef>
+          <a:fontRef idx="minor">
+            <a:schemeClr val="tx1"/>
+          </a:fontRef>
+        </p:style>
+      </p:cxnSp>
+      <p:cxnSp>
+        <p:nvCxnSpPr>
+          <p:cNvPr id="154" name="Conector recto de flecha 153"/>
+          <p:cNvCxnSpPr>
+            <a:stCxn id="145" idx="1"/>
+            <a:endCxn id="112" idx="7"/>
+          </p:cNvCxnSpPr>
+          <p:nvPr/>
+        </p:nvCxnSpPr>
+        <p:spPr>
+          <a:xfrm flipH="1">
+            <a:off x="6862659" y="4196535"/>
+            <a:ext cx="1339454" cy="304249"/>
+          </a:xfrm>
+          <a:prstGeom prst="straightConnector1">
+            <a:avLst/>
+          </a:prstGeom>
+          <a:ln>
+            <a:solidFill>
+              <a:schemeClr val="tx1"/>
+            </a:solidFill>
+            <a:tailEnd type="triangle"/>
+          </a:ln>
+        </p:spPr>
+        <p:style>
+          <a:lnRef idx="1">
+            <a:schemeClr val="accent1"/>
+          </a:lnRef>
+          <a:fillRef idx="0">
+            <a:schemeClr val="accent1"/>
+          </a:fillRef>
+          <a:effectRef idx="0">
+            <a:schemeClr val="accent1"/>
+          </a:effectRef>
+          <a:fontRef idx="minor">
+            <a:schemeClr val="tx1"/>
+          </a:fontRef>
+        </p:style>
+      </p:cxnSp>
+      <p:cxnSp>
+        <p:nvCxnSpPr>
+          <p:cNvPr id="156" name="Conector recto de flecha 155"/>
+          <p:cNvCxnSpPr>
+            <a:stCxn id="138" idx="1"/>
+            <a:endCxn id="145" idx="3"/>
+          </p:cNvCxnSpPr>
+          <p:nvPr/>
+        </p:nvCxnSpPr>
+        <p:spPr>
+          <a:xfrm flipH="1" flipV="1">
+            <a:off x="8659313" y="4196535"/>
+            <a:ext cx="471978" cy="1273136"/>
+          </a:xfrm>
+          <a:prstGeom prst="straightConnector1">
+            <a:avLst/>
+          </a:prstGeom>
+          <a:ln>
+            <a:solidFill>
+              <a:schemeClr val="tx1"/>
+            </a:solidFill>
+            <a:tailEnd type="triangle"/>
+          </a:ln>
+        </p:spPr>
+        <p:style>
+          <a:lnRef idx="1">
+            <a:schemeClr val="accent1"/>
+          </a:lnRef>
+          <a:fillRef idx="0">
+            <a:schemeClr val="accent1"/>
+          </a:fillRef>
+          <a:effectRef idx="0">
+            <a:schemeClr val="accent1"/>
+          </a:effectRef>
+          <a:fontRef idx="minor">
+            <a:schemeClr val="tx1"/>
+          </a:fontRef>
+        </p:style>
+      </p:cxnSp>
+      <p:cxnSp>
+        <p:nvCxnSpPr>
+          <p:cNvPr id="157" name="Conector recto de flecha 156"/>
+          <p:cNvCxnSpPr>
+            <a:stCxn id="146" idx="1"/>
+            <a:endCxn id="112" idx="5"/>
+          </p:cNvCxnSpPr>
+          <p:nvPr/>
+        </p:nvCxnSpPr>
+        <p:spPr>
+          <a:xfrm flipH="1" flipV="1">
+            <a:off x="6862659" y="4824074"/>
+            <a:ext cx="1339454" cy="391901"/>
+          </a:xfrm>
+          <a:prstGeom prst="straightConnector1">
+            <a:avLst/>
+          </a:prstGeom>
+          <a:ln>
+            <a:solidFill>
+              <a:schemeClr val="tx1"/>
+            </a:solidFill>
+            <a:tailEnd type="triangle"/>
+          </a:ln>
+        </p:spPr>
+        <p:style>
+          <a:lnRef idx="1">
+            <a:schemeClr val="accent1"/>
+          </a:lnRef>
+          <a:fillRef idx="0">
+            <a:schemeClr val="accent1"/>
+          </a:fillRef>
+          <a:effectRef idx="0">
+            <a:schemeClr val="accent1"/>
+          </a:effectRef>
+          <a:fontRef idx="minor">
+            <a:schemeClr val="tx1"/>
+          </a:fontRef>
+        </p:style>
+      </p:cxnSp>
+      <p:cxnSp>
+        <p:nvCxnSpPr>
+          <p:cNvPr id="158" name="Conector recto de flecha 157"/>
+          <p:cNvCxnSpPr>
+            <a:stCxn id="136" idx="3"/>
+            <a:endCxn id="146" idx="3"/>
+          </p:cNvCxnSpPr>
+          <p:nvPr/>
+        </p:nvCxnSpPr>
+        <p:spPr>
+          <a:xfrm flipH="1">
+            <a:off x="8659313" y="3852019"/>
+            <a:ext cx="480604" cy="1363956"/>
+          </a:xfrm>
+          <a:prstGeom prst="straightConnector1">
+            <a:avLst/>
+          </a:prstGeom>
+          <a:ln>
+            <a:solidFill>
+              <a:schemeClr val="tx1"/>
+            </a:solidFill>
+            <a:tailEnd type="triangle"/>
+          </a:ln>
+        </p:spPr>
+        <p:style>
+          <a:lnRef idx="1">
+            <a:schemeClr val="accent1"/>
+          </a:lnRef>
+          <a:fillRef idx="0">
+            <a:schemeClr val="accent1"/>
+          </a:fillRef>
+          <a:effectRef idx="0">
+            <a:schemeClr val="accent1"/>
+          </a:effectRef>
+          <a:fontRef idx="minor">
+            <a:schemeClr val="tx1"/>
+          </a:fontRef>
+        </p:style>
+      </p:cxnSp>
+      <p:sp>
+        <p:nvSpPr>
+          <p:cNvPr id="162" name="Rectángulo 161"/>
+          <p:cNvSpPr/>
+          <p:nvPr/>
+        </p:nvSpPr>
+        <p:spPr>
+          <a:xfrm>
+            <a:off x="10141559" y="3948454"/>
+            <a:ext cx="365760" cy="365760"/>
+          </a:xfrm>
+          <a:prstGeom prst="rect">
+            <a:avLst/>
+          </a:prstGeom>
+          <a:solidFill>
+            <a:srgbClr val="37CBFF"/>
+          </a:solidFill>
+          <a:ln>
+            <a:solidFill>
+              <a:schemeClr val="tx1"/>
+            </a:solidFill>
+          </a:ln>
+        </p:spPr>
+        <p:style>
+          <a:lnRef idx="3">
+            <a:schemeClr val="lt1"/>
+          </a:lnRef>
+          <a:fillRef idx="1">
+            <a:schemeClr val="accent2"/>
+          </a:fillRef>
+          <a:effectRef idx="1">
+            <a:schemeClr val="accent2"/>
+          </a:effectRef>
+          <a:fontRef idx="minor">
+            <a:schemeClr val="lt1"/>
+          </a:fontRef>
+        </p:style>
+        <p:txBody>
+          <a:bodyPr rtlCol="0" anchor="ctr"/>
+          <a:lstStyle/>
+          <a:p>
+            <a:pPr algn="ctr"/>
+            <a:r>
+              <a:rPr lang="en-US" b="1" dirty="0">
+                <a:solidFill>
+                  <a:sysClr val="windowText" lastClr="000000"/>
+                </a:solidFill>
+              </a:rPr>
+              <a:t>M</a:t>
+            </a:r>
+            <a:endParaRPr lang="en-US" b="1" dirty="0">
+              <a:solidFill>
+                <a:sysClr val="windowText" lastClr="000000"/>
+              </a:solidFill>
+            </a:endParaRPr>
+          </a:p>
+        </p:txBody>
+      </p:sp>
+      <p:cxnSp>
+        <p:nvCxnSpPr>
+          <p:cNvPr id="163" name="Conector recto de flecha 162"/>
+          <p:cNvCxnSpPr>
+            <a:stCxn id="162" idx="1"/>
+            <a:endCxn id="135" idx="6"/>
+          </p:cNvCxnSpPr>
+          <p:nvPr/>
+        </p:nvCxnSpPr>
+        <p:spPr>
+          <a:xfrm flipH="1" flipV="1">
+            <a:off x="9530162" y="2717458"/>
+            <a:ext cx="611397" cy="1413876"/>
+          </a:xfrm>
+          <a:prstGeom prst="straightConnector1">
+            <a:avLst/>
+          </a:prstGeom>
+          <a:ln>
+            <a:solidFill>
+              <a:schemeClr val="tx1"/>
+            </a:solidFill>
+            <a:tailEnd type="triangle"/>
+          </a:ln>
+        </p:spPr>
+        <p:style>
+          <a:lnRef idx="1">
+            <a:schemeClr val="accent1"/>
+          </a:lnRef>
+          <a:fillRef idx="0">
+            <a:schemeClr val="accent1"/>
+          </a:fillRef>
+          <a:effectRef idx="0">
+            <a:schemeClr val="accent1"/>
+          </a:effectRef>
+          <a:fontRef idx="minor">
+            <a:schemeClr val="tx1"/>
+          </a:fontRef>
+        </p:style>
+      </p:cxnSp>
+      <p:cxnSp>
+        <p:nvCxnSpPr>
+          <p:cNvPr id="166" name="Conector recto de flecha 165"/>
+          <p:cNvCxnSpPr>
+            <a:stCxn id="162" idx="1"/>
+            <a:endCxn id="138" idx="6"/>
+          </p:cNvCxnSpPr>
+          <p:nvPr/>
+        </p:nvCxnSpPr>
+        <p:spPr>
+          <a:xfrm flipH="1">
+            <a:off x="9521536" y="4131334"/>
+            <a:ext cx="620023" cy="1499982"/>
+          </a:xfrm>
+          <a:prstGeom prst="straightConnector1">
+            <a:avLst/>
+          </a:prstGeom>
+          <a:ln>
+            <a:solidFill>
+              <a:schemeClr val="tx1"/>
+            </a:solidFill>
+            <a:tailEnd type="triangle"/>
+          </a:ln>
+        </p:spPr>
+        <p:style>
+          <a:lnRef idx="1">
+            <a:schemeClr val="accent1"/>
+          </a:lnRef>
+          <a:fillRef idx="0">
+            <a:schemeClr val="accent1"/>
+          </a:fillRef>
+          <a:effectRef idx="0">
+            <a:schemeClr val="accent1"/>
+          </a:effectRef>
+          <a:fontRef idx="minor">
+            <a:schemeClr val="tx1"/>
+          </a:fontRef>
+        </p:style>
+      </p:cxnSp>
+      <mc:AlternateContent xmlns:mc="http://schemas.openxmlformats.org/markup-compatibility/2006">
+        <mc:Choice xmlns:a14="http://schemas.microsoft.com/office/drawing/2010/main" Requires="a14">
+          <p:sp>
+            <p:nvSpPr>
+              <p:cNvPr id="171" name="Rectángulo 170"/>
+              <p:cNvSpPr/>
+              <p:nvPr/>
+            </p:nvSpPr>
+            <p:spPr>
+              <a:xfrm>
+                <a:off x="10826065" y="3947158"/>
+                <a:ext cx="365760" cy="365760"/>
+              </a:xfrm>
+              <a:prstGeom prst="rect">
+                <a:avLst/>
+              </a:prstGeom>
+              <a:solidFill>
+                <a:schemeClr val="bg1"/>
+              </a:solidFill>
+              <a:ln>
+                <a:solidFill>
+                  <a:schemeClr val="tx1"/>
+                </a:solidFill>
+              </a:ln>
+            </p:spPr>
+            <p:style>
+              <a:lnRef idx="3">
+                <a:schemeClr val="lt1"/>
+              </a:lnRef>
+              <a:fillRef idx="1">
+                <a:schemeClr val="accent2"/>
+              </a:fillRef>
+              <a:effectRef idx="1">
+                <a:schemeClr val="accent2"/>
+              </a:effectRef>
+              <a:fontRef idx="minor">
+                <a:schemeClr val="lt1"/>
+              </a:fontRef>
+            </p:style>
+            <p:txBody>
+              <a:bodyPr rtlCol="0" anchor="t"/>
+              <a:lstStyle/>
+              <a:p>
+                <a:pPr algn="ctr"/>
+                <a14:m>
+                  <m:oMathPara xmlns:m="http://schemas.openxmlformats.org/officeDocument/2006/math">
+                    <m:oMathParaPr>
+                      <m:jc m:val="center"/>
+                    </m:oMathParaPr>
+                    <m:oMath xmlns:m="http://schemas.openxmlformats.org/officeDocument/2006/math">
+                      <m:r>
+                        <a:rPr lang="en-US" sz="2000" b="1" i="1" smtClean="0">
+                          <a:solidFill>
+                            <a:sysClr val="windowText" lastClr="000000"/>
+                          </a:solidFill>
+                          <a:latin typeface="Cambria Math" panose="02040503050406030204" pitchFamily="18" charset="0"/>
+                          <a:ea typeface="Cambria Math" panose="02040503050406030204" pitchFamily="18" charset="0"/>
+                        </a:rPr>
+                        <m:t>𝜸</m:t>
+                      </m:r>
+                    </m:oMath>
+                  </m:oMathPara>
+                </a14:m>
+                <a:endParaRPr lang="en-US" sz="2000" b="1" dirty="0">
+                  <a:solidFill>
+                    <a:sysClr val="windowText" lastClr="000000"/>
+                  </a:solidFill>
+                </a:endParaRPr>
+              </a:p>
+            </p:txBody>
+          </p:sp>
+        </mc:Choice>
+        <mc:Fallback>
+          <p:sp>
+            <p:nvSpPr>
+              <p:cNvPr id="171" name="Rectángulo 170"/>
+              <p:cNvSpPr>
+                <a:spLocks noRot="1" noChangeAspect="1" noMove="1" noResize="1" noEditPoints="1" noAdjustHandles="1" noChangeArrowheads="1" noChangeShapeType="1" noTextEdit="1"/>
+              </p:cNvSpPr>
+              <p:nvPr/>
+            </p:nvSpPr>
+            <p:spPr>
+              <a:xfrm>
+                <a:off x="10826065" y="3947158"/>
+                <a:ext cx="365760" cy="365760"/>
+              </a:xfrm>
+              <a:prstGeom prst="rect">
+                <a:avLst/>
+              </a:prstGeom>
+              <a:blipFill rotWithShape="0">
+                <a:blip r:embed="rId2"/>
+                <a:stretch>
+                  <a:fillRect l="-3175" b="-12698"/>
+                </a:stretch>
+              </a:blipFill>
+              <a:ln>
+                <a:solidFill>
+                  <a:schemeClr val="tx1"/>
+                </a:solidFill>
+              </a:ln>
+            </p:spPr>
+            <p:txBody>
+              <a:bodyPr/>
+              <a:lstStyle/>
+              <a:p>
+                <a:r>
+                  <a:rPr lang="en-US">
+                    <a:noFill/>
+                  </a:rPr>
+                  <a:t> </a:t>
+                </a:r>
+              </a:p>
+            </p:txBody>
+          </p:sp>
+        </mc:Fallback>
+      </mc:AlternateContent>
+      <p:cxnSp>
+        <p:nvCxnSpPr>
+          <p:cNvPr id="89" name="Conector recto de flecha 88"/>
+          <p:cNvCxnSpPr>
+            <a:stCxn id="171" idx="1"/>
+            <a:endCxn id="162" idx="3"/>
+          </p:cNvCxnSpPr>
+          <p:nvPr/>
+        </p:nvCxnSpPr>
+        <p:spPr>
+          <a:xfrm flipH="1">
+            <a:off x="10507319" y="4130038"/>
+            <a:ext cx="318746" cy="1296"/>
+          </a:xfrm>
+          <a:prstGeom prst="straightConnector1">
+            <a:avLst/>
+          </a:prstGeom>
+          <a:ln>
+            <a:solidFill>
+              <a:schemeClr val="tx1"/>
+            </a:solidFill>
+            <a:tailEnd type="triangle"/>
+          </a:ln>
+        </p:spPr>
+        <p:style>
+          <a:lnRef idx="1">
+            <a:schemeClr val="accent1"/>
+          </a:lnRef>
+          <a:fillRef idx="0">
+            <a:schemeClr val="accent1"/>
+          </a:fillRef>
+          <a:effectRef idx="0">
+            <a:schemeClr val="accent1"/>
+          </a:effectRef>
+          <a:fontRef idx="minor">
+            <a:schemeClr val="tx1"/>
+          </a:fontRef>
+        </p:style>
+      </p:cxnSp>
+      <p:grpSp>
+        <p:nvGrpSpPr>
+          <p:cNvPr id="26" name="Grupo 25"/>
+          <p:cNvGrpSpPr/>
+          <p:nvPr/>
+        </p:nvGrpSpPr>
+        <p:grpSpPr>
+          <a:xfrm>
+            <a:off x="3011896" y="4668826"/>
+            <a:ext cx="457200" cy="759412"/>
+            <a:chOff x="3006463" y="3655872"/>
+            <a:chExt cx="457200" cy="759412"/>
+          </a:xfrm>
+        </p:grpSpPr>
+        <p:sp>
+          <p:nvSpPr>
+            <p:cNvPr id="11" name="Rectángulo 10"/>
+            <p:cNvSpPr/>
+            <p:nvPr/>
+          </p:nvSpPr>
+          <p:spPr>
+            <a:xfrm>
+              <a:off x="3006463" y="3958084"/>
+              <a:ext cx="457200" cy="457200"/>
+            </a:xfrm>
+            <a:prstGeom prst="rect">
+              <a:avLst/>
+            </a:prstGeom>
+            <a:solidFill>
+              <a:srgbClr val="37CBFF"/>
+            </a:solidFill>
+            <a:ln>
+              <a:solidFill>
+                <a:schemeClr val="tx1"/>
+              </a:solidFill>
+            </a:ln>
+          </p:spPr>
+          <p:style>
+            <a:lnRef idx="3">
+              <a:schemeClr val="lt1"/>
+            </a:lnRef>
+            <a:fillRef idx="1">
+              <a:schemeClr val="accent2"/>
+            </a:fillRef>
+            <a:effectRef idx="1">
+              <a:schemeClr val="accent2"/>
+            </a:effectRef>
+            <a:fontRef idx="minor">
+              <a:schemeClr val="lt1"/>
+            </a:fontRef>
+          </p:style>
+          <p:txBody>
+            <a:bodyPr rtlCol="0" anchor="ctr"/>
+            <a:lstStyle/>
+            <a:p>
+              <a:pPr algn="ctr"/>
+              <a:r>
+                <a:rPr lang="en-US" b="1" dirty="0" smtClean="0">
+                  <a:solidFill>
+                    <a:sysClr val="windowText" lastClr="000000"/>
+                  </a:solidFill>
+                </a:rPr>
+                <a:t>M</a:t>
+              </a:r>
+              <a:endParaRPr lang="en-US" b="1" dirty="0">
+                <a:solidFill>
+                  <a:sysClr val="windowText" lastClr="000000"/>
+                </a:solidFill>
+              </a:endParaRPr>
+            </a:p>
+          </p:txBody>
+        </p:sp>
+        <mc:AlternateContent xmlns:mc="http://schemas.openxmlformats.org/markup-compatibility/2006">
+          <mc:Choice xmlns:a14="http://schemas.microsoft.com/office/drawing/2010/main" Requires="a14">
+            <p:sp>
+              <p:nvSpPr>
+                <p:cNvPr id="59" name="CuadroTexto 58"/>
+                <p:cNvSpPr txBox="1"/>
+                <p:nvPr/>
+              </p:nvSpPr>
+              <p:spPr>
+                <a:xfrm>
+                  <a:off x="3041016" y="3655872"/>
+                  <a:ext cx="417294" cy="307777"/>
+                </a:xfrm>
+                <a:prstGeom prst="rect">
+                  <a:avLst/>
+                </a:prstGeom>
+                <a:noFill/>
+              </p:spPr>
+              <p:txBody>
+                <a:bodyPr wrap="square" rtlCol="0">
+                  <a:spAutoFit/>
+                </a:bodyPr>
+                <a:lstStyle/>
+                <a:p>
+                  <a14:m>
+                    <m:oMathPara xmlns:m="http://schemas.openxmlformats.org/officeDocument/2006/math">
+                      <m:oMathParaPr>
+                        <m:jc m:val="centerGroup"/>
+                      </m:oMathParaPr>
+                      <m:oMath xmlns:m="http://schemas.openxmlformats.org/officeDocument/2006/math">
+                        <m:sSub>
+                          <m:sSubPr>
+                            <m:ctrlPr>
+                              <a:rPr lang="en-US" sz="1400" i="1">
+                                <a:latin typeface="Cambria Math" panose="02040503050406030204" pitchFamily="18" charset="0"/>
+                              </a:rPr>
+                            </m:ctrlPr>
+                          </m:sSubPr>
+                          <m:e>
+                            <m:r>
+                              <a:rPr lang="en-US" sz="1400" i="1">
+                                <a:latin typeface="Cambria Math" panose="02040503050406030204" pitchFamily="18" charset="0"/>
+                              </a:rPr>
+                              <m:t>𝑂</m:t>
+                            </m:r>
+                          </m:e>
+                          <m:sub>
+                            <m:r>
+                              <a:rPr lang="en-US" sz="1400" i="1">
+                                <a:latin typeface="Cambria Math" panose="02040503050406030204" pitchFamily="18" charset="0"/>
+                              </a:rPr>
+                              <m:t>1</m:t>
+                            </m:r>
+                          </m:sub>
+                        </m:sSub>
+                      </m:oMath>
+                    </m:oMathPara>
+                  </a14:m>
+                  <a:endParaRPr lang="en-US" sz="1400" dirty="0"/>
+                </a:p>
+              </p:txBody>
+            </p:sp>
+          </mc:Choice>
+          <mc:Fallback>
+            <p:sp>
+              <p:nvSpPr>
+                <p:cNvPr id="59" name="CuadroTexto 58"/>
+                <p:cNvSpPr txBox="1">
+                  <a:spLocks noRot="1" noChangeAspect="1" noMove="1" noResize="1" noEditPoints="1" noAdjustHandles="1" noChangeArrowheads="1" noChangeShapeType="1" noTextEdit="1"/>
+                </p:cNvSpPr>
+                <p:nvPr/>
+              </p:nvSpPr>
+              <p:spPr>
+                <a:xfrm>
+                  <a:off x="3041016" y="3655872"/>
+                  <a:ext cx="417294" cy="307777"/>
+                </a:xfrm>
+                <a:prstGeom prst="rect">
+                  <a:avLst/>
+                </a:prstGeom>
+                <a:blipFill rotWithShape="0">
+                  <a:blip r:embed="rId3"/>
+                  <a:stretch>
+                    <a:fillRect/>
+                  </a:stretch>
+                </a:blipFill>
+              </p:spPr>
+              <p:txBody>
+                <a:bodyPr/>
+                <a:lstStyle/>
+                <a:p>
+                  <a:r>
+                    <a:rPr lang="en-US">
+                      <a:noFill/>
+                    </a:rPr>
+                    <a:t> </a:t>
+                  </a:r>
+                </a:p>
+              </p:txBody>
+            </p:sp>
+          </mc:Fallback>
+        </mc:AlternateContent>
+      </p:grpSp>
+      <p:grpSp>
+        <p:nvGrpSpPr>
+          <p:cNvPr id="84" name="Grupo 83"/>
+          <p:cNvGrpSpPr/>
+          <p:nvPr/>
+        </p:nvGrpSpPr>
+        <p:grpSpPr>
+          <a:xfrm>
+            <a:off x="5612072" y="2705452"/>
+            <a:ext cx="478741" cy="742889"/>
+            <a:chOff x="5605028" y="1722463"/>
+            <a:chExt cx="478741" cy="742889"/>
+          </a:xfrm>
+        </p:grpSpPr>
+        <p:sp>
+          <p:nvSpPr>
+            <p:cNvPr id="123" name="Rectángulo 122"/>
+            <p:cNvSpPr/>
+            <p:nvPr/>
+          </p:nvSpPr>
+          <p:spPr>
+            <a:xfrm>
+              <a:off x="5605028" y="2008152"/>
+              <a:ext cx="457200" cy="457200"/>
+            </a:xfrm>
+            <a:prstGeom prst="rect">
+              <a:avLst/>
+            </a:prstGeom>
+            <a:solidFill>
+              <a:srgbClr val="37CBFF"/>
+            </a:solidFill>
+            <a:ln>
+              <a:solidFill>
+                <a:schemeClr val="tx1"/>
+              </a:solidFill>
+            </a:ln>
+          </p:spPr>
+          <p:style>
+            <a:lnRef idx="3">
+              <a:schemeClr val="lt1"/>
+            </a:lnRef>
+            <a:fillRef idx="1">
+              <a:schemeClr val="accent2"/>
+            </a:fillRef>
+            <a:effectRef idx="1">
+              <a:schemeClr val="accent2"/>
+            </a:effectRef>
+            <a:fontRef idx="minor">
+              <a:schemeClr val="lt1"/>
+            </a:fontRef>
+          </p:style>
+          <p:txBody>
+            <a:bodyPr rtlCol="0" anchor="ctr"/>
+            <a:lstStyle/>
+            <a:p>
+              <a:pPr algn="ctr"/>
+              <a:r>
+                <a:rPr lang="en-US" b="1" dirty="0">
+                  <a:solidFill>
+                    <a:sysClr val="windowText" lastClr="000000"/>
+                  </a:solidFill>
+                </a:rPr>
+                <a:t>M</a:t>
+              </a:r>
+              <a:endParaRPr lang="en-US" b="1" dirty="0">
+                <a:solidFill>
+                  <a:sysClr val="windowText" lastClr="000000"/>
+                </a:solidFill>
+              </a:endParaRPr>
+            </a:p>
+          </p:txBody>
+        </p:sp>
+        <mc:AlternateContent xmlns:mc="http://schemas.openxmlformats.org/markup-compatibility/2006">
+          <mc:Choice xmlns:a14="http://schemas.microsoft.com/office/drawing/2010/main" Requires="a14">
+            <p:sp>
+              <p:nvSpPr>
+                <p:cNvPr id="165" name="CuadroTexto 164"/>
+                <p:cNvSpPr txBox="1"/>
+                <p:nvPr/>
+              </p:nvSpPr>
+              <p:spPr>
+                <a:xfrm>
+                  <a:off x="5662308" y="1722463"/>
+                  <a:ext cx="421461" cy="307777"/>
+                </a:xfrm>
+                <a:prstGeom prst="rect">
+                  <a:avLst/>
+                </a:prstGeom>
+                <a:noFill/>
+              </p:spPr>
+              <p:txBody>
+                <a:bodyPr wrap="none" rtlCol="0">
+                  <a:spAutoFit/>
+                </a:bodyPr>
+                <a:lstStyle/>
+                <a:p>
+                  <a:pPr/>
+                  <a14:m>
+                    <m:oMathPara xmlns:m="http://schemas.openxmlformats.org/officeDocument/2006/math">
+                      <m:oMathParaPr>
+                        <m:jc m:val="centerGroup"/>
+                      </m:oMathParaPr>
+                      <m:oMath xmlns:m="http://schemas.openxmlformats.org/officeDocument/2006/math">
+                        <m:sSub>
+                          <m:sSubPr>
+                            <m:ctrlPr>
+                              <a:rPr lang="en-US" sz="1400" i="1" smtClean="0">
+                                <a:latin typeface="Cambria Math" panose="02040503050406030204" pitchFamily="18" charset="0"/>
+                              </a:rPr>
+                            </m:ctrlPr>
+                          </m:sSubPr>
+                          <m:e>
+                            <m:r>
+                              <a:rPr lang="en-US" sz="1400" i="1">
+                                <a:latin typeface="Cambria Math" panose="02040503050406030204" pitchFamily="18" charset="0"/>
+                              </a:rPr>
+                              <m:t>𝑂</m:t>
+                            </m:r>
+                          </m:e>
+                          <m:sub>
+                            <m:r>
+                              <a:rPr lang="en-US" sz="1400" b="0" i="1" smtClean="0">
+                                <a:latin typeface="Cambria Math" panose="02040503050406030204" pitchFamily="18" charset="0"/>
+                              </a:rPr>
+                              <m:t>2</m:t>
+                            </m:r>
+                          </m:sub>
+                        </m:sSub>
+                      </m:oMath>
+                    </m:oMathPara>
+                  </a14:m>
+                  <a:endParaRPr lang="en-US" sz="1400" dirty="0"/>
+                </a:p>
+              </p:txBody>
+            </p:sp>
+          </mc:Choice>
+          <mc:Fallback>
+            <p:sp>
+              <p:nvSpPr>
+                <p:cNvPr id="165" name="CuadroTexto 164"/>
+                <p:cNvSpPr txBox="1">
+                  <a:spLocks noRot="1" noChangeAspect="1" noMove="1" noResize="1" noEditPoints="1" noAdjustHandles="1" noChangeArrowheads="1" noChangeShapeType="1" noTextEdit="1"/>
+                </p:cNvSpPr>
+                <p:nvPr/>
+              </p:nvSpPr>
+              <p:spPr>
+                <a:xfrm>
+                  <a:off x="5662308" y="1722463"/>
+                  <a:ext cx="421461" cy="307777"/>
+                </a:xfrm>
+                <a:prstGeom prst="rect">
+                  <a:avLst/>
+                </a:prstGeom>
+                <a:blipFill rotWithShape="0">
+                  <a:blip r:embed="rId4"/>
+                  <a:stretch>
+                    <a:fillRect/>
+                  </a:stretch>
+                </a:blipFill>
+              </p:spPr>
+              <p:txBody>
+                <a:bodyPr/>
+                <a:lstStyle/>
+                <a:p>
+                  <a:r>
+                    <a:rPr lang="en-US">
+                      <a:noFill/>
+                    </a:rPr>
+                    <a:t> </a:t>
+                  </a:r>
+                </a:p>
+              </p:txBody>
+            </p:sp>
+          </mc:Fallback>
+        </mc:AlternateContent>
+      </p:grpSp>
+      <p:grpSp>
+        <p:nvGrpSpPr>
+          <p:cNvPr id="47" name="Grupo 46"/>
+          <p:cNvGrpSpPr/>
+          <p:nvPr/>
+        </p:nvGrpSpPr>
+        <p:grpSpPr>
+          <a:xfrm>
+            <a:off x="5612072" y="4661539"/>
+            <a:ext cx="457200" cy="749088"/>
+            <a:chOff x="5605028" y="3660298"/>
+            <a:chExt cx="457200" cy="749088"/>
+          </a:xfrm>
+        </p:grpSpPr>
+        <p:sp>
+          <p:nvSpPr>
+            <p:cNvPr id="121" name="Rectángulo 120"/>
+            <p:cNvSpPr/>
+            <p:nvPr/>
+          </p:nvSpPr>
+          <p:spPr>
+            <a:xfrm>
+              <a:off x="5605028" y="3952186"/>
+              <a:ext cx="457200" cy="457200"/>
+            </a:xfrm>
+            <a:prstGeom prst="rect">
+              <a:avLst/>
+            </a:prstGeom>
+            <a:solidFill>
+              <a:srgbClr val="66FF33"/>
+            </a:solidFill>
+            <a:ln>
+              <a:solidFill>
+                <a:schemeClr val="tx1"/>
+              </a:solidFill>
+            </a:ln>
+          </p:spPr>
+          <p:style>
+            <a:lnRef idx="3">
+              <a:schemeClr val="lt1"/>
+            </a:lnRef>
+            <a:fillRef idx="1">
+              <a:schemeClr val="accent2"/>
+            </a:fillRef>
+            <a:effectRef idx="1">
+              <a:schemeClr val="accent2"/>
+            </a:effectRef>
+            <a:fontRef idx="minor">
+              <a:schemeClr val="lt1"/>
+            </a:fontRef>
+          </p:style>
+          <p:txBody>
+            <a:bodyPr rtlCol="0" anchor="ctr"/>
+            <a:lstStyle/>
+            <a:p>
+              <a:pPr algn="ctr"/>
+              <a:endParaRPr lang="en-US" dirty="0">
+                <a:solidFill>
+                  <a:sysClr val="windowText" lastClr="000000"/>
+                </a:solidFill>
+              </a:endParaRPr>
+            </a:p>
+          </p:txBody>
+        </p:sp>
+        <mc:AlternateContent xmlns:mc="http://schemas.openxmlformats.org/markup-compatibility/2006">
+          <mc:Choice xmlns:a14="http://schemas.microsoft.com/office/drawing/2010/main" Requires="a14">
+            <p:sp>
+              <p:nvSpPr>
+                <p:cNvPr id="167" name="CuadroTexto 166"/>
+                <p:cNvSpPr txBox="1"/>
+                <p:nvPr/>
+              </p:nvSpPr>
+              <p:spPr>
+                <a:xfrm>
+                  <a:off x="5643271" y="3660298"/>
+                  <a:ext cx="417294" cy="307777"/>
+                </a:xfrm>
+                <a:prstGeom prst="rect">
+                  <a:avLst/>
+                </a:prstGeom>
+                <a:noFill/>
+              </p:spPr>
+              <p:txBody>
+                <a:bodyPr wrap="none" rtlCol="0">
+                  <a:spAutoFit/>
+                </a:bodyPr>
+                <a:lstStyle/>
+                <a:p>
+                  <a:pPr/>
+                  <a14:m>
+                    <m:oMathPara xmlns:m="http://schemas.openxmlformats.org/officeDocument/2006/math">
+                      <m:oMathParaPr>
+                        <m:jc m:val="centerGroup"/>
+                      </m:oMathParaPr>
+                      <m:oMath xmlns:m="http://schemas.openxmlformats.org/officeDocument/2006/math">
+                        <m:sSub>
+                          <m:sSubPr>
+                            <m:ctrlPr>
+                              <a:rPr lang="en-US" sz="1400" i="1">
+                                <a:latin typeface="Cambria Math" panose="02040503050406030204" pitchFamily="18" charset="0"/>
+                              </a:rPr>
+                            </m:ctrlPr>
+                          </m:sSubPr>
+                          <m:e>
+                            <m:r>
+                              <a:rPr lang="en-US" sz="1400" i="1">
+                                <a:latin typeface="Cambria Math" panose="02040503050406030204" pitchFamily="18" charset="0"/>
+                              </a:rPr>
+                              <m:t>𝑂</m:t>
+                            </m:r>
+                          </m:e>
+                          <m:sub>
+                            <m:r>
+                              <a:rPr lang="en-US" sz="1400" i="1">
+                                <a:latin typeface="Cambria Math" panose="02040503050406030204" pitchFamily="18" charset="0"/>
+                              </a:rPr>
+                              <m:t>1</m:t>
+                            </m:r>
+                          </m:sub>
+                        </m:sSub>
+                      </m:oMath>
+                    </m:oMathPara>
+                  </a14:m>
+                  <a:endParaRPr lang="en-US" sz="1400" dirty="0"/>
+                </a:p>
+              </p:txBody>
+            </p:sp>
+          </mc:Choice>
+          <mc:Fallback>
+            <p:sp>
+              <p:nvSpPr>
+                <p:cNvPr id="167" name="CuadroTexto 166"/>
+                <p:cNvSpPr txBox="1">
+                  <a:spLocks noRot="1" noChangeAspect="1" noMove="1" noResize="1" noEditPoints="1" noAdjustHandles="1" noChangeArrowheads="1" noChangeShapeType="1" noTextEdit="1"/>
+                </p:cNvSpPr>
+                <p:nvPr/>
+              </p:nvSpPr>
+              <p:spPr>
+                <a:xfrm>
+                  <a:off x="5643271" y="3660298"/>
+                  <a:ext cx="417294" cy="307777"/>
+                </a:xfrm>
+                <a:prstGeom prst="rect">
+                  <a:avLst/>
+                </a:prstGeom>
+                <a:blipFill rotWithShape="0">
+                  <a:blip r:embed="rId3"/>
+                  <a:stretch>
+                    <a:fillRect/>
+                  </a:stretch>
+                </a:blipFill>
+              </p:spPr>
+              <p:txBody>
+                <a:bodyPr/>
+                <a:lstStyle/>
+                <a:p>
+                  <a:r>
+                    <a:rPr lang="en-US">
+                      <a:noFill/>
+                    </a:rPr>
+                    <a:t> </a:t>
+                  </a:r>
+                </a:p>
+              </p:txBody>
+            </p:sp>
+          </mc:Fallback>
+        </mc:AlternateContent>
+      </p:grpSp>
+      <p:grpSp>
+        <p:nvGrpSpPr>
+          <p:cNvPr id="45" name="Grupo 44"/>
+          <p:cNvGrpSpPr/>
+          <p:nvPr/>
+        </p:nvGrpSpPr>
+        <p:grpSpPr>
+          <a:xfrm>
+            <a:off x="5605028" y="3662587"/>
+            <a:ext cx="521966" cy="743067"/>
+            <a:chOff x="5605028" y="4739878"/>
+            <a:chExt cx="521966" cy="743067"/>
+          </a:xfrm>
+        </p:grpSpPr>
+        <p:sp>
+          <p:nvSpPr>
+            <p:cNvPr id="120" name="Rectángulo 119"/>
+            <p:cNvSpPr/>
+            <p:nvPr/>
+          </p:nvSpPr>
+          <p:spPr>
+            <a:xfrm>
+              <a:off x="5605028" y="5025745"/>
+              <a:ext cx="457200" cy="457200"/>
+            </a:xfrm>
+            <a:prstGeom prst="rect">
+              <a:avLst/>
+            </a:prstGeom>
+            <a:solidFill>
+              <a:srgbClr val="66FF33"/>
+            </a:solidFill>
+            <a:ln>
+              <a:solidFill>
+                <a:schemeClr val="tx1"/>
+              </a:solidFill>
+            </a:ln>
+          </p:spPr>
+          <p:style>
+            <a:lnRef idx="3">
+              <a:schemeClr val="lt1"/>
+            </a:lnRef>
+            <a:fillRef idx="1">
+              <a:schemeClr val="accent2"/>
+            </a:fillRef>
+            <a:effectRef idx="1">
+              <a:schemeClr val="accent2"/>
+            </a:effectRef>
+            <a:fontRef idx="minor">
+              <a:schemeClr val="lt1"/>
+            </a:fontRef>
+          </p:style>
+          <p:txBody>
+            <a:bodyPr rtlCol="0" anchor="ctr"/>
+            <a:lstStyle/>
+            <a:p>
+              <a:pPr algn="ctr"/>
+              <a:endParaRPr lang="en-US" dirty="0">
+                <a:solidFill>
+                  <a:sysClr val="windowText" lastClr="000000"/>
+                </a:solidFill>
+              </a:endParaRPr>
+            </a:p>
+          </p:txBody>
+        </p:sp>
+        <mc:AlternateContent xmlns:mc="http://schemas.openxmlformats.org/markup-compatibility/2006">
+          <mc:Choice xmlns:a14="http://schemas.microsoft.com/office/drawing/2010/main" Requires="a14">
+            <p:sp>
+              <p:nvSpPr>
+                <p:cNvPr id="168" name="CuadroTexto 167"/>
+                <p:cNvSpPr txBox="1"/>
+                <p:nvPr/>
+              </p:nvSpPr>
+              <p:spPr>
+                <a:xfrm>
+                  <a:off x="5612558" y="4739878"/>
+                  <a:ext cx="514436" cy="317203"/>
+                </a:xfrm>
+                <a:prstGeom prst="rect">
+                  <a:avLst/>
+                </a:prstGeom>
+                <a:noFill/>
+              </p:spPr>
+              <p:txBody>
+                <a:bodyPr wrap="none" rtlCol="0">
+                  <a:spAutoFit/>
+                </a:bodyPr>
+                <a:lstStyle/>
+                <a:p>
+                  <a:pPr/>
+                  <a14:m>
+                    <m:oMathPara xmlns:m="http://schemas.openxmlformats.org/officeDocument/2006/math">
+                      <m:oMathParaPr>
+                        <m:jc m:val="centerGroup"/>
+                      </m:oMathParaPr>
+                      <m:oMath xmlns:m="http://schemas.openxmlformats.org/officeDocument/2006/math">
+                        <m:sSub>
+                          <m:sSubPr>
+                            <m:ctrlPr>
+                              <a:rPr lang="en-US" sz="1400" i="1" smtClean="0">
+                                <a:latin typeface="Cambria Math" panose="02040503050406030204" pitchFamily="18" charset="0"/>
+                              </a:rPr>
+                            </m:ctrlPr>
+                          </m:sSubPr>
+                          <m:e>
+                            <m:r>
+                              <a:rPr lang="en-US" sz="1400" i="1">
+                                <a:latin typeface="Cambria Math" panose="02040503050406030204" pitchFamily="18" charset="0"/>
+                              </a:rPr>
+                              <m:t>𝑂</m:t>
+                            </m:r>
+                          </m:e>
+                          <m:sub>
+                            <m:r>
+                              <a:rPr lang="en-US" sz="1400" i="1">
+                                <a:latin typeface="Cambria Math" panose="02040503050406030204" pitchFamily="18" charset="0"/>
+                              </a:rPr>
+                              <m:t>1</m:t>
+                            </m:r>
+                            <m:r>
+                              <a:rPr lang="en-US" sz="1400" b="0" i="1" smtClean="0">
+                                <a:latin typeface="Cambria Math" panose="02040503050406030204" pitchFamily="18" charset="0"/>
+                              </a:rPr>
+                              <m:t>,</m:t>
+                            </m:r>
+                            <m:r>
+                              <a:rPr lang="en-US" sz="1400" b="0" i="1" smtClean="0">
+                                <a:latin typeface="Cambria Math" panose="02040503050406030204" pitchFamily="18" charset="0"/>
+                              </a:rPr>
+                              <m:t>𝑐</m:t>
+                            </m:r>
+                          </m:sub>
+                        </m:sSub>
+                      </m:oMath>
+                    </m:oMathPara>
+                  </a14:m>
+                  <a:endParaRPr lang="en-US" sz="1400" dirty="0"/>
+                </a:p>
+              </p:txBody>
+            </p:sp>
+          </mc:Choice>
+          <mc:Fallback>
+            <p:sp>
+              <p:nvSpPr>
+                <p:cNvPr id="168" name="CuadroTexto 167"/>
+                <p:cNvSpPr txBox="1">
+                  <a:spLocks noRot="1" noChangeAspect="1" noMove="1" noResize="1" noEditPoints="1" noAdjustHandles="1" noChangeArrowheads="1" noChangeShapeType="1" noTextEdit="1"/>
+                </p:cNvSpPr>
+                <p:nvPr/>
+              </p:nvSpPr>
+              <p:spPr>
+                <a:xfrm>
+                  <a:off x="5612558" y="4739878"/>
+                  <a:ext cx="514436" cy="317203"/>
+                </a:xfrm>
+                <a:prstGeom prst="rect">
+                  <a:avLst/>
+                </a:prstGeom>
+                <a:blipFill rotWithShape="0">
+                  <a:blip r:embed="rId5"/>
+                  <a:stretch>
+                    <a:fillRect/>
+                  </a:stretch>
+                </a:blipFill>
+              </p:spPr>
+              <p:txBody>
+                <a:bodyPr/>
+                <a:lstStyle/>
+                <a:p>
+                  <a:r>
+                    <a:rPr lang="en-US">
+                      <a:noFill/>
+                    </a:rPr>
+                    <a:t> </a:t>
+                  </a:r>
+                </a:p>
+              </p:txBody>
+            </p:sp>
+          </mc:Fallback>
+        </mc:AlternateContent>
+      </p:grpSp>
+      <p:grpSp>
+        <p:nvGrpSpPr>
+          <p:cNvPr id="62" name="Grupo 61"/>
+          <p:cNvGrpSpPr/>
+          <p:nvPr/>
+        </p:nvGrpSpPr>
+        <p:grpSpPr>
+          <a:xfrm>
+            <a:off x="8201775" y="3663206"/>
+            <a:ext cx="514436" cy="761929"/>
+            <a:chOff x="8205238" y="4721877"/>
+            <a:chExt cx="514436" cy="761929"/>
+          </a:xfrm>
+        </p:grpSpPr>
+        <p:sp>
+          <p:nvSpPr>
+            <p:cNvPr id="145" name="Rectángulo 144"/>
+            <p:cNvSpPr/>
+            <p:nvPr/>
+          </p:nvSpPr>
+          <p:spPr>
+            <a:xfrm>
+              <a:off x="8205576" y="5026606"/>
+              <a:ext cx="457200" cy="457200"/>
+            </a:xfrm>
+            <a:prstGeom prst="rect">
+              <a:avLst/>
+            </a:prstGeom>
+            <a:solidFill>
+              <a:srgbClr val="37CBFF"/>
+            </a:solidFill>
+            <a:ln>
+              <a:solidFill>
+                <a:schemeClr val="tx1"/>
+              </a:solidFill>
+            </a:ln>
+          </p:spPr>
+          <p:style>
+            <a:lnRef idx="3">
+              <a:schemeClr val="lt1"/>
+            </a:lnRef>
+            <a:fillRef idx="1">
+              <a:schemeClr val="accent2"/>
+            </a:fillRef>
+            <a:effectRef idx="1">
+              <a:schemeClr val="accent2"/>
+            </a:effectRef>
+            <a:fontRef idx="minor">
+              <a:schemeClr val="lt1"/>
+            </a:fontRef>
+          </p:style>
+          <p:txBody>
+            <a:bodyPr rtlCol="0" anchor="ctr"/>
+            <a:lstStyle/>
+            <a:p>
+              <a:pPr algn="ctr"/>
+              <a:r>
+                <a:rPr lang="en-US" b="1" dirty="0">
+                  <a:solidFill>
+                    <a:sysClr val="windowText" lastClr="000000"/>
+                  </a:solidFill>
+                </a:rPr>
+                <a:t>M</a:t>
+              </a:r>
+              <a:endParaRPr lang="en-US" b="1" dirty="0">
+                <a:solidFill>
+                  <a:sysClr val="windowText" lastClr="000000"/>
+                </a:solidFill>
+              </a:endParaRPr>
+            </a:p>
+          </p:txBody>
+        </p:sp>
+        <mc:AlternateContent xmlns:mc="http://schemas.openxmlformats.org/markup-compatibility/2006">
+          <mc:Choice xmlns:a14="http://schemas.microsoft.com/office/drawing/2010/main" Requires="a14">
+            <p:sp>
+              <p:nvSpPr>
+                <p:cNvPr id="169" name="CuadroTexto 168"/>
+                <p:cNvSpPr txBox="1"/>
+                <p:nvPr/>
+              </p:nvSpPr>
+              <p:spPr>
+                <a:xfrm>
+                  <a:off x="8205238" y="4721877"/>
+                  <a:ext cx="514436" cy="317203"/>
+                </a:xfrm>
+                <a:prstGeom prst="rect">
+                  <a:avLst/>
+                </a:prstGeom>
+                <a:noFill/>
+              </p:spPr>
+              <p:txBody>
+                <a:bodyPr wrap="none" rtlCol="0">
+                  <a:spAutoFit/>
+                </a:bodyPr>
+                <a:lstStyle/>
+                <a:p>
+                  <a14:m>
+                    <m:oMathPara xmlns:m="http://schemas.openxmlformats.org/officeDocument/2006/math">
+                      <m:oMathParaPr>
+                        <m:jc m:val="centerGroup"/>
+                      </m:oMathParaPr>
+                      <m:oMath xmlns:m="http://schemas.openxmlformats.org/officeDocument/2006/math">
+                        <m:sSub>
+                          <m:sSubPr>
+                            <m:ctrlPr>
+                              <a:rPr lang="en-US" sz="1400" i="1" smtClean="0">
+                                <a:latin typeface="Cambria Math" panose="02040503050406030204" pitchFamily="18" charset="0"/>
+                              </a:rPr>
+                            </m:ctrlPr>
+                          </m:sSubPr>
+                          <m:e>
+                            <m:r>
+                              <a:rPr lang="en-US" sz="1400" i="1">
+                                <a:latin typeface="Cambria Math" panose="02040503050406030204" pitchFamily="18" charset="0"/>
+                              </a:rPr>
+                              <m:t>𝑂</m:t>
+                            </m:r>
+                          </m:e>
+                          <m:sub>
+                            <m:r>
+                              <a:rPr lang="en-US" sz="1400" b="0" i="1" smtClean="0">
+                                <a:latin typeface="Cambria Math" panose="02040503050406030204" pitchFamily="18" charset="0"/>
+                              </a:rPr>
+                              <m:t>1,</m:t>
+                            </m:r>
+                            <m:r>
+                              <a:rPr lang="en-US" sz="1400" b="0" i="1" smtClean="0">
+                                <a:latin typeface="Cambria Math" panose="02040503050406030204" pitchFamily="18" charset="0"/>
+                              </a:rPr>
+                              <m:t>𝑐</m:t>
+                            </m:r>
+                          </m:sub>
+                        </m:sSub>
+                      </m:oMath>
+                    </m:oMathPara>
+                  </a14:m>
+                  <a:endParaRPr lang="en-US" sz="1400" dirty="0"/>
+                </a:p>
+              </p:txBody>
+            </p:sp>
+          </mc:Choice>
+          <mc:Fallback>
+            <p:sp>
+              <p:nvSpPr>
+                <p:cNvPr id="169" name="CuadroTexto 168"/>
+                <p:cNvSpPr txBox="1">
+                  <a:spLocks noRot="1" noChangeAspect="1" noMove="1" noResize="1" noEditPoints="1" noAdjustHandles="1" noChangeArrowheads="1" noChangeShapeType="1" noTextEdit="1"/>
+                </p:cNvSpPr>
+                <p:nvPr/>
+              </p:nvSpPr>
+              <p:spPr>
+                <a:xfrm>
+                  <a:off x="8205238" y="4721877"/>
+                  <a:ext cx="514436" cy="317203"/>
+                </a:xfrm>
+                <a:prstGeom prst="rect">
+                  <a:avLst/>
+                </a:prstGeom>
+                <a:blipFill rotWithShape="0">
+                  <a:blip r:embed="rId6"/>
+                  <a:stretch>
+                    <a:fillRect/>
+                  </a:stretch>
+                </a:blipFill>
+              </p:spPr>
+              <p:txBody>
+                <a:bodyPr/>
+                <a:lstStyle/>
+                <a:p>
+                  <a:r>
+                    <a:rPr lang="en-US">
+                      <a:noFill/>
+                    </a:rPr>
+                    <a:t> </a:t>
+                  </a:r>
+                </a:p>
+              </p:txBody>
+            </p:sp>
+          </mc:Fallback>
+        </mc:AlternateContent>
+      </p:grpSp>
+      <p:grpSp>
+        <p:nvGrpSpPr>
+          <p:cNvPr id="96" name="Grupo 95"/>
+          <p:cNvGrpSpPr/>
+          <p:nvPr/>
+        </p:nvGrpSpPr>
+        <p:grpSpPr>
+          <a:xfrm>
+            <a:off x="8201536" y="2702300"/>
+            <a:ext cx="457200" cy="746041"/>
+            <a:chOff x="8205576" y="1720172"/>
+            <a:chExt cx="457200" cy="746041"/>
+          </a:xfrm>
+        </p:grpSpPr>
+        <p:sp>
+          <p:nvSpPr>
+            <p:cNvPr id="148" name="Rectángulo 147"/>
+            <p:cNvSpPr/>
+            <p:nvPr/>
+          </p:nvSpPr>
+          <p:spPr>
+            <a:xfrm>
+              <a:off x="8205576" y="2009013"/>
+              <a:ext cx="457200" cy="457200"/>
+            </a:xfrm>
+            <a:prstGeom prst="rect">
+              <a:avLst/>
+            </a:prstGeom>
+            <a:solidFill>
+              <a:srgbClr val="66FF33"/>
+            </a:solidFill>
+            <a:ln>
+              <a:solidFill>
+                <a:schemeClr val="tx1"/>
+              </a:solidFill>
+            </a:ln>
+          </p:spPr>
+          <p:style>
+            <a:lnRef idx="3">
+              <a:schemeClr val="lt1"/>
+            </a:lnRef>
+            <a:fillRef idx="1">
+              <a:schemeClr val="accent2"/>
+            </a:fillRef>
+            <a:effectRef idx="1">
+              <a:schemeClr val="accent2"/>
+            </a:effectRef>
+            <a:fontRef idx="minor">
+              <a:schemeClr val="lt1"/>
+            </a:fontRef>
+          </p:style>
+          <p:txBody>
+            <a:bodyPr rtlCol="0" anchor="ctr"/>
+            <a:lstStyle/>
+            <a:p>
+              <a:pPr algn="ctr"/>
+              <a:endParaRPr lang="en-US" b="1" dirty="0">
+                <a:solidFill>
+                  <a:sysClr val="windowText" lastClr="000000"/>
+                </a:solidFill>
+              </a:endParaRPr>
+            </a:p>
+          </p:txBody>
+        </p:sp>
+        <mc:AlternateContent xmlns:mc="http://schemas.openxmlformats.org/markup-compatibility/2006">
+          <mc:Choice xmlns:a14="http://schemas.microsoft.com/office/drawing/2010/main" Requires="a14">
+            <p:sp>
+              <p:nvSpPr>
+                <p:cNvPr id="170" name="CuadroTexto 169"/>
+                <p:cNvSpPr txBox="1"/>
+                <p:nvPr/>
+              </p:nvSpPr>
+              <p:spPr>
+                <a:xfrm>
+                  <a:off x="8230588" y="1720172"/>
+                  <a:ext cx="421461" cy="307777"/>
+                </a:xfrm>
+                <a:prstGeom prst="rect">
+                  <a:avLst/>
+                </a:prstGeom>
+                <a:noFill/>
+              </p:spPr>
+              <p:txBody>
+                <a:bodyPr wrap="none" rtlCol="0">
+                  <a:spAutoFit/>
+                </a:bodyPr>
+                <a:lstStyle/>
+                <a:p>
+                  <a:pPr/>
+                  <a14:m>
+                    <m:oMathPara xmlns:m="http://schemas.openxmlformats.org/officeDocument/2006/math">
+                      <m:oMathParaPr>
+                        <m:jc m:val="centerGroup"/>
+                      </m:oMathParaPr>
+                      <m:oMath xmlns:m="http://schemas.openxmlformats.org/officeDocument/2006/math">
+                        <m:sSub>
+                          <m:sSubPr>
+                            <m:ctrlPr>
+                              <a:rPr lang="en-US" sz="1400" i="1" smtClean="0">
+                                <a:latin typeface="Cambria Math" panose="02040503050406030204" pitchFamily="18" charset="0"/>
+                              </a:rPr>
+                            </m:ctrlPr>
+                          </m:sSubPr>
+                          <m:e>
+                            <m:r>
+                              <a:rPr lang="en-US" sz="1400" i="1">
+                                <a:latin typeface="Cambria Math" panose="02040503050406030204" pitchFamily="18" charset="0"/>
+                              </a:rPr>
+                              <m:t>𝑂</m:t>
+                            </m:r>
+                          </m:e>
+                          <m:sub>
+                            <m:r>
+                              <a:rPr lang="en-US" sz="1400" b="0" i="1" smtClean="0">
+                                <a:latin typeface="Cambria Math" panose="02040503050406030204" pitchFamily="18" charset="0"/>
+                              </a:rPr>
+                              <m:t>2</m:t>
+                            </m:r>
+                          </m:sub>
+                        </m:sSub>
+                      </m:oMath>
+                    </m:oMathPara>
+                  </a14:m>
+                  <a:endParaRPr lang="en-US" sz="1400" dirty="0"/>
+                </a:p>
+              </p:txBody>
+            </p:sp>
+          </mc:Choice>
+          <mc:Fallback>
+            <p:sp>
+              <p:nvSpPr>
+                <p:cNvPr id="170" name="CuadroTexto 169"/>
+                <p:cNvSpPr txBox="1">
+                  <a:spLocks noRot="1" noChangeAspect="1" noMove="1" noResize="1" noEditPoints="1" noAdjustHandles="1" noChangeArrowheads="1" noChangeShapeType="1" noTextEdit="1"/>
+                </p:cNvSpPr>
+                <p:nvPr/>
+              </p:nvSpPr>
+              <p:spPr>
+                <a:xfrm>
+                  <a:off x="8230588" y="1720172"/>
+                  <a:ext cx="421461" cy="307777"/>
+                </a:xfrm>
+                <a:prstGeom prst="rect">
+                  <a:avLst/>
+                </a:prstGeom>
+                <a:blipFill rotWithShape="0">
+                  <a:blip r:embed="rId7"/>
+                  <a:stretch>
+                    <a:fillRect/>
+                  </a:stretch>
+                </a:blipFill>
+              </p:spPr>
+              <p:txBody>
+                <a:bodyPr/>
+                <a:lstStyle/>
+                <a:p>
+                  <a:r>
+                    <a:rPr lang="en-US">
+                      <a:noFill/>
+                    </a:rPr>
+                    <a:t> </a:t>
+                  </a:r>
+                </a:p>
+              </p:txBody>
+            </p:sp>
+          </mc:Fallback>
+        </mc:AlternateContent>
+      </p:grpSp>
+      <p:grpSp>
+        <p:nvGrpSpPr>
+          <p:cNvPr id="97" name="Grupo 96"/>
+          <p:cNvGrpSpPr/>
+          <p:nvPr/>
+        </p:nvGrpSpPr>
+        <p:grpSpPr>
+          <a:xfrm>
+            <a:off x="8201536" y="1711058"/>
+            <a:ext cx="457200" cy="754931"/>
+            <a:chOff x="8205576" y="2687290"/>
+            <a:chExt cx="457200" cy="754931"/>
+          </a:xfrm>
+        </p:grpSpPr>
+        <p:sp>
+          <p:nvSpPr>
+            <p:cNvPr id="147" name="Rectángulo 146"/>
+            <p:cNvSpPr/>
+            <p:nvPr/>
+          </p:nvSpPr>
+          <p:spPr>
+            <a:xfrm>
+              <a:off x="8205576" y="2985021"/>
+              <a:ext cx="457200" cy="457200"/>
+            </a:xfrm>
+            <a:prstGeom prst="rect">
+              <a:avLst/>
+            </a:prstGeom>
+            <a:solidFill>
+              <a:srgbClr val="37CBFF"/>
+            </a:solidFill>
+            <a:ln>
+              <a:solidFill>
+                <a:schemeClr val="tx1"/>
+              </a:solidFill>
+            </a:ln>
+          </p:spPr>
+          <p:style>
+            <a:lnRef idx="3">
+              <a:schemeClr val="lt1"/>
+            </a:lnRef>
+            <a:fillRef idx="1">
+              <a:schemeClr val="accent2"/>
+            </a:fillRef>
+            <a:effectRef idx="1">
+              <a:schemeClr val="accent2"/>
+            </a:effectRef>
+            <a:fontRef idx="minor">
+              <a:schemeClr val="lt1"/>
+            </a:fontRef>
+          </p:style>
+          <p:txBody>
+            <a:bodyPr rtlCol="0" anchor="ctr"/>
+            <a:lstStyle/>
+            <a:p>
+              <a:pPr algn="ctr"/>
+              <a:r>
+                <a:rPr lang="en-US" b="1" dirty="0">
+                  <a:solidFill>
+                    <a:sysClr val="windowText" lastClr="000000"/>
+                  </a:solidFill>
+                </a:rPr>
+                <a:t>M</a:t>
+              </a:r>
+              <a:endParaRPr lang="en-US" b="1" dirty="0">
+                <a:solidFill>
+                  <a:sysClr val="windowText" lastClr="000000"/>
+                </a:solidFill>
+              </a:endParaRPr>
+            </a:p>
+          </p:txBody>
+        </p:sp>
+        <mc:AlternateContent xmlns:mc="http://schemas.openxmlformats.org/markup-compatibility/2006">
+          <mc:Choice xmlns:a14="http://schemas.microsoft.com/office/drawing/2010/main" Requires="a14">
+            <p:sp>
+              <p:nvSpPr>
+                <p:cNvPr id="172" name="CuadroTexto 171"/>
+                <p:cNvSpPr txBox="1"/>
+                <p:nvPr/>
+              </p:nvSpPr>
+              <p:spPr>
+                <a:xfrm>
+                  <a:off x="8235047" y="2687290"/>
+                  <a:ext cx="421461" cy="307777"/>
+                </a:xfrm>
+                <a:prstGeom prst="rect">
+                  <a:avLst/>
+                </a:prstGeom>
+                <a:noFill/>
+              </p:spPr>
+              <p:txBody>
+                <a:bodyPr wrap="none" rtlCol="0">
+                  <a:spAutoFit/>
+                </a:bodyPr>
+                <a:lstStyle/>
+                <a:p>
+                  <a14:m>
+                    <m:oMathPara xmlns:m="http://schemas.openxmlformats.org/officeDocument/2006/math">
+                      <m:oMathParaPr>
+                        <m:jc m:val="centerGroup"/>
+                      </m:oMathParaPr>
+                      <m:oMath xmlns:m="http://schemas.openxmlformats.org/officeDocument/2006/math">
+                        <m:sSub>
+                          <m:sSubPr>
+                            <m:ctrlPr>
+                              <a:rPr lang="en-US" sz="1400" i="1" smtClean="0">
+                                <a:latin typeface="Cambria Math" panose="02040503050406030204" pitchFamily="18" charset="0"/>
+                              </a:rPr>
+                            </m:ctrlPr>
+                          </m:sSubPr>
+                          <m:e>
+                            <m:r>
+                              <a:rPr lang="en-US" sz="1400" i="1">
+                                <a:latin typeface="Cambria Math" panose="02040503050406030204" pitchFamily="18" charset="0"/>
+                              </a:rPr>
+                              <m:t>𝑂</m:t>
+                            </m:r>
+                          </m:e>
+                          <m:sub>
+                            <m:r>
+                              <a:rPr lang="en-US" sz="1400" b="0" i="1" smtClean="0">
+                                <a:latin typeface="Cambria Math" panose="02040503050406030204" pitchFamily="18" charset="0"/>
+                              </a:rPr>
+                              <m:t>3</m:t>
+                            </m:r>
+                          </m:sub>
+                        </m:sSub>
+                      </m:oMath>
+                    </m:oMathPara>
+                  </a14:m>
+                  <a:endParaRPr lang="en-US" sz="1400" dirty="0"/>
+                </a:p>
+              </p:txBody>
+            </p:sp>
+          </mc:Choice>
+          <mc:Fallback>
+            <p:sp>
+              <p:nvSpPr>
+                <p:cNvPr id="172" name="CuadroTexto 171"/>
+                <p:cNvSpPr txBox="1">
+                  <a:spLocks noRot="1" noChangeAspect="1" noMove="1" noResize="1" noEditPoints="1" noAdjustHandles="1" noChangeArrowheads="1" noChangeShapeType="1" noTextEdit="1"/>
+                </p:cNvSpPr>
+                <p:nvPr/>
+              </p:nvSpPr>
+              <p:spPr>
+                <a:xfrm>
+                  <a:off x="8235047" y="2687290"/>
+                  <a:ext cx="421461" cy="307777"/>
+                </a:xfrm>
+                <a:prstGeom prst="rect">
+                  <a:avLst/>
+                </a:prstGeom>
+                <a:blipFill rotWithShape="0">
+                  <a:blip r:embed="rId8"/>
+                  <a:stretch>
+                    <a:fillRect/>
+                  </a:stretch>
+                </a:blipFill>
+              </p:spPr>
+              <p:txBody>
+                <a:bodyPr/>
+                <a:lstStyle/>
+                <a:p>
+                  <a:r>
+                    <a:rPr lang="en-US">
+                      <a:noFill/>
+                    </a:rPr>
+                    <a:t> </a:t>
+                  </a:r>
+                </a:p>
+              </p:txBody>
+            </p:sp>
+          </mc:Fallback>
+        </mc:AlternateContent>
+      </p:grpSp>
+      <p:grpSp>
+        <p:nvGrpSpPr>
+          <p:cNvPr id="61" name="Grupo 60"/>
+          <p:cNvGrpSpPr/>
+          <p:nvPr/>
+        </p:nvGrpSpPr>
+        <p:grpSpPr>
+          <a:xfrm>
+            <a:off x="8202113" y="4699828"/>
+            <a:ext cx="457200" cy="744747"/>
+            <a:chOff x="8205576" y="3665500"/>
+            <a:chExt cx="457200" cy="744747"/>
+          </a:xfrm>
+        </p:grpSpPr>
+        <p:sp>
+          <p:nvSpPr>
+            <p:cNvPr id="146" name="Rectángulo 145"/>
+            <p:cNvSpPr/>
+            <p:nvPr/>
+          </p:nvSpPr>
+          <p:spPr>
+            <a:xfrm>
+              <a:off x="8205576" y="3953047"/>
+              <a:ext cx="457200" cy="457200"/>
+            </a:xfrm>
+            <a:prstGeom prst="rect">
+              <a:avLst/>
+            </a:prstGeom>
+            <a:solidFill>
+              <a:srgbClr val="66FF33"/>
+            </a:solidFill>
+            <a:ln>
+              <a:solidFill>
+                <a:schemeClr val="tx1"/>
+              </a:solidFill>
+            </a:ln>
+          </p:spPr>
+          <p:style>
+            <a:lnRef idx="3">
+              <a:schemeClr val="lt1"/>
+            </a:lnRef>
+            <a:fillRef idx="1">
+              <a:schemeClr val="accent2"/>
+            </a:fillRef>
+            <a:effectRef idx="1">
+              <a:schemeClr val="accent2"/>
+            </a:effectRef>
+            <a:fontRef idx="minor">
+              <a:schemeClr val="lt1"/>
+            </a:fontRef>
+          </p:style>
+          <p:txBody>
+            <a:bodyPr rtlCol="0" anchor="ctr"/>
+            <a:lstStyle/>
+            <a:p>
+              <a:pPr algn="ctr"/>
+              <a:endParaRPr lang="en-US" dirty="0">
+                <a:solidFill>
+                  <a:sysClr val="windowText" lastClr="000000"/>
+                </a:solidFill>
+              </a:endParaRPr>
+            </a:p>
+          </p:txBody>
+        </p:sp>
+        <mc:AlternateContent xmlns:mc="http://schemas.openxmlformats.org/markup-compatibility/2006">
+          <mc:Choice xmlns:a14="http://schemas.microsoft.com/office/drawing/2010/main" Requires="a14">
+            <p:sp>
+              <p:nvSpPr>
+                <p:cNvPr id="173" name="CuadroTexto 172"/>
+                <p:cNvSpPr txBox="1"/>
+                <p:nvPr/>
+              </p:nvSpPr>
+              <p:spPr>
+                <a:xfrm>
+                  <a:off x="8239347" y="3665500"/>
+                  <a:ext cx="417294" cy="307777"/>
+                </a:xfrm>
+                <a:prstGeom prst="rect">
+                  <a:avLst/>
+                </a:prstGeom>
+                <a:noFill/>
+              </p:spPr>
+              <p:txBody>
+                <a:bodyPr wrap="none" rtlCol="0">
+                  <a:spAutoFit/>
+                </a:bodyPr>
+                <a:lstStyle/>
+                <a:p>
+                  <a:pPr/>
+                  <a14:m>
+                    <m:oMathPara xmlns:m="http://schemas.openxmlformats.org/officeDocument/2006/math">
+                      <m:oMathParaPr>
+                        <m:jc m:val="centerGroup"/>
+                      </m:oMathParaPr>
+                      <m:oMath xmlns:m="http://schemas.openxmlformats.org/officeDocument/2006/math">
+                        <m:sSub>
+                          <m:sSubPr>
+                            <m:ctrlPr>
+                              <a:rPr lang="en-US" sz="1400" i="1">
+                                <a:latin typeface="Cambria Math" panose="02040503050406030204" pitchFamily="18" charset="0"/>
+                              </a:rPr>
+                            </m:ctrlPr>
+                          </m:sSubPr>
+                          <m:e>
+                            <m:r>
+                              <a:rPr lang="en-US" sz="1400" i="1">
+                                <a:latin typeface="Cambria Math" panose="02040503050406030204" pitchFamily="18" charset="0"/>
+                              </a:rPr>
+                              <m:t>𝑂</m:t>
+                            </m:r>
+                          </m:e>
+                          <m:sub>
+                            <m:r>
+                              <a:rPr lang="en-US" sz="1400" i="1">
+                                <a:latin typeface="Cambria Math" panose="02040503050406030204" pitchFamily="18" charset="0"/>
+                              </a:rPr>
+                              <m:t>1</m:t>
+                            </m:r>
+                          </m:sub>
+                        </m:sSub>
+                      </m:oMath>
+                    </m:oMathPara>
+                  </a14:m>
+                  <a:endParaRPr lang="en-US" sz="1400" dirty="0"/>
+                </a:p>
+              </p:txBody>
+            </p:sp>
+          </mc:Choice>
+          <mc:Fallback>
+            <p:sp>
+              <p:nvSpPr>
+                <p:cNvPr id="173" name="CuadroTexto 172"/>
+                <p:cNvSpPr txBox="1">
+                  <a:spLocks noRot="1" noChangeAspect="1" noMove="1" noResize="1" noEditPoints="1" noAdjustHandles="1" noChangeArrowheads="1" noChangeShapeType="1" noTextEdit="1"/>
+                </p:cNvSpPr>
+                <p:nvPr/>
+              </p:nvSpPr>
+              <p:spPr>
+                <a:xfrm>
+                  <a:off x="8239347" y="3665500"/>
+                  <a:ext cx="417294" cy="307777"/>
+                </a:xfrm>
+                <a:prstGeom prst="rect">
+                  <a:avLst/>
+                </a:prstGeom>
+                <a:blipFill rotWithShape="0">
+                  <a:blip r:embed="rId9"/>
+                  <a:stretch>
+                    <a:fillRect/>
+                  </a:stretch>
+                </a:blipFill>
+              </p:spPr>
+              <p:txBody>
+                <a:bodyPr/>
+                <a:lstStyle/>
+                <a:p>
+                  <a:r>
+                    <a:rPr lang="en-US">
+                      <a:noFill/>
+                    </a:rPr>
+                    <a:t> </a:t>
+                  </a:r>
+                </a:p>
+              </p:txBody>
+            </p:sp>
+          </mc:Fallback>
+        </mc:AlternateContent>
+      </p:grpSp>
+      <mc:AlternateContent xmlns:mc="http://schemas.openxmlformats.org/markup-compatibility/2006">
+        <mc:Choice xmlns:a14="http://schemas.microsoft.com/office/drawing/2010/main" Requires="a14">
+          <p:sp>
+            <p:nvSpPr>
+              <p:cNvPr id="66" name="CuadroTexto 65"/>
+              <p:cNvSpPr txBox="1"/>
+              <p:nvPr/>
+            </p:nvSpPr>
+            <p:spPr>
+              <a:xfrm>
+                <a:off x="1193285" y="405515"/>
+                <a:ext cx="935897" cy="584775"/>
+              </a:xfrm>
+              <a:prstGeom prst="rect">
+                <a:avLst/>
+              </a:prstGeom>
+              <a:noFill/>
+            </p:spPr>
+            <p:txBody>
+              <a:bodyPr wrap="none" rtlCol="0">
+                <a:spAutoFit/>
+              </a:bodyPr>
+              <a:lstStyle/>
+              <a:p>
+                <a:pPr/>
+                <a14:m>
+                  <m:oMathPara xmlns:m="http://schemas.openxmlformats.org/officeDocument/2006/math">
+                    <m:oMathParaPr>
+                      <m:jc m:val="centerGroup"/>
+                    </m:oMathParaPr>
+                    <m:oMath xmlns:m="http://schemas.openxmlformats.org/officeDocument/2006/math">
+                      <m:sSub>
+                        <m:sSubPr>
+                          <m:ctrlPr>
+                            <a:rPr lang="en-US" sz="3200" b="1" i="1" smtClean="0">
+                              <a:latin typeface="Cambria Math" panose="02040503050406030204" pitchFamily="18" charset="0"/>
+                            </a:rPr>
+                          </m:ctrlPr>
+                        </m:sSubPr>
+                        <m:e>
+                          <m:r>
+                            <a:rPr lang="en-US" sz="3200" b="1" i="1" smtClean="0">
+                              <a:latin typeface="Cambria Math" panose="02040503050406030204" pitchFamily="18" charset="0"/>
+                            </a:rPr>
+                            <m:t>𝒉</m:t>
+                          </m:r>
+                        </m:e>
+                        <m:sub>
+                          <m:r>
+                            <a:rPr lang="en-US" sz="3200" b="1" i="1" smtClean="0">
+                              <a:latin typeface="Cambria Math" panose="02040503050406030204" pitchFamily="18" charset="0"/>
+                            </a:rPr>
+                            <m:t>𝑭𝑭</m:t>
+                          </m:r>
+                        </m:sub>
+                      </m:sSub>
+                    </m:oMath>
+                  </m:oMathPara>
+                </a14:m>
+                <a:endParaRPr lang="en-US" sz="3200" b="1" dirty="0"/>
+              </a:p>
+            </p:txBody>
+          </p:sp>
+        </mc:Choice>
+        <mc:Fallback>
+          <p:sp>
+            <p:nvSpPr>
+              <p:cNvPr id="66" name="CuadroTexto 65"/>
+              <p:cNvSpPr txBox="1">
+                <a:spLocks noRot="1" noChangeAspect="1" noMove="1" noResize="1" noEditPoints="1" noAdjustHandles="1" noChangeArrowheads="1" noChangeShapeType="1" noTextEdit="1"/>
+              </p:cNvSpPr>
+              <p:nvPr/>
+            </p:nvSpPr>
+            <p:spPr>
+              <a:xfrm>
+                <a:off x="1193285" y="405515"/>
+                <a:ext cx="935897" cy="584775"/>
+              </a:xfrm>
+              <a:prstGeom prst="rect">
+                <a:avLst/>
+              </a:prstGeom>
+              <a:blipFill rotWithShape="0">
+                <a:blip r:embed="rId10"/>
+                <a:stretch>
+                  <a:fillRect/>
+                </a:stretch>
+              </a:blipFill>
+            </p:spPr>
+            <p:txBody>
+              <a:bodyPr/>
+              <a:lstStyle/>
+              <a:p>
+                <a:r>
+                  <a:rPr lang="en-US">
+                    <a:noFill/>
+                  </a:rPr>
+                  <a:t> </a:t>
+                </a:r>
+              </a:p>
+            </p:txBody>
+          </p:sp>
+        </mc:Fallback>
+      </mc:AlternateContent>
+    </p:spTree>
+    <p:extLst>
+      <p:ext uri="{BB962C8B-B14F-4D97-AF65-F5344CB8AC3E}">
+        <p14:creationId xmlns:p14="http://schemas.microsoft.com/office/powerpoint/2010/main" val="1761013324"/>
+      </p:ext>
+    </p:extLst>
+  </p:cSld>
+  <p:clrMapOvr>
+    <a:masterClrMapping/>
+  </p:clrMapOvr>
+</p:sld>
+</file>
+
+<file path=ppt/slides/slide6.xml><?xml version="1.0" encoding="utf-8"?>
 <p:sld xmlns:a="http://schemas.openxmlformats.org/drawingml/2006/main" xmlns:r="http://schemas.openxmlformats.org/officeDocument/2006/relationships" xmlns:p="http://schemas.openxmlformats.org/presentationml/2006/main">
   <p:cSld>
     <p:spTree>
@@ -29949,7 +34704,7 @@
 </p:sld>
 </file>
 
-<file path=ppt/slides/slide6.xml><?xml version="1.0" encoding="utf-8"?>
+<file path=ppt/slides/slide7.xml><?xml version="1.0" encoding="utf-8"?>
 <p:sld xmlns:a="http://schemas.openxmlformats.org/drawingml/2006/main" xmlns:r="http://schemas.openxmlformats.org/officeDocument/2006/relationships" xmlns:p="http://schemas.openxmlformats.org/presentationml/2006/main">
   <p:cSld>
     <p:spTree>
